--- a/2014_Presentations/03_March/PleitzProcMI-2014-03.pptx
+++ b/2014_Presentations/03_March/PleitzProcMI-2014-03.pptx
@@ -5,33 +5,35 @@
     <p:sldMasterId id="2147483648" r:id="rId1"/>
   </p:sldMasterIdLst>
   <p:notesMasterIdLst>
-    <p:notesMasterId r:id="rId26"/>
+    <p:notesMasterId r:id="rId28"/>
   </p:notesMasterIdLst>
   <p:sldIdLst>
     <p:sldId id="275" r:id="rId2"/>
     <p:sldId id="259" r:id="rId3"/>
     <p:sldId id="276" r:id="rId4"/>
     <p:sldId id="277" r:id="rId5"/>
-    <p:sldId id="258" r:id="rId6"/>
-    <p:sldId id="260" r:id="rId7"/>
-    <p:sldId id="262" r:id="rId8"/>
-    <p:sldId id="264" r:id="rId9"/>
-    <p:sldId id="278" r:id="rId10"/>
-    <p:sldId id="263" r:id="rId11"/>
-    <p:sldId id="265" r:id="rId12"/>
-    <p:sldId id="266" r:id="rId13"/>
-    <p:sldId id="273" r:id="rId14"/>
-    <p:sldId id="274" r:id="rId15"/>
-    <p:sldId id="270" r:id="rId16"/>
-    <p:sldId id="271" r:id="rId17"/>
-    <p:sldId id="272" r:id="rId18"/>
-    <p:sldId id="281" r:id="rId19"/>
-    <p:sldId id="268" r:id="rId20"/>
-    <p:sldId id="280" r:id="rId21"/>
-    <p:sldId id="269" r:id="rId22"/>
-    <p:sldId id="282" r:id="rId23"/>
-    <p:sldId id="283" r:id="rId24"/>
-    <p:sldId id="279" r:id="rId25"/>
+    <p:sldId id="284" r:id="rId6"/>
+    <p:sldId id="285" r:id="rId7"/>
+    <p:sldId id="278" r:id="rId8"/>
+    <p:sldId id="263" r:id="rId9"/>
+    <p:sldId id="265" r:id="rId10"/>
+    <p:sldId id="266" r:id="rId11"/>
+    <p:sldId id="273" r:id="rId12"/>
+    <p:sldId id="274" r:id="rId13"/>
+    <p:sldId id="270" r:id="rId14"/>
+    <p:sldId id="271" r:id="rId15"/>
+    <p:sldId id="272" r:id="rId16"/>
+    <p:sldId id="281" r:id="rId17"/>
+    <p:sldId id="268" r:id="rId18"/>
+    <p:sldId id="280" r:id="rId19"/>
+    <p:sldId id="269" r:id="rId20"/>
+    <p:sldId id="282" r:id="rId21"/>
+    <p:sldId id="283" r:id="rId22"/>
+    <p:sldId id="258" r:id="rId23"/>
+    <p:sldId id="260" r:id="rId24"/>
+    <p:sldId id="262" r:id="rId25"/>
+    <p:sldId id="264" r:id="rId26"/>
+    <p:sldId id="279" r:id="rId27"/>
   </p:sldIdLst>
   <p:sldSz cx="9144000" cy="6858000" type="screen4x3"/>
   <p:notesSz cx="6858000" cy="9144000"/>
@@ -215,7 +217,7 @@
           <a:p>
             <a:fld id="{E0A50129-6482-DB40-B20B-2590ED758227}" type="datetimeFigureOut">
               <a:rPr lang="en-US" smtClean="0"/>
-              <a:t>3/3/14</a:t>
+              <a:t>3/4/2014</a:t>
             </a:fld>
             <a:endParaRPr lang="en-US"/>
           </a:p>
@@ -564,7 +566,7 @@
           <a:p>
             <a:fld id="{E7C79255-5FEF-B746-BDE8-3C9E694F03A9}" type="slidenum">
               <a:rPr lang="en-US" smtClean="0"/>
-              <a:t>18</a:t>
+              <a:t>16</a:t>
             </a:fld>
             <a:endParaRPr lang="en-US"/>
           </a:p>
@@ -764,7 +766,7 @@
           <a:p>
             <a:fld id="{C5227178-0467-164D-B028-682AA43BF4AC}" type="datetimeFigureOut">
               <a:rPr lang="en-US" smtClean="0"/>
-              <a:t>3/3/14</a:t>
+              <a:t>3/4/2014</a:t>
             </a:fld>
             <a:endParaRPr lang="en-US"/>
           </a:p>
@@ -934,7 +936,7 @@
           <a:p>
             <a:fld id="{C5227178-0467-164D-B028-682AA43BF4AC}" type="datetimeFigureOut">
               <a:rPr lang="en-US" smtClean="0"/>
-              <a:t>3/3/14</a:t>
+              <a:t>3/4/2014</a:t>
             </a:fld>
             <a:endParaRPr lang="en-US"/>
           </a:p>
@@ -1114,7 +1116,7 @@
           <a:p>
             <a:fld id="{C5227178-0467-164D-B028-682AA43BF4AC}" type="datetimeFigureOut">
               <a:rPr lang="en-US" smtClean="0"/>
-              <a:t>3/3/14</a:t>
+              <a:t>3/4/2014</a:t>
             </a:fld>
             <a:endParaRPr lang="en-US"/>
           </a:p>
@@ -1284,7 +1286,7 @@
           <a:p>
             <a:fld id="{C5227178-0467-164D-B028-682AA43BF4AC}" type="datetimeFigureOut">
               <a:rPr lang="en-US" smtClean="0"/>
-              <a:t>3/3/14</a:t>
+              <a:t>3/4/2014</a:t>
             </a:fld>
             <a:endParaRPr lang="en-US"/>
           </a:p>
@@ -1530,7 +1532,7 @@
           <a:p>
             <a:fld id="{C5227178-0467-164D-B028-682AA43BF4AC}" type="datetimeFigureOut">
               <a:rPr lang="en-US" smtClean="0"/>
-              <a:t>3/3/14</a:t>
+              <a:t>3/4/2014</a:t>
             </a:fld>
             <a:endParaRPr lang="en-US"/>
           </a:p>
@@ -1818,7 +1820,7 @@
           <a:p>
             <a:fld id="{C5227178-0467-164D-B028-682AA43BF4AC}" type="datetimeFigureOut">
               <a:rPr lang="en-US" smtClean="0"/>
-              <a:t>3/3/14</a:t>
+              <a:t>3/4/2014</a:t>
             </a:fld>
             <a:endParaRPr lang="en-US"/>
           </a:p>
@@ -2240,7 +2242,7 @@
           <a:p>
             <a:fld id="{C5227178-0467-164D-B028-682AA43BF4AC}" type="datetimeFigureOut">
               <a:rPr lang="en-US" smtClean="0"/>
-              <a:t>3/3/14</a:t>
+              <a:t>3/4/2014</a:t>
             </a:fld>
             <a:endParaRPr lang="en-US"/>
           </a:p>
@@ -2358,7 +2360,7 @@
           <a:p>
             <a:fld id="{C5227178-0467-164D-B028-682AA43BF4AC}" type="datetimeFigureOut">
               <a:rPr lang="en-US" smtClean="0"/>
-              <a:t>3/3/14</a:t>
+              <a:t>3/4/2014</a:t>
             </a:fld>
             <a:endParaRPr lang="en-US"/>
           </a:p>
@@ -2453,7 +2455,7 @@
           <a:p>
             <a:fld id="{C5227178-0467-164D-B028-682AA43BF4AC}" type="datetimeFigureOut">
               <a:rPr lang="en-US" smtClean="0"/>
-              <a:t>3/3/14</a:t>
+              <a:t>3/4/2014</a:t>
             </a:fld>
             <a:endParaRPr lang="en-US"/>
           </a:p>
@@ -2730,7 +2732,7 @@
           <a:p>
             <a:fld id="{C5227178-0467-164D-B028-682AA43BF4AC}" type="datetimeFigureOut">
               <a:rPr lang="en-US" smtClean="0"/>
-              <a:t>3/3/14</a:t>
+              <a:t>3/4/2014</a:t>
             </a:fld>
             <a:endParaRPr lang="en-US"/>
           </a:p>
@@ -2983,7 +2985,7 @@
           <a:p>
             <a:fld id="{C5227178-0467-164D-B028-682AA43BF4AC}" type="datetimeFigureOut">
               <a:rPr lang="en-US" smtClean="0"/>
-              <a:t>3/3/14</a:t>
+              <a:t>3/4/2014</a:t>
             </a:fld>
             <a:endParaRPr lang="en-US"/>
           </a:p>
@@ -3196,7 +3198,7 @@
           <a:p>
             <a:fld id="{C5227178-0467-164D-B028-682AA43BF4AC}" type="datetimeFigureOut">
               <a:rPr lang="en-US" smtClean="0"/>
-              <a:t>3/3/14</a:t>
+              <a:t>3/4/2014</a:t>
             </a:fld>
             <a:endParaRPr lang="en-US"/>
           </a:p>
@@ -3609,7 +3611,7 @@
   <p:timing>
     <p:tnLst>
       <p:par>
-        <p:cTn xmlns:p14="http://schemas.microsoft.com/office/powerpoint/2010/main" id="1" dur="indefinite" restart="never" nodeType="tmRoot"/>
+        <p:cTn id="1" dur="indefinite" restart="never" nodeType="tmRoot"/>
       </p:par>
     </p:tnLst>
   </p:timing>
@@ -3645,231 +3647,286 @@
         </p:nvSpPr>
         <p:spPr/>
         <p:txBody>
-          <a:bodyPr/>
-          <a:lstStyle/>
-          <a:p>
-            <a:r>
-              <a:rPr lang="en-US" dirty="0" smtClean="0"/>
-              <a:t>Data Set</a:t>
-            </a:r>
-            <a:endParaRPr lang="en-US" dirty="0"/>
-          </a:p>
-        </p:txBody>
-      </p:sp>
-      <p:sp>
-        <p:nvSpPr>
-          <p:cNvPr id="3" name="Content Placeholder 2"/>
-          <p:cNvSpPr>
-            <a:spLocks noGrp="1"/>
-          </p:cNvSpPr>
-          <p:nvPr>
-            <p:ph idx="1"/>
-          </p:nvPr>
-        </p:nvSpPr>
-        <p:spPr/>
-        <p:txBody>
           <a:bodyPr>
-            <a:normAutofit fontScale="25000" lnSpcReduction="20000"/>
+            <a:normAutofit fontScale="90000"/>
           </a:bodyPr>
           <a:lstStyle/>
           <a:p>
             <a:r>
-              <a:rPr lang="en-US" dirty="0"/>
-              <a:t>1 44.609 	11.37 	178 </a:t>
-            </a:r>
-          </a:p>
-          <a:p>
-            <a:r>
-              <a:rPr lang="en-US" dirty="0"/>
-              <a:t>2 54.297 	8.65 	156 </a:t>
-            </a:r>
-          </a:p>
-          <a:p>
-            <a:r>
-              <a:rPr lang="en-US" dirty="0"/>
-              <a:t>3 49.874 	9.22 	. 	</a:t>
-            </a:r>
-          </a:p>
-          <a:p>
-            <a:r>
-              <a:rPr lang="en-US" dirty="0"/>
-              <a:t>4 . 		11.95 	176 </a:t>
-            </a:r>
-          </a:p>
-          <a:p>
-            <a:r>
-              <a:rPr lang="en-US" dirty="0"/>
-              <a:t>5 39.442 	13.08 	174 </a:t>
-            </a:r>
-          </a:p>
-          <a:p>
-            <a:r>
-              <a:rPr lang="en-US" dirty="0"/>
-              <a:t>6 50.541 	. 		. 	</a:t>
-            </a:r>
-          </a:p>
-          <a:p>
-            <a:r>
-              <a:rPr lang="en-US" dirty="0"/>
-              <a:t>7 44.754 	11.12 	176 </a:t>
-            </a:r>
-          </a:p>
-          <a:p>
-            <a:r>
-              <a:rPr lang="en-US" dirty="0"/>
-              <a:t>8 51.855 	10.33 	166 </a:t>
-            </a:r>
-          </a:p>
-          <a:p>
-            <a:r>
-              <a:rPr lang="en-US" dirty="0"/>
-              <a:t>9 40.836 	10.95 	168 </a:t>
-            </a:r>
-          </a:p>
-          <a:p>
-            <a:r>
-              <a:rPr lang="en-US" dirty="0"/>
-              <a:t>10 . 		10.25 	. 	</a:t>
-            </a:r>
-          </a:p>
-          <a:p>
-            <a:r>
-              <a:rPr lang="en-US" dirty="0"/>
-              <a:t>11 39.407 	12.63 	174 </a:t>
-            </a:r>
-          </a:p>
-          <a:p>
-            <a:r>
-              <a:rPr lang="en-US" dirty="0"/>
-              <a:t>12 45.441 	9.63 	164 </a:t>
-            </a:r>
-          </a:p>
-          <a:p>
-            <a:r>
-              <a:rPr lang="en-US" dirty="0"/>
-              <a:t>13 45.118 	11.08 	. 	</a:t>
-            </a:r>
-          </a:p>
-          <a:p>
-            <a:r>
-              <a:rPr lang="en-US" dirty="0"/>
-              <a:t>14 45.790 	10.47 	186 </a:t>
-            </a:r>
-          </a:p>
-          <a:p>
-            <a:r>
-              <a:rPr lang="en-US" dirty="0"/>
-              <a:t>15 48.673 	9.40 	186 </a:t>
-            </a:r>
-          </a:p>
-          <a:p>
-            <a:r>
-              <a:rPr lang="en-US" dirty="0"/>
-              <a:t>16 47.467 	10.50 	170 </a:t>
-            </a:r>
-          </a:p>
-          <a:p>
-            <a:r>
-              <a:rPr lang="en-US" dirty="0"/>
-              <a:t>17 45.313 	10.07 	185 </a:t>
-            </a:r>
-          </a:p>
-          <a:p>
-            <a:r>
-              <a:rPr lang="en-US" dirty="0"/>
-              <a:t>18 59.571 	. 		.   </a:t>
-            </a:r>
-          </a:p>
-          <a:p>
-            <a:r>
-              <a:rPr lang="en-US" dirty="0"/>
-              <a:t>19 44.811 	11.63 	176 </a:t>
-            </a:r>
-          </a:p>
-          <a:p>
-            <a:r>
-              <a:rPr lang="en-US" dirty="0"/>
-              <a:t>20 49.091 	10.85 	.   </a:t>
-            </a:r>
-          </a:p>
-          <a:p>
-            <a:r>
-              <a:rPr lang="en-US" dirty="0"/>
-              <a:t>21 60.055 	8.63 	170 </a:t>
-            </a:r>
-          </a:p>
-          <a:p>
-            <a:r>
-              <a:rPr lang="en-US" dirty="0"/>
-              <a:t>22 37.388 	14.03 	186 </a:t>
-            </a:r>
-          </a:p>
-          <a:p>
-            <a:r>
-              <a:rPr lang="en-US" dirty="0"/>
-              <a:t>23 47.273 	. 		.   </a:t>
-            </a:r>
-          </a:p>
-          <a:p>
-            <a:r>
-              <a:rPr lang="en-US" dirty="0"/>
-              <a:t>24 49.156 	8.95 	180 </a:t>
-            </a:r>
-          </a:p>
-          <a:p>
-            <a:r>
-              <a:rPr lang="en-US" dirty="0"/>
-              <a:t>25 46.672 	10.00 	.   </a:t>
-            </a:r>
-          </a:p>
-          <a:p>
-            <a:r>
-              <a:rPr lang="en-US" dirty="0"/>
-              <a:t>26 50.388 	10.08 	168 </a:t>
-            </a:r>
-          </a:p>
-          <a:p>
-            <a:r>
-              <a:rPr lang="en-US" dirty="0"/>
-              <a:t>27 46.080 	11.17 	156 </a:t>
-            </a:r>
-          </a:p>
-          <a:p>
-            <a:r>
-              <a:rPr lang="en-US" dirty="0"/>
-              <a:t>28 . 		8.92 	146 </a:t>
-            </a:r>
-          </a:p>
-          <a:p>
-            <a:r>
-              <a:rPr lang="en-US" dirty="0"/>
-              <a:t>29 39.203 	12.88 	168 </a:t>
-            </a:r>
-          </a:p>
-          <a:p>
-            <a:r>
-              <a:rPr lang="en-US" dirty="0"/>
-              <a:t>30 50.545 	9.93 	148 </a:t>
-            </a:r>
-          </a:p>
-          <a:p>
-            <a:r>
-              <a:rPr lang="en-US" dirty="0"/>
-              <a:t>31 47.920 	11.50 	170 </a:t>
-            </a:r>
-          </a:p>
-          <a:p>
+              <a:rPr lang="en-US" dirty="0" smtClean="0"/>
+              <a:t>Correlation Matrix for Missing Data Set (N=21)</a:t>
+            </a:r>
             <a:endParaRPr lang="en-US" dirty="0"/>
           </a:p>
-          <a:p>
-            <a:endParaRPr lang="en-US" dirty="0"/>
-          </a:p>
-        </p:txBody>
-      </p:sp>
+        </p:txBody>
+      </p:sp>
+      <p:graphicFrame>
+        <p:nvGraphicFramePr>
+          <p:cNvPr id="4" name="Content Placeholder 3"/>
+          <p:cNvGraphicFramePr>
+            <a:graphicFrameLocks noGrp="1"/>
+          </p:cNvGraphicFramePr>
+          <p:nvPr>
+            <p:ph idx="1"/>
+            <p:extLst>
+              <p:ext uri="{D42A27DB-BD31-4B8C-83A1-F6EECF244321}">
+                <p14:modId xmlns:p14="http://schemas.microsoft.com/office/powerpoint/2010/main" val="3407267724"/>
+              </p:ext>
+            </p:extLst>
+          </p:nvPr>
+        </p:nvGraphicFramePr>
+        <p:xfrm>
+          <a:off x="1284905" y="2271143"/>
+          <a:ext cx="6583680" cy="1483360"/>
+        </p:xfrm>
+        <a:graphic>
+          <a:graphicData uri="http://schemas.openxmlformats.org/drawingml/2006/table">
+            <a:tbl>
+              <a:tblPr firstRow="1" bandRow="1">
+                <a:tableStyleId>{5C22544A-7EE6-4342-B048-85BDC9FD1C3A}</a:tableStyleId>
+              </a:tblPr>
+              <a:tblGrid>
+                <a:gridCol w="1645920"/>
+                <a:gridCol w="1645920"/>
+                <a:gridCol w="1645920"/>
+                <a:gridCol w="1645920"/>
+              </a:tblGrid>
+              <a:tr h="370840">
+                <a:tc>
+                  <a:txBody>
+                    <a:bodyPr/>
+                    <a:lstStyle/>
+                    <a:p>
+                      <a:endParaRPr lang="en-US" dirty="0"/>
+                    </a:p>
+                  </a:txBody>
+                  <a:tcPr/>
+                </a:tc>
+                <a:tc>
+                  <a:txBody>
+                    <a:bodyPr/>
+                    <a:lstStyle/>
+                    <a:p>
+                      <a:r>
+                        <a:rPr lang="en-US" dirty="0" smtClean="0"/>
+                        <a:t>Oxygen</a:t>
+                      </a:r>
+                      <a:endParaRPr lang="en-US" dirty="0"/>
+                    </a:p>
+                  </a:txBody>
+                  <a:tcPr/>
+                </a:tc>
+                <a:tc>
+                  <a:txBody>
+                    <a:bodyPr/>
+                    <a:lstStyle/>
+                    <a:p>
+                      <a:r>
+                        <a:rPr lang="en-US" dirty="0" smtClean="0"/>
+                        <a:t>Run Time </a:t>
+                      </a:r>
+                      <a:endParaRPr lang="en-US" dirty="0"/>
+                    </a:p>
+                  </a:txBody>
+                  <a:tcPr/>
+                </a:tc>
+                <a:tc>
+                  <a:txBody>
+                    <a:bodyPr/>
+                    <a:lstStyle/>
+                    <a:p>
+                      <a:r>
+                        <a:rPr lang="en-US" dirty="0" smtClean="0"/>
+                        <a:t>Run Pulse</a:t>
+                      </a:r>
+                      <a:endParaRPr lang="en-US" dirty="0"/>
+                    </a:p>
+                  </a:txBody>
+                  <a:tcPr/>
+                </a:tc>
+              </a:tr>
+              <a:tr h="370840">
+                <a:tc>
+                  <a:txBody>
+                    <a:bodyPr/>
+                    <a:lstStyle/>
+                    <a:p>
+                      <a:r>
+                        <a:rPr lang="en-US" dirty="0" smtClean="0"/>
+                        <a:t>Oxygen</a:t>
+                      </a:r>
+                      <a:endParaRPr lang="en-US" dirty="0"/>
+                    </a:p>
+                  </a:txBody>
+                  <a:tcPr/>
+                </a:tc>
+                <a:tc>
+                  <a:txBody>
+                    <a:bodyPr/>
+                    <a:lstStyle/>
+                    <a:p>
+                      <a:r>
+                        <a:rPr lang="en-US" dirty="0" smtClean="0"/>
+                        <a:t>1.00</a:t>
+                      </a:r>
+                      <a:endParaRPr lang="en-US" dirty="0"/>
+                    </a:p>
+                  </a:txBody>
+                  <a:tcPr/>
+                </a:tc>
+                <a:tc>
+                  <a:txBody>
+                    <a:bodyPr/>
+                    <a:lstStyle/>
+                    <a:p>
+                      <a:r>
+                        <a:rPr lang="en-US" dirty="0" smtClean="0"/>
+                        <a:t>-0.85</a:t>
+                      </a:r>
+                      <a:endParaRPr lang="en-US" dirty="0"/>
+                    </a:p>
+                  </a:txBody>
+                  <a:tcPr/>
+                </a:tc>
+                <a:tc>
+                  <a:txBody>
+                    <a:bodyPr/>
+                    <a:lstStyle/>
+                    <a:p>
+                      <a:r>
+                        <a:rPr lang="en-US" dirty="0" smtClean="0"/>
+                        <a:t>-0.34</a:t>
+                      </a:r>
+                      <a:endParaRPr lang="en-US" dirty="0"/>
+                    </a:p>
+                  </a:txBody>
+                  <a:tcPr/>
+                </a:tc>
+              </a:tr>
+              <a:tr h="370840">
+                <a:tc>
+                  <a:txBody>
+                    <a:bodyPr/>
+                    <a:lstStyle/>
+                    <a:p>
+                      <a:r>
+                        <a:rPr lang="en-US" dirty="0" smtClean="0"/>
+                        <a:t>Run Time</a:t>
+                      </a:r>
+                      <a:endParaRPr lang="en-US" dirty="0"/>
+                    </a:p>
+                  </a:txBody>
+                  <a:tcPr/>
+                </a:tc>
+                <a:tc>
+                  <a:txBody>
+                    <a:bodyPr/>
+                    <a:lstStyle/>
+                    <a:p>
+                      <a:r>
+                        <a:rPr lang="en-US" dirty="0" smtClean="0"/>
+                        <a:t>-0.85</a:t>
+                      </a:r>
+                      <a:endParaRPr lang="en-US" dirty="0"/>
+                    </a:p>
+                  </a:txBody>
+                  <a:tcPr/>
+                </a:tc>
+                <a:tc>
+                  <a:txBody>
+                    <a:bodyPr/>
+                    <a:lstStyle/>
+                    <a:p>
+                      <a:r>
+                        <a:rPr lang="en-US" dirty="0" smtClean="0"/>
+                        <a:t>1.00</a:t>
+                      </a:r>
+                      <a:endParaRPr lang="en-US" dirty="0"/>
+                    </a:p>
+                  </a:txBody>
+                  <a:tcPr/>
+                </a:tc>
+                <a:tc>
+                  <a:txBody>
+                    <a:bodyPr/>
+                    <a:lstStyle/>
+                    <a:p>
+                      <a:r>
+                        <a:rPr lang="en-US" dirty="0" smtClean="0"/>
+                        <a:t>0.23</a:t>
+                      </a:r>
+                      <a:endParaRPr lang="en-US" dirty="0"/>
+                    </a:p>
+                  </a:txBody>
+                  <a:tcPr/>
+                </a:tc>
+              </a:tr>
+              <a:tr h="370840">
+                <a:tc>
+                  <a:txBody>
+                    <a:bodyPr/>
+                    <a:lstStyle/>
+                    <a:p>
+                      <a:r>
+                        <a:rPr lang="en-US" dirty="0" smtClean="0"/>
+                        <a:t>Run Pulse</a:t>
+                      </a:r>
+                      <a:endParaRPr lang="en-US" dirty="0"/>
+                    </a:p>
+                  </a:txBody>
+                  <a:tcPr/>
+                </a:tc>
+                <a:tc>
+                  <a:txBody>
+                    <a:bodyPr/>
+                    <a:lstStyle/>
+                    <a:p>
+                      <a:r>
+                        <a:rPr lang="en-US" dirty="0" smtClean="0"/>
+                        <a:t>-0.34</a:t>
+                      </a:r>
+                      <a:endParaRPr lang="en-US" dirty="0"/>
+                    </a:p>
+                  </a:txBody>
+                  <a:tcPr/>
+                </a:tc>
+                <a:tc>
+                  <a:txBody>
+                    <a:bodyPr/>
+                    <a:lstStyle/>
+                    <a:p>
+                      <a:r>
+                        <a:rPr lang="en-US" dirty="0" smtClean="0"/>
+                        <a:t>0.23</a:t>
+                      </a:r>
+                      <a:endParaRPr lang="en-US" dirty="0"/>
+                    </a:p>
+                  </a:txBody>
+                  <a:tcPr/>
+                </a:tc>
+                <a:tc>
+                  <a:txBody>
+                    <a:bodyPr/>
+                    <a:lstStyle/>
+                    <a:p>
+                      <a:r>
+                        <a:rPr lang="en-US" dirty="0" smtClean="0"/>
+                        <a:t>1.00</a:t>
+                      </a:r>
+                      <a:endParaRPr lang="en-US" dirty="0"/>
+                    </a:p>
+                  </a:txBody>
+                  <a:tcPr/>
+                </a:tc>
+              </a:tr>
+            </a:tbl>
+          </a:graphicData>
+        </a:graphic>
+      </p:graphicFrame>
     </p:spTree>
     <p:extLst>
       <p:ext uri="{BB962C8B-B14F-4D97-AF65-F5344CB8AC3E}">
-        <p14:creationId xmlns:p14="http://schemas.microsoft.com/office/powerpoint/2010/main" val="3455902019"/>
+        <p14:creationId xmlns:p14="http://schemas.microsoft.com/office/powerpoint/2010/main" val="1093716349"/>
       </p:ext>
     </p:extLst>
   </p:cSld>
@@ -3915,30 +3972,90 @@
           <a:p>
             <a:r>
               <a:rPr lang="en-US" dirty="0" smtClean="0"/>
-              <a:t>Means for Data Set (After Removing Missing Data)</a:t>
-            </a:r>
+              <a:t>Regression With Missing Data Removed</a:t>
+            </a:r>
+            <a:endParaRPr lang="en-US" dirty="0"/>
+          </a:p>
+        </p:txBody>
+      </p:sp>
+      <p:sp>
+        <p:nvSpPr>
+          <p:cNvPr id="3" name="Content Placeholder 2"/>
+          <p:cNvSpPr>
+            <a:spLocks noGrp="1"/>
+          </p:cNvSpPr>
+          <p:nvPr>
+            <p:ph idx="1"/>
+          </p:nvPr>
+        </p:nvSpPr>
+        <p:spPr/>
+        <p:txBody>
+          <a:bodyPr/>
+          <a:lstStyle/>
+          <a:p>
+            <a:r>
+              <a:rPr lang="en-US" b="1" dirty="0" err="1"/>
+              <a:t>proc</a:t>
+            </a:r>
+            <a:r>
+              <a:rPr lang="en-US" dirty="0"/>
+              <a:t> </a:t>
+            </a:r>
+            <a:r>
+              <a:rPr lang="en-US" b="1" dirty="0" err="1"/>
+              <a:t>reg</a:t>
+            </a:r>
+            <a:r>
+              <a:rPr lang="en-US" dirty="0"/>
+              <a:t>;</a:t>
+            </a:r>
+          </a:p>
+          <a:p>
+            <a:r>
+              <a:rPr lang="en-US" dirty="0"/>
+              <a:t>model oxygen=runtime </a:t>
+            </a:r>
+            <a:r>
+              <a:rPr lang="en-US" dirty="0" err="1"/>
+              <a:t>runpulse</a:t>
+            </a:r>
+            <a:r>
+              <a:rPr lang="en-US" dirty="0"/>
+              <a:t>;</a:t>
+            </a:r>
+          </a:p>
+          <a:p>
+            <a:r>
+              <a:rPr lang="en-US" b="1" dirty="0"/>
+              <a:t>run</a:t>
+            </a:r>
+            <a:r>
+              <a:rPr lang="en-US" dirty="0" smtClean="0"/>
+              <a:t>;</a:t>
+            </a:r>
+          </a:p>
+          <a:p>
             <a:endParaRPr lang="en-US" dirty="0"/>
           </a:p>
         </p:txBody>
       </p:sp>
       <p:graphicFrame>
         <p:nvGraphicFramePr>
-          <p:cNvPr id="4" name="Content Placeholder 3"/>
+          <p:cNvPr id="4" name="Table 3"/>
           <p:cNvGraphicFramePr>
             <a:graphicFrameLocks noGrp="1"/>
           </p:cNvGraphicFramePr>
           <p:nvPr>
-            <p:ph idx="1"/>
             <p:extLst>
               <p:ext uri="{D42A27DB-BD31-4B8C-83A1-F6EECF244321}">
-                <p14:modId xmlns:p14="http://schemas.microsoft.com/office/powerpoint/2010/main" val="1164772776"/>
+                <p14:modId xmlns:p14="http://schemas.microsoft.com/office/powerpoint/2010/main" val="330635036"/>
               </p:ext>
             </p:extLst>
           </p:nvPr>
         </p:nvGraphicFramePr>
         <p:xfrm>
-          <a:off x="457200" y="2071072"/>
-          <a:ext cx="8229600" cy="1483360"/>
+          <a:off x="457200" y="3802529"/>
+          <a:ext cx="7013388" cy="1752600"/>
         </p:xfrm>
         <a:graphic>
           <a:graphicData uri="http://schemas.openxmlformats.org/drawingml/2006/table">
@@ -3947,12 +4064,12 @@
                 <a:tableStyleId>{5C22544A-7EE6-4342-B048-85BDC9FD1C3A}</a:tableStyleId>
               </a:tblPr>
               <a:tblGrid>
-                <a:gridCol w="1371600"/>
-                <a:gridCol w="1371600"/>
-                <a:gridCol w="1371600"/>
-                <a:gridCol w="1371600"/>
-                <a:gridCol w="1371600"/>
-                <a:gridCol w="1371600"/>
+                <a:gridCol w="1168898"/>
+                <a:gridCol w="1168898"/>
+                <a:gridCol w="1168898"/>
+                <a:gridCol w="1168898"/>
+                <a:gridCol w="1168898"/>
+                <a:gridCol w="1168898"/>
               </a:tblGrid>
               <a:tr h="370840">
                 <a:tc>
@@ -3975,72 +4092,68 @@
                     <a:lstStyle/>
                     <a:p>
                       <a:r>
-                        <a:rPr lang="en-US" dirty="0" smtClean="0"/>
-                        <a:t>N</a:t>
-                      </a:r>
-                      <a:endParaRPr lang="en-US" dirty="0"/>
-                    </a:p>
-                  </a:txBody>
-                  <a:tcPr/>
-                </a:tc>
-                <a:tc>
-                  <a:txBody>
-                    <a:bodyPr/>
-                    <a:lstStyle/>
-                    <a:p>
-                      <a:r>
-                        <a:rPr lang="en-US" dirty="0" smtClean="0"/>
-                        <a:t>Mean</a:t>
-                      </a:r>
-                      <a:endParaRPr lang="en-US" dirty="0"/>
-                    </a:p>
-                  </a:txBody>
-                  <a:tcPr/>
-                </a:tc>
-                <a:tc>
-                  <a:txBody>
-                    <a:bodyPr/>
-                    <a:lstStyle/>
-                    <a:p>
-                      <a:r>
                         <a:rPr lang="en-US" dirty="0" err="1" smtClean="0"/>
-                        <a:t>Std</a:t>
-                      </a:r>
-                      <a:r>
-                        <a:rPr lang="en-US" dirty="0" smtClean="0"/>
-                        <a:t> </a:t>
-                      </a:r>
-                      <a:r>
-                        <a:rPr lang="en-US" dirty="0" err="1" smtClean="0"/>
-                        <a:t>Dev</a:t>
-                      </a:r>
-                      <a:endParaRPr lang="en-US" dirty="0"/>
-                    </a:p>
-                  </a:txBody>
-                  <a:tcPr/>
-                </a:tc>
-                <a:tc>
-                  <a:txBody>
-                    <a:bodyPr/>
-                    <a:lstStyle/>
-                    <a:p>
-                      <a:r>
-                        <a:rPr lang="en-US" dirty="0" smtClean="0"/>
-                        <a:t>Min</a:t>
-                      </a:r>
-                      <a:endParaRPr lang="en-US" dirty="0"/>
-                    </a:p>
-                  </a:txBody>
-                  <a:tcPr/>
-                </a:tc>
-                <a:tc>
-                  <a:txBody>
-                    <a:bodyPr/>
-                    <a:lstStyle/>
-                    <a:p>
-                      <a:r>
-                        <a:rPr lang="en-US" dirty="0" smtClean="0"/>
-                        <a:t>Max</a:t>
+                        <a:t>Df</a:t>
+                      </a:r>
+                      <a:endParaRPr lang="en-US" dirty="0"/>
+                    </a:p>
+                  </a:txBody>
+                  <a:tcPr/>
+                </a:tc>
+                <a:tc>
+                  <a:txBody>
+                    <a:bodyPr/>
+                    <a:lstStyle/>
+                    <a:p>
+                      <a:r>
+                        <a:rPr lang="en-US" dirty="0" smtClean="0"/>
+                        <a:t>Parameter Estimate</a:t>
+                      </a:r>
+                      <a:endParaRPr lang="en-US" dirty="0"/>
+                    </a:p>
+                  </a:txBody>
+                  <a:tcPr/>
+                </a:tc>
+                <a:tc>
+                  <a:txBody>
+                    <a:bodyPr/>
+                    <a:lstStyle/>
+                    <a:p>
+                      <a:r>
+                        <a:rPr lang="en-US" dirty="0" smtClean="0"/>
+                        <a:t>Standard</a:t>
+                      </a:r>
+                      <a:r>
+                        <a:rPr lang="en-US" baseline="0" dirty="0" smtClean="0"/>
+                        <a:t> Error</a:t>
+                      </a:r>
+                      <a:endParaRPr lang="en-US" dirty="0"/>
+                    </a:p>
+                  </a:txBody>
+                  <a:tcPr/>
+                </a:tc>
+                <a:tc>
+                  <a:txBody>
+                    <a:bodyPr/>
+                    <a:lstStyle/>
+                    <a:p>
+                      <a:r>
+                        <a:rPr lang="en-US" dirty="0" smtClean="0"/>
+                        <a:t>T value</a:t>
+                      </a:r>
+                      <a:endParaRPr lang="en-US" dirty="0"/>
+                    </a:p>
+                  </a:txBody>
+                  <a:tcPr/>
+                </a:tc>
+                <a:tc>
+                  <a:txBody>
+                    <a:bodyPr/>
+                    <a:lstStyle/>
+                    <a:p>
+                      <a:r>
+                        <a:rPr lang="en-US" dirty="0" smtClean="0"/>
+                        <a:t>Pr &gt; |t|</a:t>
                       </a:r>
                       <a:endParaRPr lang="en-US" dirty="0"/>
                     </a:p>
@@ -4056,77 +4169,77 @@
                     <a:p>
                       <a:r>
                         <a:rPr lang="en-US" dirty="0" smtClean="0"/>
-                        <a:t>Oxygen</a:t>
-                      </a:r>
-                      <a:endParaRPr lang="en-US" dirty="0"/>
-                    </a:p>
-                  </a:txBody>
-                  <a:tcPr/>
-                </a:tc>
-                <a:tc>
-                  <a:txBody>
-                    <a:bodyPr/>
-                    <a:lstStyle/>
-                    <a:p>
-                      <a:r>
-                        <a:rPr lang="en-US" dirty="0" smtClean="0"/>
-                        <a:t>28</a:t>
-                      </a:r>
-                      <a:endParaRPr lang="en-US" dirty="0"/>
-                    </a:p>
-                  </a:txBody>
-                  <a:tcPr/>
-                </a:tc>
-                <a:tc>
-                  <a:txBody>
-                    <a:bodyPr/>
-                    <a:lstStyle/>
-                    <a:p>
-                      <a:r>
-                        <a:rPr lang="en-US" dirty="0" smtClean="0"/>
-                        <a:t>47.19</a:t>
-                      </a:r>
-                      <a:endParaRPr lang="en-US" dirty="0"/>
-                    </a:p>
-                  </a:txBody>
-                  <a:tcPr/>
-                </a:tc>
-                <a:tc>
-                  <a:txBody>
-                    <a:bodyPr/>
-                    <a:lstStyle/>
-                    <a:p>
-                      <a:r>
-                        <a:rPr lang="en-US" dirty="0" smtClean="0"/>
-                        <a:t>5.42</a:t>
-                      </a:r>
-                      <a:endParaRPr lang="en-US" dirty="0"/>
-                    </a:p>
-                  </a:txBody>
-                  <a:tcPr/>
-                </a:tc>
-                <a:tc>
-                  <a:txBody>
-                    <a:bodyPr/>
-                    <a:lstStyle/>
-                    <a:p>
-                      <a:r>
-                        <a:rPr lang="en-US" dirty="0" smtClean="0"/>
-                        <a:t>37.38</a:t>
-                      </a:r>
-                      <a:endParaRPr lang="en-US" dirty="0"/>
-                    </a:p>
-                  </a:txBody>
-                  <a:tcPr/>
-                </a:tc>
-                <a:tc>
-                  <a:txBody>
-                    <a:bodyPr/>
-                    <a:lstStyle/>
-                    <a:p>
-                      <a:r>
-                        <a:rPr lang="en-US" dirty="0" smtClean="0"/>
-                        <a:t>60.05</a:t>
+                        <a:t>Intercept</a:t>
+                      </a:r>
+                      <a:endParaRPr lang="en-US" dirty="0"/>
+                    </a:p>
+                  </a:txBody>
+                  <a:tcPr/>
+                </a:tc>
+                <a:tc>
+                  <a:txBody>
+                    <a:bodyPr/>
+                    <a:lstStyle/>
+                    <a:p>
+                      <a:r>
+                        <a:rPr lang="en-US" dirty="0" smtClean="0"/>
+                        <a:t>1</a:t>
+                      </a:r>
+                      <a:endParaRPr lang="en-US" dirty="0"/>
+                    </a:p>
+                  </a:txBody>
+                  <a:tcPr/>
+                </a:tc>
+                <a:tc>
+                  <a:txBody>
+                    <a:bodyPr/>
+                    <a:lstStyle/>
+                    <a:p>
+                      <a:r>
+                        <a:rPr lang="en-US" dirty="0" smtClean="0"/>
+                        <a:t>92.91</a:t>
+                      </a:r>
+                      <a:endParaRPr lang="en-US" dirty="0"/>
+                    </a:p>
+                  </a:txBody>
+                  <a:tcPr/>
+                </a:tc>
+                <a:tc>
+                  <a:txBody>
+                    <a:bodyPr/>
+                    <a:lstStyle/>
+                    <a:p>
+                      <a:r>
+                        <a:rPr lang="en-US" dirty="0" smtClean="0"/>
+                        <a:t>10.98</a:t>
+                      </a:r>
+                      <a:endParaRPr lang="en-US" dirty="0"/>
+                    </a:p>
+                  </a:txBody>
+                  <a:tcPr/>
+                </a:tc>
+                <a:tc>
+                  <a:txBody>
+                    <a:bodyPr/>
+                    <a:lstStyle/>
+                    <a:p>
+                      <a:r>
+                        <a:rPr lang="en-US" dirty="0" smtClean="0"/>
+                        <a:t>8.46</a:t>
+                      </a:r>
+                      <a:endParaRPr lang="en-US" dirty="0"/>
+                    </a:p>
+                  </a:txBody>
+                  <a:tcPr/>
+                </a:tc>
+                <a:tc>
+                  <a:txBody>
+                    <a:bodyPr/>
+                    <a:lstStyle/>
+                    <a:p>
+                      <a:r>
+                        <a:rPr lang="en-US" dirty="0" smtClean="0"/>
+                        <a:t>&lt; .0001</a:t>
                       </a:r>
                       <a:endParaRPr lang="en-US" dirty="0"/>
                     </a:p>
@@ -4142,81 +4255,77 @@
                     <a:p>
                       <a:r>
                         <a:rPr lang="en-US" dirty="0" smtClean="0"/>
-                        <a:t>Run</a:t>
-                      </a:r>
-                      <a:r>
-                        <a:rPr lang="en-US" baseline="0" dirty="0" smtClean="0"/>
-                        <a:t> Time </a:t>
-                      </a:r>
-                      <a:endParaRPr lang="en-US" dirty="0"/>
-                    </a:p>
-                  </a:txBody>
-                  <a:tcPr/>
-                </a:tc>
-                <a:tc>
-                  <a:txBody>
-                    <a:bodyPr/>
-                    <a:lstStyle/>
-                    <a:p>
-                      <a:r>
-                        <a:rPr lang="en-US" dirty="0" smtClean="0"/>
-                        <a:t>28</a:t>
-                      </a:r>
-                      <a:endParaRPr lang="en-US" dirty="0"/>
-                    </a:p>
-                  </a:txBody>
-                  <a:tcPr/>
-                </a:tc>
-                <a:tc>
-                  <a:txBody>
-                    <a:bodyPr/>
-                    <a:lstStyle/>
-                    <a:p>
-                      <a:r>
-                        <a:rPr lang="en-US" dirty="0" smtClean="0"/>
-                        <a:t>10.68</a:t>
-                      </a:r>
-                      <a:endParaRPr lang="en-US" dirty="0"/>
-                    </a:p>
-                  </a:txBody>
-                  <a:tcPr/>
-                </a:tc>
-                <a:tc>
-                  <a:txBody>
-                    <a:bodyPr/>
-                    <a:lstStyle/>
-                    <a:p>
-                      <a:r>
-                        <a:rPr lang="en-US" dirty="0" smtClean="0"/>
-                        <a:t>1.37</a:t>
-                      </a:r>
-                      <a:endParaRPr lang="en-US" dirty="0"/>
-                    </a:p>
-                  </a:txBody>
-                  <a:tcPr/>
-                </a:tc>
-                <a:tc>
-                  <a:txBody>
-                    <a:bodyPr/>
-                    <a:lstStyle/>
-                    <a:p>
-                      <a:r>
-                        <a:rPr lang="en-US" dirty="0" smtClean="0"/>
-                        <a:t>8.63</a:t>
-                      </a:r>
-                      <a:endParaRPr lang="en-US" dirty="0"/>
-                    </a:p>
-                  </a:txBody>
-                  <a:tcPr/>
-                </a:tc>
-                <a:tc>
-                  <a:txBody>
-                    <a:bodyPr/>
-                    <a:lstStyle/>
-                    <a:p>
-                      <a:r>
-                        <a:rPr lang="en-US" dirty="0" smtClean="0"/>
-                        <a:t>14.03</a:t>
+                        <a:t>Run Time</a:t>
+                      </a:r>
+                      <a:endParaRPr lang="en-US" dirty="0"/>
+                    </a:p>
+                  </a:txBody>
+                  <a:tcPr/>
+                </a:tc>
+                <a:tc>
+                  <a:txBody>
+                    <a:bodyPr/>
+                    <a:lstStyle/>
+                    <a:p>
+                      <a:r>
+                        <a:rPr lang="en-US" dirty="0" smtClean="0"/>
+                        <a:t>1</a:t>
+                      </a:r>
+                      <a:endParaRPr lang="en-US" dirty="0"/>
+                    </a:p>
+                  </a:txBody>
+                  <a:tcPr/>
+                </a:tc>
+                <a:tc>
+                  <a:txBody>
+                    <a:bodyPr/>
+                    <a:lstStyle/>
+                    <a:p>
+                      <a:r>
+                        <a:rPr lang="en-US" dirty="0" smtClean="0"/>
+                        <a:t>-3.03</a:t>
+                      </a:r>
+                      <a:endParaRPr lang="en-US" dirty="0"/>
+                    </a:p>
+                  </a:txBody>
+                  <a:tcPr/>
+                </a:tc>
+                <a:tc>
+                  <a:txBody>
+                    <a:bodyPr/>
+                    <a:lstStyle/>
+                    <a:p>
+                      <a:r>
+                        <a:rPr lang="en-US" dirty="0" smtClean="0"/>
+                        <a:t>0.45</a:t>
+                      </a:r>
+                      <a:endParaRPr lang="en-US" dirty="0"/>
+                    </a:p>
+                  </a:txBody>
+                  <a:tcPr/>
+                </a:tc>
+                <a:tc>
+                  <a:txBody>
+                    <a:bodyPr/>
+                    <a:lstStyle/>
+                    <a:p>
+                      <a:r>
+                        <a:rPr lang="en-US" dirty="0" smtClean="0"/>
+                        <a:t>-6.72</a:t>
+                      </a:r>
+                      <a:endParaRPr lang="en-US" dirty="0"/>
+                    </a:p>
+                  </a:txBody>
+                  <a:tcPr/>
+                </a:tc>
+                <a:tc>
+                  <a:txBody>
+                    <a:bodyPr/>
+                    <a:lstStyle/>
+                    <a:p>
+                      <a:r>
+                        <a:rPr lang="en-US" dirty="0" smtClean="0"/>
+                        <a:t>&lt; .0001</a:t>
                       </a:r>
                       <a:endParaRPr lang="en-US" dirty="0"/>
                     </a:p>
@@ -4232,81 +4341,77 @@
                     <a:p>
                       <a:r>
                         <a:rPr lang="en-US" dirty="0" smtClean="0"/>
-                        <a:t>Run</a:t>
-                      </a:r>
-                      <a:r>
-                        <a:rPr lang="en-US" baseline="0" dirty="0" smtClean="0"/>
-                        <a:t> Pulse</a:t>
-                      </a:r>
-                      <a:endParaRPr lang="en-US" dirty="0"/>
-                    </a:p>
-                  </a:txBody>
-                  <a:tcPr/>
-                </a:tc>
-                <a:tc>
-                  <a:txBody>
-                    <a:bodyPr/>
-                    <a:lstStyle/>
-                    <a:p>
-                      <a:r>
-                        <a:rPr lang="en-US" dirty="0" smtClean="0"/>
-                        <a:t>23</a:t>
-                      </a:r>
-                      <a:endParaRPr lang="en-US" dirty="0"/>
-                    </a:p>
-                  </a:txBody>
-                  <a:tcPr/>
-                </a:tc>
-                <a:tc>
-                  <a:txBody>
-                    <a:bodyPr/>
-                    <a:lstStyle/>
-                    <a:p>
-                      <a:r>
-                        <a:rPr lang="en-US" dirty="0" smtClean="0"/>
-                        <a:t>170.73</a:t>
-                      </a:r>
-                      <a:endParaRPr lang="en-US" dirty="0"/>
-                    </a:p>
-                  </a:txBody>
-                  <a:tcPr/>
-                </a:tc>
-                <a:tc>
-                  <a:txBody>
-                    <a:bodyPr/>
-                    <a:lstStyle/>
-                    <a:p>
-                      <a:r>
-                        <a:rPr lang="en-US" dirty="0" smtClean="0"/>
-                        <a:t>11.28</a:t>
-                      </a:r>
-                      <a:endParaRPr lang="en-US" dirty="0"/>
-                    </a:p>
-                  </a:txBody>
-                  <a:tcPr/>
-                </a:tc>
-                <a:tc>
-                  <a:txBody>
-                    <a:bodyPr/>
-                    <a:lstStyle/>
-                    <a:p>
-                      <a:r>
-                        <a:rPr lang="en-US" dirty="0" smtClean="0"/>
-                        <a:t>146.00</a:t>
-                      </a:r>
-                      <a:endParaRPr lang="en-US" dirty="0"/>
-                    </a:p>
-                  </a:txBody>
-                  <a:tcPr/>
-                </a:tc>
-                <a:tc>
-                  <a:txBody>
-                    <a:bodyPr/>
-                    <a:lstStyle/>
-                    <a:p>
-                      <a:r>
-                        <a:rPr lang="en-US" dirty="0" smtClean="0"/>
-                        <a:t>186.00</a:t>
+                        <a:t>Run Pulse</a:t>
+                      </a:r>
+                      <a:endParaRPr lang="en-US" dirty="0"/>
+                    </a:p>
+                  </a:txBody>
+                  <a:tcPr/>
+                </a:tc>
+                <a:tc>
+                  <a:txBody>
+                    <a:bodyPr/>
+                    <a:lstStyle/>
+                    <a:p>
+                      <a:r>
+                        <a:rPr lang="en-US" dirty="0" smtClean="0"/>
+                        <a:t>1</a:t>
+                      </a:r>
+                      <a:endParaRPr lang="en-US" dirty="0"/>
+                    </a:p>
+                  </a:txBody>
+                  <a:tcPr/>
+                </a:tc>
+                <a:tc>
+                  <a:txBody>
+                    <a:bodyPr/>
+                    <a:lstStyle/>
+                    <a:p>
+                      <a:r>
+                        <a:rPr lang="en-US" dirty="0" smtClean="0"/>
+                        <a:t>-0.07</a:t>
+                      </a:r>
+                      <a:endParaRPr lang="en-US" dirty="0"/>
+                    </a:p>
+                  </a:txBody>
+                  <a:tcPr/>
+                </a:tc>
+                <a:tc>
+                  <a:txBody>
+                    <a:bodyPr/>
+                    <a:lstStyle/>
+                    <a:p>
+                      <a:r>
+                        <a:rPr lang="en-US" dirty="0" smtClean="0"/>
+                        <a:t>0.06</a:t>
+                      </a:r>
+                      <a:endParaRPr lang="en-US" dirty="0"/>
+                    </a:p>
+                  </a:txBody>
+                  <a:tcPr/>
+                </a:tc>
+                <a:tc>
+                  <a:txBody>
+                    <a:bodyPr/>
+                    <a:lstStyle/>
+                    <a:p>
+                      <a:r>
+                        <a:rPr lang="en-US" dirty="0" smtClean="0"/>
+                        <a:t>-1.24</a:t>
+                      </a:r>
+                      <a:endParaRPr lang="en-US" dirty="0"/>
+                    </a:p>
+                  </a:txBody>
+                  <a:tcPr/>
+                </a:tc>
+                <a:tc>
+                  <a:txBody>
+                    <a:bodyPr/>
+                    <a:lstStyle/>
+                    <a:p>
+                      <a:r>
+                        <a:rPr lang="en-US" dirty="0" smtClean="0"/>
+                        <a:t>0.2306</a:t>
                       </a:r>
                       <a:endParaRPr lang="en-US" dirty="0"/>
                     </a:p>
@@ -4321,7 +4426,7 @@
     </p:spTree>
     <p:extLst>
       <p:ext uri="{BB962C8B-B14F-4D97-AF65-F5344CB8AC3E}">
-        <p14:creationId xmlns:p14="http://schemas.microsoft.com/office/powerpoint/2010/main" val="3766791027"/>
+        <p14:creationId xmlns:p14="http://schemas.microsoft.com/office/powerpoint/2010/main" val="2451142201"/>
       </p:ext>
     </p:extLst>
   </p:cSld>
@@ -4360,14 +4465,12 @@
         </p:nvSpPr>
         <p:spPr/>
         <p:txBody>
-          <a:bodyPr>
-            <a:normAutofit fontScale="90000"/>
-          </a:bodyPr>
+          <a:bodyPr/>
           <a:lstStyle/>
           <a:p>
             <a:r>
               <a:rPr lang="en-US" dirty="0" smtClean="0"/>
-              <a:t>Correlation Matrix for Missing Data Set (N=21)</a:t>
+              <a:t>Fit Statistics</a:t>
             </a:r>
             <a:endParaRPr lang="en-US" dirty="0"/>
           </a:p>
@@ -4383,14 +4486,14 @@
             <p:ph idx="1"/>
             <p:extLst>
               <p:ext uri="{D42A27DB-BD31-4B8C-83A1-F6EECF244321}">
-                <p14:modId xmlns:p14="http://schemas.microsoft.com/office/powerpoint/2010/main" val="3407267724"/>
+                <p14:modId xmlns:p14="http://schemas.microsoft.com/office/powerpoint/2010/main" val="4058373201"/>
               </p:ext>
             </p:extLst>
           </p:nvPr>
         </p:nvGraphicFramePr>
         <p:xfrm>
-          <a:off x="1284905" y="2271143"/>
-          <a:ext cx="6583680" cy="1483360"/>
+          <a:off x="457200" y="1600200"/>
+          <a:ext cx="3458133" cy="2123440"/>
         </p:xfrm>
         <a:graphic>
           <a:graphicData uri="http://schemas.openxmlformats.org/drawingml/2006/table">
@@ -4399,9 +4502,7 @@
                 <a:tableStyleId>{5C22544A-7EE6-4342-B048-85BDC9FD1C3A}</a:tableStyleId>
               </a:tblPr>
               <a:tblGrid>
-                <a:gridCol w="1645920"/>
-                <a:gridCol w="1645920"/>
-                <a:gridCol w="1645920"/>
+                <a:gridCol w="1812213"/>
                 <a:gridCol w="1645920"/>
               </a:tblGrid>
               <a:tr h="370840">
@@ -4410,47 +4511,23 @@
                     <a:bodyPr/>
                     <a:lstStyle/>
                     <a:p>
-                      <a:endParaRPr lang="en-US" dirty="0"/>
-                    </a:p>
-                  </a:txBody>
-                  <a:tcPr/>
-                </a:tc>
-                <a:tc>
-                  <a:txBody>
-                    <a:bodyPr/>
-                    <a:lstStyle/>
-                    <a:p>
-                      <a:r>
-                        <a:rPr lang="en-US" dirty="0" smtClean="0"/>
-                        <a:t>Oxygen</a:t>
-                      </a:r>
-                      <a:endParaRPr lang="en-US" dirty="0"/>
-                    </a:p>
-                  </a:txBody>
-                  <a:tcPr/>
-                </a:tc>
-                <a:tc>
-                  <a:txBody>
-                    <a:bodyPr/>
-                    <a:lstStyle/>
-                    <a:p>
-                      <a:r>
-                        <a:rPr lang="en-US" dirty="0" smtClean="0"/>
-                        <a:t>Run Time </a:t>
-                      </a:r>
-                      <a:endParaRPr lang="en-US" dirty="0"/>
-                    </a:p>
-                  </a:txBody>
-                  <a:tcPr/>
-                </a:tc>
-                <a:tc>
-                  <a:txBody>
-                    <a:bodyPr/>
-                    <a:lstStyle/>
-                    <a:p>
-                      <a:r>
-                        <a:rPr lang="en-US" dirty="0" smtClean="0"/>
-                        <a:t>Run Pulse</a:t>
+                      <a:r>
+                        <a:rPr lang="en-US" dirty="0" smtClean="0"/>
+                        <a:t>Root MSE</a:t>
+                      </a:r>
+                      <a:endParaRPr lang="en-US" dirty="0"/>
+                    </a:p>
+                  </a:txBody>
+                  <a:tcPr/>
+                </a:tc>
+                <a:tc>
+                  <a:txBody>
+                    <a:bodyPr/>
+                    <a:lstStyle/>
+                    <a:p>
+                      <a:r>
+                        <a:rPr lang="en-US" dirty="0" smtClean="0"/>
+                        <a:t>2.89311</a:t>
                       </a:r>
                       <a:endParaRPr lang="en-US" dirty="0"/>
                     </a:p>
@@ -4466,49 +4543,25 @@
                     <a:p>
                       <a:r>
                         <a:rPr lang="en-US" dirty="0" smtClean="0"/>
-                        <a:t>Oxygen</a:t>
-                      </a:r>
-                      <a:endParaRPr lang="en-US" dirty="0"/>
-                    </a:p>
-                  </a:txBody>
-                  <a:tcPr/>
-                </a:tc>
-                <a:tc>
-                  <a:txBody>
-                    <a:bodyPr/>
-                    <a:lstStyle/>
-                    <a:p>
-                      <a:r>
-                        <a:rPr lang="en-US" dirty="0" smtClean="0"/>
-                        <a:t>1.00</a:t>
-                      </a:r>
-                      <a:endParaRPr lang="en-US" dirty="0"/>
-                    </a:p>
-                  </a:txBody>
-                  <a:tcPr/>
-                </a:tc>
-                <a:tc>
-                  <a:txBody>
-                    <a:bodyPr/>
-                    <a:lstStyle/>
-                    <a:p>
-                      <a:r>
-                        <a:rPr lang="en-US" dirty="0" smtClean="0"/>
-                        <a:t>-0.85</a:t>
-                      </a:r>
-                      <a:endParaRPr lang="en-US" dirty="0"/>
-                    </a:p>
-                  </a:txBody>
-                  <a:tcPr/>
-                </a:tc>
-                <a:tc>
-                  <a:txBody>
-                    <a:bodyPr/>
-                    <a:lstStyle/>
-                    <a:p>
-                      <a:r>
-                        <a:rPr lang="en-US" dirty="0" smtClean="0"/>
-                        <a:t>-0.34</a:t>
+                        <a:t>Dependent</a:t>
+                      </a:r>
+                      <a:r>
+                        <a:rPr lang="en-US" baseline="0" dirty="0" smtClean="0"/>
+                        <a:t> Mean</a:t>
+                      </a:r>
+                      <a:endParaRPr lang="en-US" dirty="0"/>
+                    </a:p>
+                  </a:txBody>
+                  <a:tcPr/>
+                </a:tc>
+                <a:tc>
+                  <a:txBody>
+                    <a:bodyPr/>
+                    <a:lstStyle/>
+                    <a:p>
+                      <a:r>
+                        <a:rPr lang="en-US" dirty="0" smtClean="0"/>
+                        <a:t>46.35381</a:t>
                       </a:r>
                       <a:endParaRPr lang="en-US" dirty="0"/>
                     </a:p>
@@ -4523,50 +4576,30 @@
                     <a:lstStyle/>
                     <a:p>
                       <a:r>
-                        <a:rPr lang="en-US" dirty="0" smtClean="0"/>
-                        <a:t>Run Time</a:t>
-                      </a:r>
-                      <a:endParaRPr lang="en-US" dirty="0"/>
-                    </a:p>
-                  </a:txBody>
-                  <a:tcPr/>
-                </a:tc>
-                <a:tc>
-                  <a:txBody>
-                    <a:bodyPr/>
-                    <a:lstStyle/>
-                    <a:p>
-                      <a:r>
-                        <a:rPr lang="en-US" dirty="0" smtClean="0"/>
-                        <a:t>-0.85</a:t>
-                      </a:r>
-                      <a:endParaRPr lang="en-US" dirty="0"/>
-                    </a:p>
-                  </a:txBody>
-                  <a:tcPr/>
-                </a:tc>
-                <a:tc>
-                  <a:txBody>
-                    <a:bodyPr/>
-                    <a:lstStyle/>
-                    <a:p>
-                      <a:r>
-                        <a:rPr lang="en-US" dirty="0" smtClean="0"/>
-                        <a:t>1.00</a:t>
-                      </a:r>
-                      <a:endParaRPr lang="en-US" dirty="0"/>
-                    </a:p>
-                  </a:txBody>
-                  <a:tcPr/>
-                </a:tc>
-                <a:tc>
-                  <a:txBody>
-                    <a:bodyPr/>
-                    <a:lstStyle/>
-                    <a:p>
-                      <a:r>
-                        <a:rPr lang="en-US" dirty="0" smtClean="0"/>
-                        <a:t>0.23</a:t>
+                        <a:rPr lang="en-US" dirty="0" err="1" smtClean="0"/>
+                        <a:t>Coeff</a:t>
+                      </a:r>
+                      <a:r>
+                        <a:rPr lang="en-US" dirty="0" smtClean="0"/>
+                        <a:t> </a:t>
+                      </a:r>
+                      <a:r>
+                        <a:rPr lang="en-US" dirty="0" err="1" smtClean="0"/>
+                        <a:t>Var</a:t>
+                      </a:r>
+                      <a:endParaRPr lang="en-US" dirty="0"/>
+                    </a:p>
+                  </a:txBody>
+                  <a:tcPr/>
+                </a:tc>
+                <a:tc>
+                  <a:txBody>
+                    <a:bodyPr/>
+                    <a:lstStyle/>
+                    <a:p>
+                      <a:r>
+                        <a:rPr lang="en-US" dirty="0" smtClean="0"/>
+                        <a:t>6.24136</a:t>
                       </a:r>
                       <a:endParaRPr lang="en-US" dirty="0"/>
                     </a:p>
@@ -4582,49 +4615,59 @@
                     <a:p>
                       <a:r>
                         <a:rPr lang="en-US" dirty="0" smtClean="0"/>
-                        <a:t>Run Pulse</a:t>
-                      </a:r>
-                      <a:endParaRPr lang="en-US" dirty="0"/>
-                    </a:p>
-                  </a:txBody>
-                  <a:tcPr/>
-                </a:tc>
-                <a:tc>
-                  <a:txBody>
-                    <a:bodyPr/>
-                    <a:lstStyle/>
-                    <a:p>
-                      <a:r>
-                        <a:rPr lang="en-US" dirty="0" smtClean="0"/>
-                        <a:t>-0.34</a:t>
-                      </a:r>
-                      <a:endParaRPr lang="en-US" dirty="0"/>
-                    </a:p>
-                  </a:txBody>
-                  <a:tcPr/>
-                </a:tc>
-                <a:tc>
-                  <a:txBody>
-                    <a:bodyPr/>
-                    <a:lstStyle/>
-                    <a:p>
-                      <a:r>
-                        <a:rPr lang="en-US" dirty="0" smtClean="0"/>
-                        <a:t>0.23</a:t>
-                      </a:r>
-                      <a:endParaRPr lang="en-US" dirty="0"/>
-                    </a:p>
-                  </a:txBody>
-                  <a:tcPr/>
-                </a:tc>
-                <a:tc>
-                  <a:txBody>
-                    <a:bodyPr/>
-                    <a:lstStyle/>
-                    <a:p>
-                      <a:r>
-                        <a:rPr lang="en-US" dirty="0" smtClean="0"/>
-                        <a:t>1.00</a:t>
+                        <a:t>R-Square</a:t>
+                      </a:r>
+                      <a:endParaRPr lang="en-US" dirty="0"/>
+                    </a:p>
+                  </a:txBody>
+                  <a:tcPr/>
+                </a:tc>
+                <a:tc>
+                  <a:txBody>
+                    <a:bodyPr/>
+                    <a:lstStyle/>
+                    <a:p>
+                      <a:r>
+                        <a:rPr lang="en-US" dirty="0" smtClean="0"/>
+                        <a:t>0.7490</a:t>
+                      </a:r>
+                      <a:endParaRPr lang="en-US" dirty="0"/>
+                    </a:p>
+                  </a:txBody>
+                  <a:tcPr/>
+                </a:tc>
+              </a:tr>
+              <a:tr h="370840">
+                <a:tc>
+                  <a:txBody>
+                    <a:bodyPr/>
+                    <a:lstStyle/>
+                    <a:p>
+                      <a:r>
+                        <a:rPr lang="en-US" dirty="0" err="1" smtClean="0"/>
+                        <a:t>Adj</a:t>
+                      </a:r>
+                      <a:r>
+                        <a:rPr lang="en-US" dirty="0" smtClean="0"/>
+                        <a:t> R-</a:t>
+                      </a:r>
+                      <a:r>
+                        <a:rPr lang="en-US" dirty="0" err="1" smtClean="0"/>
+                        <a:t>Squre</a:t>
+                      </a:r>
+                      <a:endParaRPr lang="en-US" dirty="0"/>
+                    </a:p>
+                  </a:txBody>
+                  <a:tcPr/>
+                </a:tc>
+                <a:tc>
+                  <a:txBody>
+                    <a:bodyPr/>
+                    <a:lstStyle/>
+                    <a:p>
+                      <a:r>
+                        <a:rPr lang="en-US" dirty="0" smtClean="0"/>
+                        <a:t>0.7211</a:t>
                       </a:r>
                       <a:endParaRPr lang="en-US" dirty="0"/>
                     </a:p>
@@ -4639,7 +4682,7 @@
     </p:spTree>
     <p:extLst>
       <p:ext uri="{BB962C8B-B14F-4D97-AF65-F5344CB8AC3E}">
-        <p14:creationId xmlns:p14="http://schemas.microsoft.com/office/powerpoint/2010/main" val="1093716349"/>
+        <p14:creationId xmlns:p14="http://schemas.microsoft.com/office/powerpoint/2010/main" val="2914897601"/>
       </p:ext>
     </p:extLst>
   </p:cSld>
@@ -4678,35 +4721,39 @@
         </p:nvSpPr>
         <p:spPr/>
         <p:txBody>
-          <a:bodyPr>
-            <a:normAutofit fontScale="90000"/>
-          </a:bodyPr>
-          <a:lstStyle/>
-          <a:p>
-            <a:r>
-              <a:rPr lang="en-US" dirty="0" smtClean="0"/>
-              <a:t>Regression With Missing Data Removed</a:t>
-            </a:r>
-            <a:endParaRPr lang="en-US" dirty="0"/>
-          </a:p>
-        </p:txBody>
-      </p:sp>
-      <p:sp>
-        <p:nvSpPr>
-          <p:cNvPr id="3" name="Content Placeholder 2"/>
-          <p:cNvSpPr>
-            <a:spLocks noGrp="1"/>
-          </p:cNvSpPr>
-          <p:nvPr>
-            <p:ph idx="1"/>
-          </p:nvPr>
-        </p:nvSpPr>
-        <p:spPr/>
-        <p:txBody>
           <a:bodyPr/>
           <a:lstStyle/>
           <a:p>
             <a:r>
+              <a:rPr lang="en-US" dirty="0" smtClean="0"/>
+              <a:t>MI Code</a:t>
+            </a:r>
+            <a:endParaRPr lang="en-US" dirty="0"/>
+          </a:p>
+        </p:txBody>
+      </p:sp>
+      <p:sp>
+        <p:nvSpPr>
+          <p:cNvPr id="3" name="Content Placeholder 2"/>
+          <p:cNvSpPr>
+            <a:spLocks noGrp="1"/>
+          </p:cNvSpPr>
+          <p:nvPr>
+            <p:ph idx="1"/>
+          </p:nvPr>
+        </p:nvSpPr>
+        <p:spPr/>
+        <p:txBody>
+          <a:bodyPr/>
+          <a:lstStyle/>
+          <a:p>
+            <a:r>
+              <a:rPr lang="en-US" dirty="0"/>
+              <a:t>title 'Multiple Imputation';</a:t>
+            </a:r>
+          </a:p>
+          <a:p>
+            <a:r>
               <a:rPr lang="en-US" b="1" dirty="0" err="1"/>
               <a:t>proc</a:t>
             </a:r>
@@ -4715,8 +4762,24 @@
               <a:t> </a:t>
             </a:r>
             <a:r>
-              <a:rPr lang="en-US" b="1" dirty="0" err="1"/>
-              <a:t>reg</a:t>
+              <a:rPr lang="en-US" b="1" dirty="0"/>
+              <a:t>mi</a:t>
+            </a:r>
+            <a:r>
+              <a:rPr lang="en-US" dirty="0"/>
+              <a:t> data=Fitness seed=</a:t>
+            </a:r>
+            <a:r>
+              <a:rPr lang="en-US" b="1" dirty="0"/>
+              <a:t>37851</a:t>
+            </a:r>
+            <a:r>
+              <a:rPr lang="en-US" dirty="0"/>
+              <a:t> out=</a:t>
+            </a:r>
+            <a:r>
+              <a:rPr lang="en-US" dirty="0" err="1"/>
+              <a:t>miout</a:t>
             </a:r>
             <a:r>
               <a:rPr lang="en-US" dirty="0"/>
@@ -4725,12 +4788,16 @@
           </a:p>
           <a:p>
             <a:r>
+              <a:rPr lang="en-US" dirty="0" err="1"/>
+              <a:t>mcmc</a:t>
+            </a:r>
+            <a:r>
               <a:rPr lang="en-US" dirty="0"/>
-              <a:t>model oxygen=runtime </a:t>
+              <a:t> chain=single initial=</a:t>
             </a:r>
             <a:r>
               <a:rPr lang="en-US" dirty="0" err="1"/>
-              <a:t>runpulse</a:t>
+              <a:t>em</a:t>
             </a:r>
             <a:r>
               <a:rPr lang="en-US" dirty="0"/>
@@ -4739,407 +4806,46 @@
           </a:p>
           <a:p>
             <a:r>
+              <a:rPr lang="en-US" dirty="0" err="1"/>
+              <a:t>var</a:t>
+            </a:r>
+            <a:r>
+              <a:rPr lang="en-US" dirty="0"/>
+              <a:t> Oxygen </a:t>
+            </a:r>
+            <a:r>
+              <a:rPr lang="en-US" dirty="0" err="1"/>
+              <a:t>RunTime</a:t>
+            </a:r>
+            <a:r>
+              <a:rPr lang="en-US" dirty="0"/>
+              <a:t> </a:t>
+            </a:r>
+            <a:r>
+              <a:rPr lang="en-US" dirty="0" err="1"/>
+              <a:t>RunPulse</a:t>
+            </a:r>
+            <a:r>
+              <a:rPr lang="en-US" dirty="0"/>
+              <a:t>;</a:t>
+            </a:r>
+          </a:p>
+          <a:p>
+            <a:r>
               <a:rPr lang="en-US" b="1" dirty="0"/>
               <a:t>run</a:t>
             </a:r>
             <a:r>
-              <a:rPr lang="en-US" dirty="0" smtClean="0"/>
+              <a:rPr lang="en-US" dirty="0"/>
               <a:t>;</a:t>
             </a:r>
           </a:p>
-          <a:p>
-            <a:endParaRPr lang="en-US" dirty="0"/>
-          </a:p>
-        </p:txBody>
-      </p:sp>
-      <p:graphicFrame>
-        <p:nvGraphicFramePr>
-          <p:cNvPr id="4" name="Table 3"/>
-          <p:cNvGraphicFramePr>
-            <a:graphicFrameLocks noGrp="1"/>
-          </p:cNvGraphicFramePr>
-          <p:nvPr>
-            <p:extLst>
-              <p:ext uri="{D42A27DB-BD31-4B8C-83A1-F6EECF244321}">
-                <p14:modId xmlns:p14="http://schemas.microsoft.com/office/powerpoint/2010/main" val="330635036"/>
-              </p:ext>
-            </p:extLst>
-          </p:nvPr>
-        </p:nvGraphicFramePr>
-        <p:xfrm>
-          <a:off x="457200" y="3802529"/>
-          <a:ext cx="7013388" cy="1752600"/>
-        </p:xfrm>
-        <a:graphic>
-          <a:graphicData uri="http://schemas.openxmlformats.org/drawingml/2006/table">
-            <a:tbl>
-              <a:tblPr firstRow="1" bandRow="1">
-                <a:tableStyleId>{5C22544A-7EE6-4342-B048-85BDC9FD1C3A}</a:tableStyleId>
-              </a:tblPr>
-              <a:tblGrid>
-                <a:gridCol w="1168898"/>
-                <a:gridCol w="1168898"/>
-                <a:gridCol w="1168898"/>
-                <a:gridCol w="1168898"/>
-                <a:gridCol w="1168898"/>
-                <a:gridCol w="1168898"/>
-              </a:tblGrid>
-              <a:tr h="370840">
-                <a:tc>
-                  <a:txBody>
-                    <a:bodyPr/>
-                    <a:lstStyle/>
-                    <a:p>
-                      <a:r>
-                        <a:rPr lang="en-US" dirty="0" smtClean="0"/>
-                        <a:t>Variable</a:t>
-                      </a:r>
-                      <a:endParaRPr lang="en-US" dirty="0"/>
-                    </a:p>
-                  </a:txBody>
-                  <a:tcPr/>
-                </a:tc>
-                <a:tc>
-                  <a:txBody>
-                    <a:bodyPr/>
-                    <a:lstStyle/>
-                    <a:p>
-                      <a:r>
-                        <a:rPr lang="en-US" dirty="0" err="1" smtClean="0"/>
-                        <a:t>Df</a:t>
-                      </a:r>
-                      <a:endParaRPr lang="en-US" dirty="0"/>
-                    </a:p>
-                  </a:txBody>
-                  <a:tcPr/>
-                </a:tc>
-                <a:tc>
-                  <a:txBody>
-                    <a:bodyPr/>
-                    <a:lstStyle/>
-                    <a:p>
-                      <a:r>
-                        <a:rPr lang="en-US" dirty="0" smtClean="0"/>
-                        <a:t>Parameter Estimate</a:t>
-                      </a:r>
-                      <a:endParaRPr lang="en-US" dirty="0"/>
-                    </a:p>
-                  </a:txBody>
-                  <a:tcPr/>
-                </a:tc>
-                <a:tc>
-                  <a:txBody>
-                    <a:bodyPr/>
-                    <a:lstStyle/>
-                    <a:p>
-                      <a:r>
-                        <a:rPr lang="en-US" dirty="0" smtClean="0"/>
-                        <a:t>Standard</a:t>
-                      </a:r>
-                      <a:r>
-                        <a:rPr lang="en-US" baseline="0" dirty="0" smtClean="0"/>
-                        <a:t> Error</a:t>
-                      </a:r>
-                      <a:endParaRPr lang="en-US" dirty="0"/>
-                    </a:p>
-                  </a:txBody>
-                  <a:tcPr/>
-                </a:tc>
-                <a:tc>
-                  <a:txBody>
-                    <a:bodyPr/>
-                    <a:lstStyle/>
-                    <a:p>
-                      <a:r>
-                        <a:rPr lang="en-US" dirty="0" smtClean="0"/>
-                        <a:t>T value</a:t>
-                      </a:r>
-                      <a:endParaRPr lang="en-US" dirty="0"/>
-                    </a:p>
-                  </a:txBody>
-                  <a:tcPr/>
-                </a:tc>
-                <a:tc>
-                  <a:txBody>
-                    <a:bodyPr/>
-                    <a:lstStyle/>
-                    <a:p>
-                      <a:r>
-                        <a:rPr lang="en-US" dirty="0" smtClean="0"/>
-                        <a:t>Pr &gt; |t|</a:t>
-                      </a:r>
-                      <a:endParaRPr lang="en-US" dirty="0"/>
-                    </a:p>
-                  </a:txBody>
-                  <a:tcPr/>
-                </a:tc>
-              </a:tr>
-              <a:tr h="370840">
-                <a:tc>
-                  <a:txBody>
-                    <a:bodyPr/>
-                    <a:lstStyle/>
-                    <a:p>
-                      <a:r>
-                        <a:rPr lang="en-US" dirty="0" smtClean="0"/>
-                        <a:t>Intercept</a:t>
-                      </a:r>
-                      <a:endParaRPr lang="en-US" dirty="0"/>
-                    </a:p>
-                  </a:txBody>
-                  <a:tcPr/>
-                </a:tc>
-                <a:tc>
-                  <a:txBody>
-                    <a:bodyPr/>
-                    <a:lstStyle/>
-                    <a:p>
-                      <a:r>
-                        <a:rPr lang="en-US" dirty="0" smtClean="0"/>
-                        <a:t>1</a:t>
-                      </a:r>
-                      <a:endParaRPr lang="en-US" dirty="0"/>
-                    </a:p>
-                  </a:txBody>
-                  <a:tcPr/>
-                </a:tc>
-                <a:tc>
-                  <a:txBody>
-                    <a:bodyPr/>
-                    <a:lstStyle/>
-                    <a:p>
-                      <a:r>
-                        <a:rPr lang="en-US" dirty="0" smtClean="0"/>
-                        <a:t>92.91</a:t>
-                      </a:r>
-                      <a:endParaRPr lang="en-US" dirty="0"/>
-                    </a:p>
-                  </a:txBody>
-                  <a:tcPr/>
-                </a:tc>
-                <a:tc>
-                  <a:txBody>
-                    <a:bodyPr/>
-                    <a:lstStyle/>
-                    <a:p>
-                      <a:r>
-                        <a:rPr lang="en-US" dirty="0" smtClean="0"/>
-                        <a:t>10.98</a:t>
-                      </a:r>
-                      <a:endParaRPr lang="en-US" dirty="0"/>
-                    </a:p>
-                  </a:txBody>
-                  <a:tcPr/>
-                </a:tc>
-                <a:tc>
-                  <a:txBody>
-                    <a:bodyPr/>
-                    <a:lstStyle/>
-                    <a:p>
-                      <a:r>
-                        <a:rPr lang="en-US" dirty="0" smtClean="0"/>
-                        <a:t>8.46</a:t>
-                      </a:r>
-                      <a:endParaRPr lang="en-US" dirty="0"/>
-                    </a:p>
-                  </a:txBody>
-                  <a:tcPr/>
-                </a:tc>
-                <a:tc>
-                  <a:txBody>
-                    <a:bodyPr/>
-                    <a:lstStyle/>
-                    <a:p>
-                      <a:r>
-                        <a:rPr lang="en-US" dirty="0" smtClean="0"/>
-                        <a:t>&lt; .0001</a:t>
-                      </a:r>
-                      <a:endParaRPr lang="en-US" dirty="0"/>
-                    </a:p>
-                  </a:txBody>
-                  <a:tcPr/>
-                </a:tc>
-              </a:tr>
-              <a:tr h="370840">
-                <a:tc>
-                  <a:txBody>
-                    <a:bodyPr/>
-                    <a:lstStyle/>
-                    <a:p>
-                      <a:r>
-                        <a:rPr lang="en-US" dirty="0" smtClean="0"/>
-                        <a:t>Run Time</a:t>
-                      </a:r>
-                      <a:endParaRPr lang="en-US" dirty="0"/>
-                    </a:p>
-                  </a:txBody>
-                  <a:tcPr/>
-                </a:tc>
-                <a:tc>
-                  <a:txBody>
-                    <a:bodyPr/>
-                    <a:lstStyle/>
-                    <a:p>
-                      <a:r>
-                        <a:rPr lang="en-US" dirty="0" smtClean="0"/>
-                        <a:t>1</a:t>
-                      </a:r>
-                      <a:endParaRPr lang="en-US" dirty="0"/>
-                    </a:p>
-                  </a:txBody>
-                  <a:tcPr/>
-                </a:tc>
-                <a:tc>
-                  <a:txBody>
-                    <a:bodyPr/>
-                    <a:lstStyle/>
-                    <a:p>
-                      <a:r>
-                        <a:rPr lang="en-US" dirty="0" smtClean="0"/>
-                        <a:t>-3.03</a:t>
-                      </a:r>
-                      <a:endParaRPr lang="en-US" dirty="0"/>
-                    </a:p>
-                  </a:txBody>
-                  <a:tcPr/>
-                </a:tc>
-                <a:tc>
-                  <a:txBody>
-                    <a:bodyPr/>
-                    <a:lstStyle/>
-                    <a:p>
-                      <a:r>
-                        <a:rPr lang="en-US" dirty="0" smtClean="0"/>
-                        <a:t>0.45</a:t>
-                      </a:r>
-                      <a:endParaRPr lang="en-US" dirty="0"/>
-                    </a:p>
-                  </a:txBody>
-                  <a:tcPr/>
-                </a:tc>
-                <a:tc>
-                  <a:txBody>
-                    <a:bodyPr/>
-                    <a:lstStyle/>
-                    <a:p>
-                      <a:r>
-                        <a:rPr lang="en-US" dirty="0" smtClean="0"/>
-                        <a:t>-6.72</a:t>
-                      </a:r>
-                      <a:endParaRPr lang="en-US" dirty="0"/>
-                    </a:p>
-                  </a:txBody>
-                  <a:tcPr/>
-                </a:tc>
-                <a:tc>
-                  <a:txBody>
-                    <a:bodyPr/>
-                    <a:lstStyle/>
-                    <a:p>
-                      <a:r>
-                        <a:rPr lang="en-US" dirty="0" smtClean="0"/>
-                        <a:t>&lt; .0001</a:t>
-                      </a:r>
-                      <a:endParaRPr lang="en-US" dirty="0"/>
-                    </a:p>
-                  </a:txBody>
-                  <a:tcPr/>
-                </a:tc>
-              </a:tr>
-              <a:tr h="370840">
-                <a:tc>
-                  <a:txBody>
-                    <a:bodyPr/>
-                    <a:lstStyle/>
-                    <a:p>
-                      <a:r>
-                        <a:rPr lang="en-US" dirty="0" smtClean="0"/>
-                        <a:t>Run Pulse</a:t>
-                      </a:r>
-                      <a:endParaRPr lang="en-US" dirty="0"/>
-                    </a:p>
-                  </a:txBody>
-                  <a:tcPr/>
-                </a:tc>
-                <a:tc>
-                  <a:txBody>
-                    <a:bodyPr/>
-                    <a:lstStyle/>
-                    <a:p>
-                      <a:r>
-                        <a:rPr lang="en-US" dirty="0" smtClean="0"/>
-                        <a:t>1</a:t>
-                      </a:r>
-                      <a:endParaRPr lang="en-US" dirty="0"/>
-                    </a:p>
-                  </a:txBody>
-                  <a:tcPr/>
-                </a:tc>
-                <a:tc>
-                  <a:txBody>
-                    <a:bodyPr/>
-                    <a:lstStyle/>
-                    <a:p>
-                      <a:r>
-                        <a:rPr lang="en-US" dirty="0" smtClean="0"/>
-                        <a:t>-0.07</a:t>
-                      </a:r>
-                      <a:endParaRPr lang="en-US" dirty="0"/>
-                    </a:p>
-                  </a:txBody>
-                  <a:tcPr/>
-                </a:tc>
-                <a:tc>
-                  <a:txBody>
-                    <a:bodyPr/>
-                    <a:lstStyle/>
-                    <a:p>
-                      <a:r>
-                        <a:rPr lang="en-US" dirty="0" smtClean="0"/>
-                        <a:t>0.06</a:t>
-                      </a:r>
-                      <a:endParaRPr lang="en-US" dirty="0"/>
-                    </a:p>
-                  </a:txBody>
-                  <a:tcPr/>
-                </a:tc>
-                <a:tc>
-                  <a:txBody>
-                    <a:bodyPr/>
-                    <a:lstStyle/>
-                    <a:p>
-                      <a:r>
-                        <a:rPr lang="en-US" dirty="0" smtClean="0"/>
-                        <a:t>-1.24</a:t>
-                      </a:r>
-                      <a:endParaRPr lang="en-US" dirty="0"/>
-                    </a:p>
-                  </a:txBody>
-                  <a:tcPr/>
-                </a:tc>
-                <a:tc>
-                  <a:txBody>
-                    <a:bodyPr/>
-                    <a:lstStyle/>
-                    <a:p>
-                      <a:r>
-                        <a:rPr lang="en-US" dirty="0" smtClean="0"/>
-                        <a:t>0.2306</a:t>
-                      </a:r>
-                      <a:endParaRPr lang="en-US" dirty="0"/>
-                    </a:p>
-                  </a:txBody>
-                  <a:tcPr/>
-                </a:tc>
-              </a:tr>
-            </a:tbl>
-          </a:graphicData>
-        </a:graphic>
-      </p:graphicFrame>
+        </p:txBody>
+      </p:sp>
     </p:spTree>
     <p:extLst>
       <p:ext uri="{BB962C8B-B14F-4D97-AF65-F5344CB8AC3E}">
-        <p14:creationId xmlns:p14="http://schemas.microsoft.com/office/powerpoint/2010/main" val="2451142201"/>
+        <p14:creationId xmlns:p14="http://schemas.microsoft.com/office/powerpoint/2010/main" val="3830439740"/>
       </p:ext>
     </p:extLst>
   </p:cSld>
@@ -5183,7 +4889,7 @@
           <a:p>
             <a:r>
               <a:rPr lang="en-US" dirty="0" smtClean="0"/>
-              <a:t>Fit Statistics</a:t>
+              <a:t>MI Results</a:t>
             </a:r>
             <a:endParaRPr lang="en-US" dirty="0"/>
           </a:p>
@@ -5199,14 +4905,14 @@
             <p:ph idx="1"/>
             <p:extLst>
               <p:ext uri="{D42A27DB-BD31-4B8C-83A1-F6EECF244321}">
-                <p14:modId xmlns:p14="http://schemas.microsoft.com/office/powerpoint/2010/main" val="4058373201"/>
+                <p14:modId xmlns:p14="http://schemas.microsoft.com/office/powerpoint/2010/main" val="4025530139"/>
               </p:ext>
             </p:extLst>
           </p:nvPr>
         </p:nvGraphicFramePr>
         <p:xfrm>
-          <a:off x="457200" y="1600200"/>
-          <a:ext cx="3458133" cy="1854200"/>
+          <a:off x="1039905" y="1389575"/>
+          <a:ext cx="5132892" cy="5363838"/>
         </p:xfrm>
         <a:graphic>
           <a:graphicData uri="http://schemas.openxmlformats.org/drawingml/2006/table">
@@ -5215,32 +4921,36 @@
                 <a:tableStyleId>{5C22544A-7EE6-4342-B048-85BDC9FD1C3A}</a:tableStyleId>
               </a:tblPr>
               <a:tblGrid>
-                <a:gridCol w="1812213"/>
-                <a:gridCol w="1645920"/>
+                <a:gridCol w="2672080"/>
+                <a:gridCol w="2460812"/>
               </a:tblGrid>
-              <a:tr h="370840">
-                <a:tc>
-                  <a:txBody>
-                    <a:bodyPr/>
-                    <a:lstStyle/>
-                    <a:p>
-                      <a:r>
-                        <a:rPr lang="en-US" dirty="0" smtClean="0"/>
-                        <a:t>Root MSE</a:t>
-                      </a:r>
-                      <a:endParaRPr lang="en-US" dirty="0"/>
-                    </a:p>
-                  </a:txBody>
-                  <a:tcPr/>
-                </a:tc>
-                <a:tc>
-                  <a:txBody>
-                    <a:bodyPr/>
-                    <a:lstStyle/>
-                    <a:p>
-                      <a:r>
-                        <a:rPr lang="en-US" dirty="0" smtClean="0"/>
-                        <a:t>2.89311</a:t>
+              <a:tr h="524862">
+                <a:tc>
+                  <a:txBody>
+                    <a:bodyPr/>
+                    <a:lstStyle/>
+                    <a:p>
+                      <a:r>
+                        <a:rPr lang="en-US" dirty="0" smtClean="0"/>
+                        <a:t>Data</a:t>
+                      </a:r>
+                      <a:r>
+                        <a:rPr lang="en-US" baseline="0" dirty="0" smtClean="0"/>
+                        <a:t> Set</a:t>
+                      </a:r>
+                      <a:endParaRPr lang="en-US" dirty="0"/>
+                    </a:p>
+                  </a:txBody>
+                  <a:tcPr/>
+                </a:tc>
+                <a:tc>
+                  <a:txBody>
+                    <a:bodyPr/>
+                    <a:lstStyle/>
+                    <a:p>
+                      <a:r>
+                        <a:rPr lang="en-US" dirty="0" err="1" smtClean="0"/>
+                        <a:t>Work.Fitness</a:t>
                       </a:r>
                       <a:endParaRPr lang="en-US" dirty="0"/>
                     </a:p>
@@ -5248,33 +4958,63 @@
                   <a:tcPr/>
                 </a:tc>
               </a:tr>
-              <a:tr h="370840">
-                <a:tc>
-                  <a:txBody>
-                    <a:bodyPr/>
-                    <a:lstStyle/>
-                    <a:p>
-                      <a:r>
-                        <a:rPr lang="en-US" dirty="0" smtClean="0"/>
-                        <a:t>Dependent</a:t>
+              <a:tr h="524862">
+                <a:tc>
+                  <a:txBody>
+                    <a:bodyPr/>
+                    <a:lstStyle/>
+                    <a:p>
+                      <a:r>
+                        <a:rPr lang="en-US" dirty="0" smtClean="0"/>
+                        <a:t>Method</a:t>
+                      </a:r>
+                      <a:endParaRPr lang="en-US" dirty="0"/>
+                    </a:p>
+                  </a:txBody>
+                  <a:tcPr/>
+                </a:tc>
+                <a:tc>
+                  <a:txBody>
+                    <a:bodyPr/>
+                    <a:lstStyle/>
+                    <a:p>
+                      <a:r>
+                        <a:rPr lang="en-US" dirty="0" smtClean="0"/>
+                        <a:t>MCMC</a:t>
+                      </a:r>
+                      <a:endParaRPr lang="en-US" dirty="0"/>
+                    </a:p>
+                  </a:txBody>
+                  <a:tcPr/>
+                </a:tc>
+              </a:tr>
+              <a:tr h="524862">
+                <a:tc>
+                  <a:txBody>
+                    <a:bodyPr/>
+                    <a:lstStyle/>
+                    <a:p>
+                      <a:r>
+                        <a:rPr lang="en-US" dirty="0" smtClean="0"/>
+                        <a:t>Multiple Imputation</a:t>
                       </a:r>
                       <a:r>
                         <a:rPr lang="en-US" baseline="0" dirty="0" smtClean="0"/>
-                        <a:t> Mean</a:t>
-                      </a:r>
-                      <a:endParaRPr lang="en-US" dirty="0"/>
-                    </a:p>
-                  </a:txBody>
-                  <a:tcPr/>
-                </a:tc>
-                <a:tc>
-                  <a:txBody>
-                    <a:bodyPr/>
-                    <a:lstStyle/>
-                    <a:p>
-                      <a:r>
-                        <a:rPr lang="en-US" dirty="0" smtClean="0"/>
-                        <a:t>46.35381</a:t>
+                        <a:t> Chain</a:t>
+                      </a:r>
+                      <a:endParaRPr lang="en-US" dirty="0"/>
+                    </a:p>
+                  </a:txBody>
+                  <a:tcPr/>
+                </a:tc>
+                <a:tc>
+                  <a:txBody>
+                    <a:bodyPr/>
+                    <a:lstStyle/>
+                    <a:p>
+                      <a:r>
+                        <a:rPr lang="en-US" dirty="0" smtClean="0"/>
+                        <a:t>Single Chain</a:t>
                       </a:r>
                       <a:endParaRPr lang="en-US" dirty="0"/>
                     </a:p>
@@ -5282,7 +5022,21 @@
                   <a:tcPr/>
                 </a:tc>
               </a:tr>
-              <a:tr h="370840">
+              <a:tr h="524862">
+                <a:tc>
+                  <a:txBody>
+                    <a:bodyPr/>
+                    <a:lstStyle/>
+                    <a:p>
+                      <a:r>
+                        <a:rPr lang="en-US" dirty="0" smtClean="0"/>
+                        <a:t>Initial Estimates for MCMC</a:t>
+                      </a:r>
+                      <a:endParaRPr lang="en-US" dirty="0"/>
+                    </a:p>
+                  </a:txBody>
+                  <a:tcPr/>
+                </a:tc>
                 <a:tc>
                   <a:txBody>
                     <a:bodyPr/>
@@ -5290,29 +5044,71 @@
                     <a:p>
                       <a:r>
                         <a:rPr lang="en-US" dirty="0" err="1" smtClean="0"/>
-                        <a:t>Coeff</a:t>
-                      </a:r>
-                      <a:r>
-                        <a:rPr lang="en-US" dirty="0" smtClean="0"/>
-                        <a:t> </a:t>
-                      </a:r>
+                        <a:t>Em</a:t>
+                      </a:r>
+                      <a:r>
+                        <a:rPr lang="en-US" dirty="0" smtClean="0"/>
+                        <a:t> Posterior mode</a:t>
+                      </a:r>
+                      <a:endParaRPr lang="en-US" dirty="0"/>
+                    </a:p>
+                  </a:txBody>
+                  <a:tcPr/>
+                </a:tc>
+              </a:tr>
+              <a:tr h="524862">
+                <a:tc>
+                  <a:txBody>
+                    <a:bodyPr/>
+                    <a:lstStyle/>
+                    <a:p>
+                      <a:r>
+                        <a:rPr lang="en-US" dirty="0" smtClean="0"/>
+                        <a:t>Start</a:t>
+                      </a:r>
+                      <a:endParaRPr lang="en-US" dirty="0"/>
+                    </a:p>
+                  </a:txBody>
+                  <a:tcPr/>
+                </a:tc>
+                <a:tc>
+                  <a:txBody>
+                    <a:bodyPr/>
+                    <a:lstStyle/>
+                    <a:p>
+                      <a:r>
+                        <a:rPr lang="en-US" dirty="0" smtClean="0"/>
+                        <a:t>Starting Value</a:t>
+                      </a:r>
+                      <a:endParaRPr lang="en-US" dirty="0"/>
+                    </a:p>
+                  </a:txBody>
+                  <a:tcPr/>
+                </a:tc>
+              </a:tr>
+              <a:tr h="524862">
+                <a:tc>
+                  <a:txBody>
+                    <a:bodyPr/>
+                    <a:lstStyle/>
+                    <a:p>
+                      <a:r>
+                        <a:rPr lang="en-US" dirty="0" smtClean="0"/>
+                        <a:t>Prior</a:t>
+                      </a:r>
+                      <a:endParaRPr lang="en-US" dirty="0"/>
+                    </a:p>
+                  </a:txBody>
+                  <a:tcPr/>
+                </a:tc>
+                <a:tc>
+                  <a:txBody>
+                    <a:bodyPr/>
+                    <a:lstStyle/>
+                    <a:p>
                       <a:r>
                         <a:rPr lang="en-US" dirty="0" err="1" smtClean="0"/>
-                        <a:t>Var</a:t>
-                      </a:r>
-                      <a:endParaRPr lang="en-US" dirty="0"/>
-                    </a:p>
-                  </a:txBody>
-                  <a:tcPr/>
-                </a:tc>
-                <a:tc>
-                  <a:txBody>
-                    <a:bodyPr/>
-                    <a:lstStyle/>
-                    <a:p>
-                      <a:r>
-                        <a:rPr lang="en-US" dirty="0" smtClean="0"/>
-                        <a:t>6.24136</a:t>
+                        <a:t>Jeffreys</a:t>
                       </a:r>
                       <a:endParaRPr lang="en-US" dirty="0"/>
                     </a:p>
@@ -5320,29 +5116,29 @@
                   <a:tcPr/>
                 </a:tc>
               </a:tr>
-              <a:tr h="370840">
-                <a:tc>
-                  <a:txBody>
-                    <a:bodyPr/>
-                    <a:lstStyle/>
-                    <a:p>
-                      <a:r>
-                        <a:rPr lang="en-US" dirty="0" smtClean="0"/>
-                        <a:t>R-Square</a:t>
-                      </a:r>
-                      <a:endParaRPr lang="en-US" dirty="0"/>
-                    </a:p>
-                  </a:txBody>
-                  <a:tcPr/>
-                </a:tc>
-                <a:tc>
-                  <a:txBody>
-                    <a:bodyPr/>
-                    <a:lstStyle/>
-                    <a:p>
-                      <a:r>
-                        <a:rPr lang="en-US" dirty="0" smtClean="0"/>
-                        <a:t>0.7490</a:t>
+              <a:tr h="524862">
+                <a:tc>
+                  <a:txBody>
+                    <a:bodyPr/>
+                    <a:lstStyle/>
+                    <a:p>
+                      <a:r>
+                        <a:rPr lang="en-US" dirty="0" smtClean="0"/>
+                        <a:t>Number of Imputations</a:t>
+                      </a:r>
+                      <a:endParaRPr lang="en-US" dirty="0"/>
+                    </a:p>
+                  </a:txBody>
+                  <a:tcPr/>
+                </a:tc>
+                <a:tc>
+                  <a:txBody>
+                    <a:bodyPr/>
+                    <a:lstStyle/>
+                    <a:p>
+                      <a:r>
+                        <a:rPr lang="en-US" dirty="0" smtClean="0"/>
+                        <a:t>5</a:t>
                       </a:r>
                       <a:endParaRPr lang="en-US" dirty="0"/>
                     </a:p>
@@ -5350,37 +5146,89 @@
                   <a:tcPr/>
                 </a:tc>
               </a:tr>
-              <a:tr h="370840">
-                <a:tc>
-                  <a:txBody>
-                    <a:bodyPr/>
-                    <a:lstStyle/>
-                    <a:p>
-                      <a:r>
-                        <a:rPr lang="en-US" dirty="0" err="1" smtClean="0"/>
-                        <a:t>Adj</a:t>
-                      </a:r>
-                      <a:r>
-                        <a:rPr lang="en-US" dirty="0" smtClean="0"/>
-                        <a:t> R-</a:t>
-                      </a:r>
-                      <a:r>
-                        <a:rPr lang="en-US" dirty="0" err="1" smtClean="0"/>
-                        <a:t>Squre</a:t>
-                      </a:r>
-                      <a:endParaRPr lang="en-US" dirty="0"/>
-                    </a:p>
-                  </a:txBody>
-                  <a:tcPr/>
-                </a:tc>
-                <a:tc>
-                  <a:txBody>
-                    <a:bodyPr/>
-                    <a:lstStyle/>
-                    <a:p>
-                      <a:r>
-                        <a:rPr lang="en-US" dirty="0" smtClean="0"/>
-                        <a:t>0.7211</a:t>
+              <a:tr h="524862">
+                <a:tc>
+                  <a:txBody>
+                    <a:bodyPr/>
+                    <a:lstStyle/>
+                    <a:p>
+                      <a:r>
+                        <a:rPr lang="en-US" dirty="0" smtClean="0"/>
+                        <a:t>Number of Burn in Iterations</a:t>
+                      </a:r>
+                      <a:endParaRPr lang="en-US" dirty="0"/>
+                    </a:p>
+                  </a:txBody>
+                  <a:tcPr/>
+                </a:tc>
+                <a:tc>
+                  <a:txBody>
+                    <a:bodyPr/>
+                    <a:lstStyle/>
+                    <a:p>
+                      <a:r>
+                        <a:rPr lang="en-US" dirty="0" smtClean="0"/>
+                        <a:t>200</a:t>
+                      </a:r>
+                      <a:endParaRPr lang="en-US" dirty="0"/>
+                    </a:p>
+                  </a:txBody>
+                  <a:tcPr/>
+                </a:tc>
+              </a:tr>
+              <a:tr h="524862">
+                <a:tc>
+                  <a:txBody>
+                    <a:bodyPr/>
+                    <a:lstStyle/>
+                    <a:p>
+                      <a:r>
+                        <a:rPr lang="en-US" dirty="0" smtClean="0"/>
+                        <a:t>Number of Iterations </a:t>
+                      </a:r>
+                      <a:endParaRPr lang="en-US" dirty="0"/>
+                    </a:p>
+                  </a:txBody>
+                  <a:tcPr/>
+                </a:tc>
+                <a:tc>
+                  <a:txBody>
+                    <a:bodyPr/>
+                    <a:lstStyle/>
+                    <a:p>
+                      <a:r>
+                        <a:rPr lang="en-US" dirty="0" smtClean="0"/>
+                        <a:t>100</a:t>
+                      </a:r>
+                      <a:endParaRPr lang="en-US" dirty="0"/>
+                    </a:p>
+                  </a:txBody>
+                  <a:tcPr/>
+                </a:tc>
+              </a:tr>
+              <a:tr h="524862">
+                <a:tc>
+                  <a:txBody>
+                    <a:bodyPr/>
+                    <a:lstStyle/>
+                    <a:p>
+                      <a:r>
+                        <a:rPr lang="en-US" dirty="0" smtClean="0"/>
+                        <a:t>Seed </a:t>
+                      </a:r>
+                      <a:endParaRPr lang="en-US" dirty="0"/>
+                    </a:p>
+                  </a:txBody>
+                  <a:tcPr/>
+                </a:tc>
+                <a:tc>
+                  <a:txBody>
+                    <a:bodyPr/>
+                    <a:lstStyle/>
+                    <a:p>
+                      <a:r>
+                        <a:rPr lang="en-US" dirty="0" smtClean="0"/>
+                        <a:t>37851</a:t>
                       </a:r>
                       <a:endParaRPr lang="en-US" dirty="0"/>
                     </a:p>
@@ -5395,7 +5243,7 @@
     </p:spTree>
     <p:extLst>
       <p:ext uri="{BB962C8B-B14F-4D97-AF65-F5344CB8AC3E}">
-        <p14:creationId xmlns:p14="http://schemas.microsoft.com/office/powerpoint/2010/main" val="2914897601"/>
+        <p14:creationId xmlns:p14="http://schemas.microsoft.com/office/powerpoint/2010/main" val="2891342077"/>
       </p:ext>
     </p:extLst>
   </p:cSld>
@@ -5439,118 +5287,668 @@
           <a:p>
             <a:r>
               <a:rPr lang="en-US" dirty="0" smtClean="0"/>
-              <a:t>MI Code</a:t>
+              <a:t>Missing Data Patterns</a:t>
             </a:r>
             <a:endParaRPr lang="en-US" dirty="0"/>
           </a:p>
         </p:txBody>
       </p:sp>
-      <p:sp>
-        <p:nvSpPr>
-          <p:cNvPr id="3" name="Content Placeholder 2"/>
-          <p:cNvSpPr>
-            <a:spLocks noGrp="1"/>
-          </p:cNvSpPr>
+      <p:graphicFrame>
+        <p:nvGraphicFramePr>
+          <p:cNvPr id="4" name="Content Placeholder 3"/>
+          <p:cNvGraphicFramePr>
+            <a:graphicFrameLocks noGrp="1"/>
+          </p:cNvGraphicFramePr>
           <p:nvPr>
             <p:ph idx="1"/>
-          </p:nvPr>
-        </p:nvSpPr>
-        <p:spPr/>
-        <p:txBody>
-          <a:bodyPr/>
+            <p:extLst>
+              <p:ext uri="{D42A27DB-BD31-4B8C-83A1-F6EECF244321}">
+                <p14:modId xmlns:p14="http://schemas.microsoft.com/office/powerpoint/2010/main" val="748165602"/>
+              </p:ext>
+            </p:extLst>
+          </p:nvPr>
+        </p:nvGraphicFramePr>
+        <p:xfrm>
+          <a:off x="457200" y="1493838"/>
+          <a:ext cx="8229600" cy="2225040"/>
+        </p:xfrm>
+        <a:graphic>
+          <a:graphicData uri="http://schemas.openxmlformats.org/drawingml/2006/table">
+            <a:tbl>
+              <a:tblPr firstRow="1" bandRow="1">
+                <a:tableStyleId>{5C22544A-7EE6-4342-B048-85BDC9FD1C3A}</a:tableStyleId>
+              </a:tblPr>
+              <a:tblGrid>
+                <a:gridCol w="1371600"/>
+                <a:gridCol w="1371600"/>
+                <a:gridCol w="1371600"/>
+                <a:gridCol w="1371600"/>
+                <a:gridCol w="1371600"/>
+                <a:gridCol w="1371600"/>
+              </a:tblGrid>
+              <a:tr h="370840">
+                <a:tc>
+                  <a:txBody>
+                    <a:bodyPr/>
+                    <a:lstStyle/>
+                    <a:p>
+                      <a:r>
+                        <a:rPr lang="en-US" dirty="0" smtClean="0"/>
+                        <a:t>Group</a:t>
+                      </a:r>
+                      <a:endParaRPr lang="en-US" dirty="0"/>
+                    </a:p>
+                  </a:txBody>
+                  <a:tcPr/>
+                </a:tc>
+                <a:tc>
+                  <a:txBody>
+                    <a:bodyPr/>
+                    <a:lstStyle/>
+                    <a:p>
+                      <a:r>
+                        <a:rPr lang="en-US" dirty="0" smtClean="0"/>
+                        <a:t>Oxygen</a:t>
+                      </a:r>
+                      <a:endParaRPr lang="en-US" dirty="0"/>
+                    </a:p>
+                  </a:txBody>
+                  <a:tcPr/>
+                </a:tc>
+                <a:tc>
+                  <a:txBody>
+                    <a:bodyPr/>
+                    <a:lstStyle/>
+                    <a:p>
+                      <a:r>
+                        <a:rPr lang="en-US" dirty="0" err="1" smtClean="0"/>
+                        <a:t>RunTime</a:t>
+                      </a:r>
+                      <a:endParaRPr lang="en-US" dirty="0"/>
+                    </a:p>
+                  </a:txBody>
+                  <a:tcPr/>
+                </a:tc>
+                <a:tc>
+                  <a:txBody>
+                    <a:bodyPr/>
+                    <a:lstStyle/>
+                    <a:p>
+                      <a:r>
+                        <a:rPr lang="en-US" dirty="0" err="1" smtClean="0"/>
+                        <a:t>RunPulse</a:t>
+                      </a:r>
+                      <a:endParaRPr lang="en-US" dirty="0"/>
+                    </a:p>
+                  </a:txBody>
+                  <a:tcPr/>
+                </a:tc>
+                <a:tc>
+                  <a:txBody>
+                    <a:bodyPr/>
+                    <a:lstStyle/>
+                    <a:p>
+                      <a:r>
+                        <a:rPr lang="en-US" dirty="0" err="1" smtClean="0"/>
+                        <a:t>Freq</a:t>
+                      </a:r>
+                      <a:endParaRPr lang="en-US" dirty="0"/>
+                    </a:p>
+                  </a:txBody>
+                  <a:tcPr/>
+                </a:tc>
+                <a:tc>
+                  <a:txBody>
+                    <a:bodyPr/>
+                    <a:lstStyle/>
+                    <a:p>
+                      <a:r>
+                        <a:rPr lang="en-US" dirty="0" smtClean="0"/>
+                        <a:t>Percent</a:t>
+                      </a:r>
+                      <a:endParaRPr lang="en-US" dirty="0"/>
+                    </a:p>
+                  </a:txBody>
+                  <a:tcPr/>
+                </a:tc>
+              </a:tr>
+              <a:tr h="370840">
+                <a:tc>
+                  <a:txBody>
+                    <a:bodyPr/>
+                    <a:lstStyle/>
+                    <a:p>
+                      <a:r>
+                        <a:rPr lang="en-US" dirty="0" smtClean="0"/>
+                        <a:t>1</a:t>
+                      </a:r>
+                      <a:endParaRPr lang="en-US" dirty="0"/>
+                    </a:p>
+                  </a:txBody>
+                  <a:tcPr/>
+                </a:tc>
+                <a:tc>
+                  <a:txBody>
+                    <a:bodyPr/>
+                    <a:lstStyle/>
+                    <a:p>
+                      <a:r>
+                        <a:rPr lang="en-US" dirty="0" smtClean="0"/>
+                        <a:t>X</a:t>
+                      </a:r>
+                      <a:endParaRPr lang="en-US" dirty="0"/>
+                    </a:p>
+                  </a:txBody>
+                  <a:tcPr/>
+                </a:tc>
+                <a:tc>
+                  <a:txBody>
+                    <a:bodyPr/>
+                    <a:lstStyle/>
+                    <a:p>
+                      <a:r>
+                        <a:rPr lang="en-US" dirty="0" smtClean="0"/>
+                        <a:t>X</a:t>
+                      </a:r>
+                      <a:endParaRPr lang="en-US" dirty="0"/>
+                    </a:p>
+                  </a:txBody>
+                  <a:tcPr/>
+                </a:tc>
+                <a:tc>
+                  <a:txBody>
+                    <a:bodyPr/>
+                    <a:lstStyle/>
+                    <a:p>
+                      <a:r>
+                        <a:rPr lang="en-US" dirty="0" smtClean="0"/>
+                        <a:t>X</a:t>
+                      </a:r>
+                      <a:endParaRPr lang="en-US" dirty="0"/>
+                    </a:p>
+                  </a:txBody>
+                  <a:tcPr/>
+                </a:tc>
+                <a:tc>
+                  <a:txBody>
+                    <a:bodyPr/>
+                    <a:lstStyle/>
+                    <a:p>
+                      <a:r>
+                        <a:rPr lang="en-US" dirty="0" smtClean="0"/>
+                        <a:t>21</a:t>
+                      </a:r>
+                      <a:endParaRPr lang="en-US" dirty="0"/>
+                    </a:p>
+                  </a:txBody>
+                  <a:tcPr/>
+                </a:tc>
+                <a:tc>
+                  <a:txBody>
+                    <a:bodyPr/>
+                    <a:lstStyle/>
+                    <a:p>
+                      <a:r>
+                        <a:rPr lang="en-US" dirty="0" smtClean="0"/>
+                        <a:t>67.74</a:t>
+                      </a:r>
+                      <a:endParaRPr lang="en-US" dirty="0"/>
+                    </a:p>
+                  </a:txBody>
+                  <a:tcPr/>
+                </a:tc>
+              </a:tr>
+              <a:tr h="370840">
+                <a:tc>
+                  <a:txBody>
+                    <a:bodyPr/>
+                    <a:lstStyle/>
+                    <a:p>
+                      <a:r>
+                        <a:rPr lang="en-US" dirty="0" smtClean="0"/>
+                        <a:t>2</a:t>
+                      </a:r>
+                      <a:endParaRPr lang="en-US" dirty="0"/>
+                    </a:p>
+                  </a:txBody>
+                  <a:tcPr/>
+                </a:tc>
+                <a:tc>
+                  <a:txBody>
+                    <a:bodyPr/>
+                    <a:lstStyle/>
+                    <a:p>
+                      <a:r>
+                        <a:rPr lang="en-US" dirty="0" smtClean="0"/>
+                        <a:t>X</a:t>
+                      </a:r>
+                      <a:endParaRPr lang="en-US" dirty="0"/>
+                    </a:p>
+                  </a:txBody>
+                  <a:tcPr/>
+                </a:tc>
+                <a:tc>
+                  <a:txBody>
+                    <a:bodyPr/>
+                    <a:lstStyle/>
+                    <a:p>
+                      <a:r>
+                        <a:rPr lang="en-US" dirty="0" smtClean="0"/>
+                        <a:t>X</a:t>
+                      </a:r>
+                      <a:endParaRPr lang="en-US" dirty="0"/>
+                    </a:p>
+                  </a:txBody>
+                  <a:tcPr/>
+                </a:tc>
+                <a:tc>
+                  <a:txBody>
+                    <a:bodyPr/>
+                    <a:lstStyle/>
+                    <a:p>
+                      <a:r>
+                        <a:rPr lang="en-US" dirty="0" smtClean="0"/>
+                        <a:t>.</a:t>
+                      </a:r>
+                      <a:endParaRPr lang="en-US" dirty="0"/>
+                    </a:p>
+                  </a:txBody>
+                  <a:tcPr/>
+                </a:tc>
+                <a:tc>
+                  <a:txBody>
+                    <a:bodyPr/>
+                    <a:lstStyle/>
+                    <a:p>
+                      <a:r>
+                        <a:rPr lang="en-US" dirty="0" smtClean="0"/>
+                        <a:t>4</a:t>
+                      </a:r>
+                      <a:endParaRPr lang="en-US" dirty="0"/>
+                    </a:p>
+                  </a:txBody>
+                  <a:tcPr/>
+                </a:tc>
+                <a:tc>
+                  <a:txBody>
+                    <a:bodyPr/>
+                    <a:lstStyle/>
+                    <a:p>
+                      <a:r>
+                        <a:rPr lang="en-US" dirty="0" smtClean="0"/>
+                        <a:t>12.90</a:t>
+                      </a:r>
+                      <a:endParaRPr lang="en-US" dirty="0"/>
+                    </a:p>
+                  </a:txBody>
+                  <a:tcPr/>
+                </a:tc>
+              </a:tr>
+              <a:tr h="370840">
+                <a:tc>
+                  <a:txBody>
+                    <a:bodyPr/>
+                    <a:lstStyle/>
+                    <a:p>
+                      <a:r>
+                        <a:rPr lang="en-US" dirty="0" smtClean="0"/>
+                        <a:t>3</a:t>
+                      </a:r>
+                      <a:endParaRPr lang="en-US" dirty="0"/>
+                    </a:p>
+                  </a:txBody>
+                  <a:tcPr/>
+                </a:tc>
+                <a:tc>
+                  <a:txBody>
+                    <a:bodyPr/>
+                    <a:lstStyle/>
+                    <a:p>
+                      <a:r>
+                        <a:rPr lang="en-US" dirty="0" smtClean="0"/>
+                        <a:t>X</a:t>
+                      </a:r>
+                      <a:endParaRPr lang="en-US" dirty="0"/>
+                    </a:p>
+                  </a:txBody>
+                  <a:tcPr/>
+                </a:tc>
+                <a:tc>
+                  <a:txBody>
+                    <a:bodyPr/>
+                    <a:lstStyle/>
+                    <a:p>
+                      <a:r>
+                        <a:rPr lang="en-US" dirty="0" smtClean="0"/>
+                        <a:t>.</a:t>
+                      </a:r>
+                      <a:endParaRPr lang="en-US" dirty="0"/>
+                    </a:p>
+                  </a:txBody>
+                  <a:tcPr/>
+                </a:tc>
+                <a:tc>
+                  <a:txBody>
+                    <a:bodyPr/>
+                    <a:lstStyle/>
+                    <a:p>
+                      <a:r>
+                        <a:rPr lang="en-US" dirty="0" smtClean="0"/>
+                        <a:t>.</a:t>
+                      </a:r>
+                      <a:endParaRPr lang="en-US" dirty="0"/>
+                    </a:p>
+                  </a:txBody>
+                  <a:tcPr/>
+                </a:tc>
+                <a:tc>
+                  <a:txBody>
+                    <a:bodyPr/>
+                    <a:lstStyle/>
+                    <a:p>
+                      <a:r>
+                        <a:rPr lang="en-US" dirty="0" smtClean="0"/>
+                        <a:t>3</a:t>
+                      </a:r>
+                      <a:endParaRPr lang="en-US" dirty="0"/>
+                    </a:p>
+                  </a:txBody>
+                  <a:tcPr/>
+                </a:tc>
+                <a:tc>
+                  <a:txBody>
+                    <a:bodyPr/>
+                    <a:lstStyle/>
+                    <a:p>
+                      <a:r>
+                        <a:rPr lang="en-US" dirty="0" smtClean="0"/>
+                        <a:t>9.68</a:t>
+                      </a:r>
+                      <a:endParaRPr lang="en-US" dirty="0"/>
+                    </a:p>
+                  </a:txBody>
+                  <a:tcPr/>
+                </a:tc>
+              </a:tr>
+              <a:tr h="370840">
+                <a:tc>
+                  <a:txBody>
+                    <a:bodyPr/>
+                    <a:lstStyle/>
+                    <a:p>
+                      <a:r>
+                        <a:rPr lang="en-US" dirty="0" smtClean="0"/>
+                        <a:t>4</a:t>
+                      </a:r>
+                      <a:endParaRPr lang="en-US" dirty="0"/>
+                    </a:p>
+                  </a:txBody>
+                  <a:tcPr/>
+                </a:tc>
+                <a:tc>
+                  <a:txBody>
+                    <a:bodyPr/>
+                    <a:lstStyle/>
+                    <a:p>
+                      <a:r>
+                        <a:rPr lang="en-US" dirty="0" smtClean="0"/>
+                        <a:t>.</a:t>
+                      </a:r>
+                      <a:endParaRPr lang="en-US" dirty="0"/>
+                    </a:p>
+                  </a:txBody>
+                  <a:tcPr/>
+                </a:tc>
+                <a:tc>
+                  <a:txBody>
+                    <a:bodyPr/>
+                    <a:lstStyle/>
+                    <a:p>
+                      <a:r>
+                        <a:rPr lang="en-US" dirty="0" smtClean="0"/>
+                        <a:t>X</a:t>
+                      </a:r>
+                      <a:endParaRPr lang="en-US" dirty="0"/>
+                    </a:p>
+                  </a:txBody>
+                  <a:tcPr/>
+                </a:tc>
+                <a:tc>
+                  <a:txBody>
+                    <a:bodyPr/>
+                    <a:lstStyle/>
+                    <a:p>
+                      <a:r>
+                        <a:rPr lang="en-US" dirty="0" smtClean="0"/>
+                        <a:t>X</a:t>
+                      </a:r>
+                      <a:endParaRPr lang="en-US" dirty="0"/>
+                    </a:p>
+                  </a:txBody>
+                  <a:tcPr/>
+                </a:tc>
+                <a:tc>
+                  <a:txBody>
+                    <a:bodyPr/>
+                    <a:lstStyle/>
+                    <a:p>
+                      <a:r>
+                        <a:rPr lang="en-US" dirty="0" smtClean="0"/>
+                        <a:t>2</a:t>
+                      </a:r>
+                      <a:endParaRPr lang="en-US" dirty="0"/>
+                    </a:p>
+                  </a:txBody>
+                  <a:tcPr/>
+                </a:tc>
+                <a:tc>
+                  <a:txBody>
+                    <a:bodyPr/>
+                    <a:lstStyle/>
+                    <a:p>
+                      <a:r>
+                        <a:rPr lang="en-US" dirty="0" smtClean="0"/>
+                        <a:t>6.45</a:t>
+                      </a:r>
+                      <a:endParaRPr lang="en-US" dirty="0"/>
+                    </a:p>
+                  </a:txBody>
+                  <a:tcPr/>
+                </a:tc>
+              </a:tr>
+              <a:tr h="370840">
+                <a:tc>
+                  <a:txBody>
+                    <a:bodyPr/>
+                    <a:lstStyle/>
+                    <a:p>
+                      <a:r>
+                        <a:rPr lang="en-US" dirty="0" smtClean="0"/>
+                        <a:t>5</a:t>
+                      </a:r>
+                      <a:endParaRPr lang="en-US" dirty="0"/>
+                    </a:p>
+                  </a:txBody>
+                  <a:tcPr/>
+                </a:tc>
+                <a:tc>
+                  <a:txBody>
+                    <a:bodyPr/>
+                    <a:lstStyle/>
+                    <a:p>
+                      <a:r>
+                        <a:rPr lang="en-US" dirty="0" smtClean="0"/>
+                        <a:t>.</a:t>
+                      </a:r>
+                      <a:endParaRPr lang="en-US" dirty="0"/>
+                    </a:p>
+                  </a:txBody>
+                  <a:tcPr/>
+                </a:tc>
+                <a:tc>
+                  <a:txBody>
+                    <a:bodyPr/>
+                    <a:lstStyle/>
+                    <a:p>
+                      <a:r>
+                        <a:rPr lang="en-US" dirty="0" smtClean="0"/>
+                        <a:t>X</a:t>
+                      </a:r>
+                      <a:endParaRPr lang="en-US" dirty="0"/>
+                    </a:p>
+                  </a:txBody>
+                  <a:tcPr/>
+                </a:tc>
+                <a:tc>
+                  <a:txBody>
+                    <a:bodyPr/>
+                    <a:lstStyle/>
+                    <a:p>
+                      <a:r>
+                        <a:rPr lang="en-US" dirty="0" smtClean="0"/>
+                        <a:t>.</a:t>
+                      </a:r>
+                      <a:endParaRPr lang="en-US" dirty="0"/>
+                    </a:p>
+                  </a:txBody>
+                  <a:tcPr/>
+                </a:tc>
+                <a:tc>
+                  <a:txBody>
+                    <a:bodyPr/>
+                    <a:lstStyle/>
+                    <a:p>
+                      <a:r>
+                        <a:rPr lang="en-US" dirty="0" smtClean="0"/>
+                        <a:t>1</a:t>
+                      </a:r>
+                      <a:endParaRPr lang="en-US" dirty="0"/>
+                    </a:p>
+                  </a:txBody>
+                  <a:tcPr/>
+                </a:tc>
+                <a:tc>
+                  <a:txBody>
+                    <a:bodyPr/>
+                    <a:lstStyle/>
+                    <a:p>
+                      <a:r>
+                        <a:rPr lang="en-US" dirty="0" smtClean="0"/>
+                        <a:t>3.23</a:t>
+                      </a:r>
+                      <a:endParaRPr lang="en-US" dirty="0"/>
+                    </a:p>
+                  </a:txBody>
+                  <a:tcPr/>
+                </a:tc>
+              </a:tr>
+            </a:tbl>
+          </a:graphicData>
+        </a:graphic>
+      </p:graphicFrame>
+      <p:sp>
+        <p:nvSpPr>
+          <p:cNvPr id="5" name="TextBox 4"/>
+          <p:cNvSpPr txBox="1"/>
+          <p:nvPr/>
+        </p:nvSpPr>
+        <p:spPr>
+          <a:xfrm>
+            <a:off x="457200" y="3929533"/>
+            <a:ext cx="8229600" cy="2862323"/>
+          </a:xfrm>
+          <a:prstGeom prst="rect">
+            <a:avLst/>
+          </a:prstGeom>
+          <a:noFill/>
+        </p:spPr>
+        <p:txBody>
+          <a:bodyPr wrap="square" rtlCol="0">
+            <a:spAutoFit/>
+          </a:bodyPr>
           <a:lstStyle/>
           <a:p>
+            <a:pPr marL="285750" indent="-285750">
+              <a:buFont typeface="Arial"/>
+              <a:buChar char="•"/>
+            </a:pPr>
+            <a:r>
+              <a:rPr lang="en-US" dirty="0" smtClean="0"/>
+              <a:t>Note the Missing Data Pattern</a:t>
+            </a:r>
+          </a:p>
+          <a:p>
             <a:r>
               <a:rPr lang="en-US" dirty="0"/>
-              <a:t>title 'Multiple Imputation';</a:t>
-            </a:r>
-          </a:p>
-          <a:p>
-            <a:r>
-              <a:rPr lang="en-US" b="1" dirty="0" err="1"/>
-              <a:t>proc</a:t>
-            </a:r>
+              <a:t>	</a:t>
+            </a:r>
+            <a:r>
+              <a:rPr lang="en-US" dirty="0" smtClean="0"/>
+              <a:t>Monotonic Formation</a:t>
+            </a:r>
+          </a:p>
+          <a:p>
+            <a:pPr marL="285750" indent="-285750">
+              <a:buFont typeface="Arial"/>
+              <a:buChar char="•"/>
+            </a:pPr>
+            <a:endParaRPr lang="en-US" dirty="0" smtClean="0"/>
+          </a:p>
+          <a:p>
+            <a:pPr marL="285750" indent="-285750">
+              <a:buFont typeface="Arial"/>
+              <a:buChar char="•"/>
+            </a:pPr>
+            <a:r>
+              <a:rPr lang="en-US" dirty="0" smtClean="0"/>
+              <a:t>Missing Completely At Random</a:t>
+            </a:r>
+          </a:p>
+          <a:p>
             <a:r>
               <a:rPr lang="en-US" dirty="0"/>
-              <a:t> </a:t>
-            </a:r>
-            <a:r>
-              <a:rPr lang="en-US" b="1" dirty="0"/>
-              <a:t>mi</a:t>
+              <a:t>	</a:t>
+            </a:r>
+          </a:p>
+          <a:p>
+            <a:pPr marL="285750" indent="-285750">
+              <a:buFont typeface="Arial"/>
+              <a:buChar char="•"/>
+            </a:pPr>
+            <a:r>
+              <a:rPr lang="en-US" dirty="0" smtClean="0"/>
+              <a:t>Missing At Random</a:t>
+            </a:r>
+          </a:p>
+          <a:p>
+            <a:pPr marL="742950" lvl="1" indent="-285750">
+              <a:buFont typeface="Arial"/>
+              <a:buChar char="•"/>
+            </a:pPr>
+            <a:r>
+              <a:rPr lang="en-US" dirty="0" smtClean="0"/>
+              <a:t>Missing Data are dependent on observed covariates, but independent of unobserved covariates</a:t>
+            </a:r>
+          </a:p>
+          <a:p>
+            <a:pPr marL="742950" lvl="1" indent="-285750">
+              <a:buFont typeface="Arial"/>
+              <a:buChar char="•"/>
+            </a:pPr>
+            <a:r>
+              <a:rPr lang="en-US" dirty="0" smtClean="0"/>
+              <a:t>Missing data can be estimated by a statistical model</a:t>
             </a:r>
             <a:r>
               <a:rPr lang="en-US" dirty="0"/>
-              <a:t> data=Fitness seed=</a:t>
-            </a:r>
-            <a:r>
-              <a:rPr lang="en-US" b="1" dirty="0"/>
-              <a:t>37851</a:t>
-            </a:r>
+              <a:t>	</a:t>
+            </a:r>
+            <a:endParaRPr lang="en-US" dirty="0" smtClean="0"/>
+          </a:p>
+          <a:p>
             <a:r>
               <a:rPr lang="en-US" dirty="0"/>
-              <a:t> out=</a:t>
-            </a:r>
-            <a:r>
-              <a:rPr lang="en-US" dirty="0" err="1"/>
-              <a:t>miout</a:t>
-            </a:r>
-            <a:r>
-              <a:rPr lang="en-US" dirty="0"/>
-              <a:t>;</a:t>
-            </a:r>
-          </a:p>
-          <a:p>
-            <a:r>
-              <a:rPr lang="en-US" dirty="0" err="1"/>
-              <a:t>mcmc</a:t>
-            </a:r>
-            <a:r>
-              <a:rPr lang="en-US" dirty="0"/>
-              <a:t> chain=single initial=</a:t>
-            </a:r>
-            <a:r>
-              <a:rPr lang="en-US" dirty="0" err="1"/>
-              <a:t>em</a:t>
-            </a:r>
-            <a:r>
-              <a:rPr lang="en-US" dirty="0"/>
-              <a:t>;</a:t>
-            </a:r>
-          </a:p>
-          <a:p>
-            <a:r>
-              <a:rPr lang="en-US" dirty="0" err="1"/>
-              <a:t>var</a:t>
-            </a:r>
-            <a:r>
-              <a:rPr lang="en-US" dirty="0"/>
-              <a:t> Oxygen </a:t>
-            </a:r>
-            <a:r>
-              <a:rPr lang="en-US" dirty="0" err="1"/>
-              <a:t>RunTime</a:t>
-            </a:r>
-            <a:r>
-              <a:rPr lang="en-US" dirty="0"/>
-              <a:t> </a:t>
-            </a:r>
-            <a:r>
-              <a:rPr lang="en-US" dirty="0" err="1"/>
-              <a:t>RunPulse</a:t>
-            </a:r>
-            <a:r>
-              <a:rPr lang="en-US" dirty="0"/>
-              <a:t>;</a:t>
-            </a:r>
-          </a:p>
-          <a:p>
-            <a:r>
-              <a:rPr lang="en-US" b="1" dirty="0"/>
-              <a:t>run</a:t>
-            </a:r>
-            <a:r>
-              <a:rPr lang="en-US" dirty="0"/>
-              <a:t>;</a:t>
+              <a:t>	</a:t>
             </a:r>
           </a:p>
         </p:txBody>
@@ -5558,7 +5956,7 @@
     </p:spTree>
     <p:extLst>
       <p:ext uri="{BB962C8B-B14F-4D97-AF65-F5344CB8AC3E}">
-        <p14:creationId xmlns:p14="http://schemas.microsoft.com/office/powerpoint/2010/main" val="3830439740"/>
+        <p14:creationId xmlns:p14="http://schemas.microsoft.com/office/powerpoint/2010/main" val="2831990977"/>
       </p:ext>
     </p:extLst>
   </p:cSld>
@@ -5602,7 +6000,7 @@
           <a:p>
             <a:r>
               <a:rPr lang="en-US" dirty="0" smtClean="0"/>
-              <a:t>MI Results</a:t>
+              <a:t>MI Parameter Estimates</a:t>
             </a:r>
             <a:endParaRPr lang="en-US" dirty="0"/>
           </a:p>
@@ -5618,14 +6016,14 @@
             <p:ph idx="1"/>
             <p:extLst>
               <p:ext uri="{D42A27DB-BD31-4B8C-83A1-F6EECF244321}">
-                <p14:modId xmlns:p14="http://schemas.microsoft.com/office/powerpoint/2010/main" val="4025530139"/>
+                <p14:modId xmlns:p14="http://schemas.microsoft.com/office/powerpoint/2010/main" val="1736614225"/>
               </p:ext>
             </p:extLst>
           </p:nvPr>
         </p:nvGraphicFramePr>
         <p:xfrm>
-          <a:off x="1039905" y="1389575"/>
-          <a:ext cx="5132892" cy="5363838"/>
+          <a:off x="457200" y="1600200"/>
+          <a:ext cx="6635115" cy="1483360"/>
         </p:xfrm>
         <a:graphic>
           <a:graphicData uri="http://schemas.openxmlformats.org/drawingml/2006/table">
@@ -5634,36 +6032,185 @@
                 <a:tableStyleId>{5C22544A-7EE6-4342-B048-85BDC9FD1C3A}</a:tableStyleId>
               </a:tblPr>
               <a:tblGrid>
-                <a:gridCol w="2672080"/>
-                <a:gridCol w="2460812"/>
+                <a:gridCol w="1645920"/>
+                <a:gridCol w="1645920"/>
+                <a:gridCol w="1645920"/>
+                <a:gridCol w="1697355"/>
               </a:tblGrid>
-              <a:tr h="524862">
-                <a:tc>
-                  <a:txBody>
-                    <a:bodyPr/>
-                    <a:lstStyle/>
-                    <a:p>
-                      <a:r>
-                        <a:rPr lang="en-US" dirty="0" smtClean="0"/>
-                        <a:t>Data</a:t>
+              <a:tr h="370840">
+                <a:tc>
+                  <a:txBody>
+                    <a:bodyPr/>
+                    <a:lstStyle/>
+                    <a:p>
+                      <a:r>
+                        <a:rPr lang="en-US" dirty="0" smtClean="0"/>
+                        <a:t>Variable</a:t>
+                      </a:r>
+                      <a:endParaRPr lang="en-US" dirty="0"/>
+                    </a:p>
+                  </a:txBody>
+                  <a:tcPr/>
+                </a:tc>
+                <a:tc>
+                  <a:txBody>
+                    <a:bodyPr/>
+                    <a:lstStyle/>
+                    <a:p>
+                      <a:r>
+                        <a:rPr lang="en-US" dirty="0" smtClean="0"/>
+                        <a:t>Mean</a:t>
+                      </a:r>
+                      <a:endParaRPr lang="en-US" dirty="0"/>
+                    </a:p>
+                  </a:txBody>
+                  <a:tcPr/>
+                </a:tc>
+                <a:tc>
+                  <a:txBody>
+                    <a:bodyPr/>
+                    <a:lstStyle/>
+                    <a:p>
+                      <a:r>
+                        <a:rPr lang="en-US" dirty="0" err="1" smtClean="0"/>
+                        <a:t>Std</a:t>
+                      </a:r>
+                      <a:r>
+                        <a:rPr lang="en-US" dirty="0" smtClean="0"/>
+                        <a:t> Error</a:t>
+                      </a:r>
+                      <a:endParaRPr lang="en-US" dirty="0"/>
+                    </a:p>
+                  </a:txBody>
+                  <a:tcPr/>
+                </a:tc>
+                <a:tc>
+                  <a:txBody>
+                    <a:bodyPr/>
+                    <a:lstStyle/>
+                    <a:p>
+                      <a:r>
+                        <a:rPr lang="en-US" dirty="0" smtClean="0"/>
+                        <a:t>95% Confidence</a:t>
+                      </a:r>
+                      <a:endParaRPr lang="en-US" dirty="0"/>
+                    </a:p>
+                  </a:txBody>
+                  <a:tcPr/>
+                </a:tc>
+              </a:tr>
+              <a:tr h="370840">
+                <a:tc>
+                  <a:txBody>
+                    <a:bodyPr/>
+                    <a:lstStyle/>
+                    <a:p>
+                      <a:r>
+                        <a:rPr lang="en-US" dirty="0" smtClean="0"/>
+                        <a:t>Oxygen</a:t>
+                      </a:r>
+                    </a:p>
+                  </a:txBody>
+                  <a:tcPr/>
+                </a:tc>
+                <a:tc>
+                  <a:txBody>
+                    <a:bodyPr/>
+                    <a:lstStyle/>
+                    <a:p>
+                      <a:r>
+                        <a:rPr lang="en-US" dirty="0" smtClean="0"/>
+                        <a:t>47.30 </a:t>
+                      </a:r>
+                      <a:endParaRPr lang="en-US" dirty="0"/>
+                    </a:p>
+                  </a:txBody>
+                  <a:tcPr/>
+                </a:tc>
+                <a:tc>
+                  <a:txBody>
+                    <a:bodyPr/>
+                    <a:lstStyle/>
+                    <a:p>
+                      <a:r>
+                        <a:rPr lang="en-US" dirty="0" smtClean="0"/>
+                        <a:t>0.98</a:t>
+                      </a:r>
+                      <a:endParaRPr lang="en-US" dirty="0"/>
+                    </a:p>
+                  </a:txBody>
+                  <a:tcPr/>
+                </a:tc>
+                <a:tc>
+                  <a:txBody>
+                    <a:bodyPr/>
+                    <a:lstStyle/>
+                    <a:p>
+                      <a:r>
+                        <a:rPr lang="en-US" dirty="0" smtClean="0"/>
+                        <a:t>45.29 - 49.32</a:t>
+                      </a:r>
+                      <a:endParaRPr lang="en-US" dirty="0"/>
+                    </a:p>
+                  </a:txBody>
+                  <a:tcPr/>
+                </a:tc>
+              </a:tr>
+              <a:tr h="370840">
+                <a:tc>
+                  <a:txBody>
+                    <a:bodyPr/>
+                    <a:lstStyle/>
+                    <a:p>
+                      <a:r>
+                        <a:rPr lang="en-US" dirty="0" smtClean="0"/>
+                        <a:t>Run Time</a:t>
+                      </a:r>
+                      <a:endParaRPr lang="en-US" dirty="0"/>
+                    </a:p>
+                  </a:txBody>
+                  <a:tcPr/>
+                </a:tc>
+                <a:tc>
+                  <a:txBody>
+                    <a:bodyPr/>
+                    <a:lstStyle/>
+                    <a:p>
+                      <a:r>
+                        <a:rPr lang="en-US" dirty="0" smtClean="0"/>
+                        <a:t>10.54</a:t>
+                      </a:r>
+                      <a:endParaRPr lang="en-US" dirty="0"/>
+                    </a:p>
+                  </a:txBody>
+                  <a:tcPr/>
+                </a:tc>
+                <a:tc>
+                  <a:txBody>
+                    <a:bodyPr/>
+                    <a:lstStyle/>
+                    <a:p>
+                      <a:r>
+                        <a:rPr lang="en-US" dirty="0" smtClean="0"/>
+                        <a:t>0.26</a:t>
+                      </a:r>
+                      <a:endParaRPr lang="en-US" dirty="0"/>
+                    </a:p>
+                  </a:txBody>
+                  <a:tcPr/>
+                </a:tc>
+                <a:tc>
+                  <a:txBody>
+                    <a:bodyPr/>
+                    <a:lstStyle/>
+                    <a:p>
+                      <a:r>
+                        <a:rPr lang="en-US" dirty="0" smtClean="0"/>
+                        <a:t>9.99</a:t>
                       </a:r>
                       <a:r>
                         <a:rPr lang="en-US" baseline="0" dirty="0" smtClean="0"/>
-                        <a:t> Set</a:t>
-                      </a:r>
-                      <a:endParaRPr lang="en-US" dirty="0"/>
-                    </a:p>
-                  </a:txBody>
-                  <a:tcPr/>
-                </a:tc>
-                <a:tc>
-                  <a:txBody>
-                    <a:bodyPr/>
-                    <a:lstStyle/>
-                    <a:p>
-                      <a:r>
-                        <a:rPr lang="en-US" dirty="0" err="1" smtClean="0"/>
-                        <a:t>Work.Fitness</a:t>
+                        <a:t> – 11.09</a:t>
                       </a:r>
                       <a:endParaRPr lang="en-US" dirty="0"/>
                     </a:p>
@@ -5671,277 +6218,57 @@
                   <a:tcPr/>
                 </a:tc>
               </a:tr>
-              <a:tr h="524862">
-                <a:tc>
-                  <a:txBody>
-                    <a:bodyPr/>
-                    <a:lstStyle/>
-                    <a:p>
-                      <a:r>
-                        <a:rPr lang="en-US" dirty="0" smtClean="0"/>
-                        <a:t>Method</a:t>
-                      </a:r>
-                      <a:endParaRPr lang="en-US" dirty="0"/>
-                    </a:p>
-                  </a:txBody>
-                  <a:tcPr/>
-                </a:tc>
-                <a:tc>
-                  <a:txBody>
-                    <a:bodyPr/>
-                    <a:lstStyle/>
-                    <a:p>
-                      <a:r>
-                        <a:rPr lang="en-US" dirty="0" smtClean="0"/>
-                        <a:t>MCMC</a:t>
-                      </a:r>
-                      <a:endParaRPr lang="en-US" dirty="0"/>
-                    </a:p>
-                  </a:txBody>
-                  <a:tcPr/>
-                </a:tc>
-              </a:tr>
-              <a:tr h="524862">
-                <a:tc>
-                  <a:txBody>
-                    <a:bodyPr/>
-                    <a:lstStyle/>
-                    <a:p>
-                      <a:r>
-                        <a:rPr lang="en-US" dirty="0" smtClean="0"/>
-                        <a:t>Multiple Imputation</a:t>
-                      </a:r>
-                      <a:r>
-                        <a:rPr lang="en-US" baseline="0" dirty="0" smtClean="0"/>
-                        <a:t> Chain</a:t>
-                      </a:r>
-                      <a:endParaRPr lang="en-US" dirty="0"/>
-                    </a:p>
-                  </a:txBody>
-                  <a:tcPr/>
-                </a:tc>
-                <a:tc>
-                  <a:txBody>
-                    <a:bodyPr/>
-                    <a:lstStyle/>
-                    <a:p>
-                      <a:r>
-                        <a:rPr lang="en-US" dirty="0" smtClean="0"/>
-                        <a:t>Single Chain</a:t>
-                      </a:r>
-                      <a:endParaRPr lang="en-US" dirty="0"/>
-                    </a:p>
-                  </a:txBody>
-                  <a:tcPr/>
-                </a:tc>
-              </a:tr>
-              <a:tr h="524862">
-                <a:tc>
-                  <a:txBody>
-                    <a:bodyPr/>
-                    <a:lstStyle/>
-                    <a:p>
-                      <a:r>
-                        <a:rPr lang="en-US" dirty="0" smtClean="0"/>
-                        <a:t>Initial Estimates for MCMC</a:t>
-                      </a:r>
-                      <a:endParaRPr lang="en-US" dirty="0"/>
-                    </a:p>
-                  </a:txBody>
-                  <a:tcPr/>
-                </a:tc>
-                <a:tc>
-                  <a:txBody>
-                    <a:bodyPr/>
-                    <a:lstStyle/>
-                    <a:p>
-                      <a:r>
-                        <a:rPr lang="en-US" dirty="0" err="1" smtClean="0"/>
-                        <a:t>Em</a:t>
-                      </a:r>
-                      <a:r>
-                        <a:rPr lang="en-US" dirty="0" smtClean="0"/>
-                        <a:t> Posterior mode</a:t>
-                      </a:r>
-                      <a:endParaRPr lang="en-US" dirty="0"/>
-                    </a:p>
-                  </a:txBody>
-                  <a:tcPr/>
-                </a:tc>
-              </a:tr>
-              <a:tr h="524862">
-                <a:tc>
-                  <a:txBody>
-                    <a:bodyPr/>
-                    <a:lstStyle/>
-                    <a:p>
-                      <a:r>
-                        <a:rPr lang="en-US" dirty="0" smtClean="0"/>
-                        <a:t>Start</a:t>
-                      </a:r>
-                      <a:endParaRPr lang="en-US" dirty="0"/>
-                    </a:p>
-                  </a:txBody>
-                  <a:tcPr/>
-                </a:tc>
-                <a:tc>
-                  <a:txBody>
-                    <a:bodyPr/>
-                    <a:lstStyle/>
-                    <a:p>
-                      <a:r>
-                        <a:rPr lang="en-US" dirty="0" smtClean="0"/>
-                        <a:t>Starting Value</a:t>
-                      </a:r>
-                      <a:endParaRPr lang="en-US" dirty="0"/>
-                    </a:p>
-                  </a:txBody>
-                  <a:tcPr/>
-                </a:tc>
-              </a:tr>
-              <a:tr h="524862">
-                <a:tc>
-                  <a:txBody>
-                    <a:bodyPr/>
-                    <a:lstStyle/>
-                    <a:p>
-                      <a:r>
-                        <a:rPr lang="en-US" dirty="0" smtClean="0"/>
-                        <a:t>Prior</a:t>
-                      </a:r>
-                      <a:endParaRPr lang="en-US" dirty="0"/>
-                    </a:p>
-                  </a:txBody>
-                  <a:tcPr/>
-                </a:tc>
-                <a:tc>
-                  <a:txBody>
-                    <a:bodyPr/>
-                    <a:lstStyle/>
-                    <a:p>
-                      <a:r>
-                        <a:rPr lang="en-US" dirty="0" err="1" smtClean="0"/>
-                        <a:t>Jeffreys</a:t>
-                      </a:r>
-                      <a:endParaRPr lang="en-US" dirty="0"/>
-                    </a:p>
-                  </a:txBody>
-                  <a:tcPr/>
-                </a:tc>
-              </a:tr>
-              <a:tr h="524862">
-                <a:tc>
-                  <a:txBody>
-                    <a:bodyPr/>
-                    <a:lstStyle/>
-                    <a:p>
-                      <a:r>
-                        <a:rPr lang="en-US" dirty="0" smtClean="0"/>
-                        <a:t>Number of Imputations</a:t>
-                      </a:r>
-                      <a:endParaRPr lang="en-US" dirty="0"/>
-                    </a:p>
-                  </a:txBody>
-                  <a:tcPr/>
-                </a:tc>
-                <a:tc>
-                  <a:txBody>
-                    <a:bodyPr/>
-                    <a:lstStyle/>
-                    <a:p>
-                      <a:r>
-                        <a:rPr lang="en-US" dirty="0" smtClean="0"/>
-                        <a:t>5</a:t>
-                      </a:r>
-                      <a:endParaRPr lang="en-US" dirty="0"/>
-                    </a:p>
-                  </a:txBody>
-                  <a:tcPr/>
-                </a:tc>
-              </a:tr>
-              <a:tr h="524862">
-                <a:tc>
-                  <a:txBody>
-                    <a:bodyPr/>
-                    <a:lstStyle/>
-                    <a:p>
-                      <a:r>
-                        <a:rPr lang="en-US" dirty="0" smtClean="0"/>
-                        <a:t>Number of Burn in Iterations</a:t>
-                      </a:r>
-                      <a:endParaRPr lang="en-US" dirty="0"/>
-                    </a:p>
-                  </a:txBody>
-                  <a:tcPr/>
-                </a:tc>
-                <a:tc>
-                  <a:txBody>
-                    <a:bodyPr/>
-                    <a:lstStyle/>
-                    <a:p>
-                      <a:r>
-                        <a:rPr lang="en-US" dirty="0" smtClean="0"/>
-                        <a:t>200</a:t>
-                      </a:r>
-                      <a:endParaRPr lang="en-US" dirty="0"/>
-                    </a:p>
-                  </a:txBody>
-                  <a:tcPr/>
-                </a:tc>
-              </a:tr>
-              <a:tr h="524862">
-                <a:tc>
-                  <a:txBody>
-                    <a:bodyPr/>
-                    <a:lstStyle/>
-                    <a:p>
-                      <a:r>
-                        <a:rPr lang="en-US" dirty="0" smtClean="0"/>
-                        <a:t>Number of Iterations </a:t>
-                      </a:r>
-                      <a:endParaRPr lang="en-US" dirty="0"/>
-                    </a:p>
-                  </a:txBody>
-                  <a:tcPr/>
-                </a:tc>
-                <a:tc>
-                  <a:txBody>
-                    <a:bodyPr/>
-                    <a:lstStyle/>
-                    <a:p>
-                      <a:r>
-                        <a:rPr lang="en-US" dirty="0" smtClean="0"/>
-                        <a:t>100</a:t>
-                      </a:r>
-                      <a:endParaRPr lang="en-US" dirty="0"/>
-                    </a:p>
-                  </a:txBody>
-                  <a:tcPr/>
-                </a:tc>
-              </a:tr>
-              <a:tr h="524862">
-                <a:tc>
-                  <a:txBody>
-                    <a:bodyPr/>
-                    <a:lstStyle/>
-                    <a:p>
-                      <a:r>
-                        <a:rPr lang="en-US" dirty="0" smtClean="0"/>
-                        <a:t>Seed </a:t>
-                      </a:r>
-                      <a:endParaRPr lang="en-US" dirty="0"/>
-                    </a:p>
-                  </a:txBody>
-                  <a:tcPr/>
-                </a:tc>
-                <a:tc>
-                  <a:txBody>
-                    <a:bodyPr/>
-                    <a:lstStyle/>
-                    <a:p>
-                      <a:r>
-                        <a:rPr lang="en-US" dirty="0" smtClean="0"/>
-                        <a:t>37851</a:t>
+              <a:tr h="370840">
+                <a:tc>
+                  <a:txBody>
+                    <a:bodyPr/>
+                    <a:lstStyle/>
+                    <a:p>
+                      <a:r>
+                        <a:rPr lang="en-US" dirty="0" smtClean="0"/>
+                        <a:t>Run Pulse</a:t>
+                      </a:r>
+                      <a:endParaRPr lang="en-US" dirty="0"/>
+                    </a:p>
+                  </a:txBody>
+                  <a:tcPr/>
+                </a:tc>
+                <a:tc>
+                  <a:txBody>
+                    <a:bodyPr/>
+                    <a:lstStyle/>
+                    <a:p>
+                      <a:r>
+                        <a:rPr lang="en-US" dirty="0" smtClean="0"/>
+                        <a:t>170.67</a:t>
+                      </a:r>
+                      <a:endParaRPr lang="en-US" dirty="0"/>
+                    </a:p>
+                  </a:txBody>
+                  <a:tcPr/>
+                </a:tc>
+                <a:tc>
+                  <a:txBody>
+                    <a:bodyPr/>
+                    <a:lstStyle/>
+                    <a:p>
+                      <a:r>
+                        <a:rPr lang="en-US" dirty="0" smtClean="0"/>
+                        <a:t>2.96</a:t>
+                      </a:r>
+                      <a:endParaRPr lang="en-US" dirty="0"/>
+                    </a:p>
+                  </a:txBody>
+                  <a:tcPr/>
+                </a:tc>
+                <a:tc>
+                  <a:txBody>
+                    <a:bodyPr/>
+                    <a:lstStyle/>
+                    <a:p>
+                      <a:r>
+                        <a:rPr lang="en-US" dirty="0" smtClean="0"/>
+                        <a:t>163.88 – 177.45</a:t>
                       </a:r>
                       <a:endParaRPr lang="en-US" dirty="0"/>
                     </a:p>
@@ -5956,7 +6283,7 @@
     </p:spTree>
     <p:extLst>
       <p:ext uri="{BB962C8B-B14F-4D97-AF65-F5344CB8AC3E}">
-        <p14:creationId xmlns:p14="http://schemas.microsoft.com/office/powerpoint/2010/main" val="2891342077"/>
+        <p14:creationId xmlns:p14="http://schemas.microsoft.com/office/powerpoint/2010/main" val="2695176077"/>
       </p:ext>
     </p:extLst>
   </p:cSld>
@@ -6000,676 +6327,132 @@
           <a:p>
             <a:r>
               <a:rPr lang="en-US" dirty="0" smtClean="0"/>
-              <a:t>Missing Data Patterns</a:t>
+              <a:t>Regression by Imputation</a:t>
             </a:r>
             <a:endParaRPr lang="en-US" dirty="0"/>
           </a:p>
         </p:txBody>
       </p:sp>
-      <p:graphicFrame>
-        <p:nvGraphicFramePr>
-          <p:cNvPr id="4" name="Content Placeholder 3"/>
-          <p:cNvGraphicFramePr>
-            <a:graphicFrameLocks noGrp="1"/>
-          </p:cNvGraphicFramePr>
+      <p:sp>
+        <p:nvSpPr>
+          <p:cNvPr id="3" name="Content Placeholder 2"/>
+          <p:cNvSpPr>
+            <a:spLocks noGrp="1"/>
+          </p:cNvSpPr>
           <p:nvPr>
             <p:ph idx="1"/>
-            <p:extLst>
-              <p:ext uri="{D42A27DB-BD31-4B8C-83A1-F6EECF244321}">
-                <p14:modId xmlns:p14="http://schemas.microsoft.com/office/powerpoint/2010/main" val="748165602"/>
-              </p:ext>
-            </p:extLst>
-          </p:nvPr>
-        </p:nvGraphicFramePr>
-        <p:xfrm>
-          <a:off x="457200" y="1493838"/>
-          <a:ext cx="8229600" cy="2225040"/>
-        </p:xfrm>
-        <a:graphic>
-          <a:graphicData uri="http://schemas.openxmlformats.org/drawingml/2006/table">
-            <a:tbl>
-              <a:tblPr firstRow="1" bandRow="1">
-                <a:tableStyleId>{5C22544A-7EE6-4342-B048-85BDC9FD1C3A}</a:tableStyleId>
-              </a:tblPr>
-              <a:tblGrid>
-                <a:gridCol w="1371600"/>
-                <a:gridCol w="1371600"/>
-                <a:gridCol w="1371600"/>
-                <a:gridCol w="1371600"/>
-                <a:gridCol w="1371600"/>
-                <a:gridCol w="1371600"/>
-              </a:tblGrid>
-              <a:tr h="370840">
-                <a:tc>
-                  <a:txBody>
-                    <a:bodyPr/>
-                    <a:lstStyle/>
-                    <a:p>
-                      <a:r>
-                        <a:rPr lang="en-US" dirty="0" smtClean="0"/>
-                        <a:t>Group</a:t>
-                      </a:r>
-                      <a:endParaRPr lang="en-US" dirty="0"/>
-                    </a:p>
-                  </a:txBody>
-                  <a:tcPr/>
-                </a:tc>
-                <a:tc>
-                  <a:txBody>
-                    <a:bodyPr/>
-                    <a:lstStyle/>
-                    <a:p>
-                      <a:r>
-                        <a:rPr lang="en-US" dirty="0" smtClean="0"/>
-                        <a:t>Oxygen</a:t>
-                      </a:r>
-                      <a:endParaRPr lang="en-US" dirty="0"/>
-                    </a:p>
-                  </a:txBody>
-                  <a:tcPr/>
-                </a:tc>
-                <a:tc>
-                  <a:txBody>
-                    <a:bodyPr/>
-                    <a:lstStyle/>
-                    <a:p>
-                      <a:r>
-                        <a:rPr lang="en-US" dirty="0" err="1" smtClean="0"/>
-                        <a:t>RunTime</a:t>
-                      </a:r>
-                      <a:endParaRPr lang="en-US" dirty="0"/>
-                    </a:p>
-                  </a:txBody>
-                  <a:tcPr/>
-                </a:tc>
-                <a:tc>
-                  <a:txBody>
-                    <a:bodyPr/>
-                    <a:lstStyle/>
-                    <a:p>
-                      <a:r>
-                        <a:rPr lang="en-US" dirty="0" err="1" smtClean="0"/>
-                        <a:t>RunPulse</a:t>
-                      </a:r>
-                      <a:endParaRPr lang="en-US" dirty="0"/>
-                    </a:p>
-                  </a:txBody>
-                  <a:tcPr/>
-                </a:tc>
-                <a:tc>
-                  <a:txBody>
-                    <a:bodyPr/>
-                    <a:lstStyle/>
-                    <a:p>
-                      <a:r>
-                        <a:rPr lang="en-US" dirty="0" err="1" smtClean="0"/>
-                        <a:t>Freq</a:t>
-                      </a:r>
-                      <a:endParaRPr lang="en-US" dirty="0"/>
-                    </a:p>
-                  </a:txBody>
-                  <a:tcPr/>
-                </a:tc>
-                <a:tc>
-                  <a:txBody>
-                    <a:bodyPr/>
-                    <a:lstStyle/>
-                    <a:p>
-                      <a:r>
-                        <a:rPr lang="en-US" dirty="0" smtClean="0"/>
-                        <a:t>Percent</a:t>
-                      </a:r>
-                      <a:endParaRPr lang="en-US" dirty="0"/>
-                    </a:p>
-                  </a:txBody>
-                  <a:tcPr/>
-                </a:tc>
-              </a:tr>
-              <a:tr h="370840">
-                <a:tc>
-                  <a:txBody>
-                    <a:bodyPr/>
-                    <a:lstStyle/>
-                    <a:p>
-                      <a:r>
-                        <a:rPr lang="en-US" dirty="0" smtClean="0"/>
-                        <a:t>1</a:t>
-                      </a:r>
-                      <a:endParaRPr lang="en-US" dirty="0"/>
-                    </a:p>
-                  </a:txBody>
-                  <a:tcPr/>
-                </a:tc>
-                <a:tc>
-                  <a:txBody>
-                    <a:bodyPr/>
-                    <a:lstStyle/>
-                    <a:p>
-                      <a:r>
-                        <a:rPr lang="en-US" dirty="0" smtClean="0"/>
-                        <a:t>X</a:t>
-                      </a:r>
-                      <a:endParaRPr lang="en-US" dirty="0"/>
-                    </a:p>
-                  </a:txBody>
-                  <a:tcPr/>
-                </a:tc>
-                <a:tc>
-                  <a:txBody>
-                    <a:bodyPr/>
-                    <a:lstStyle/>
-                    <a:p>
-                      <a:r>
-                        <a:rPr lang="en-US" dirty="0" smtClean="0"/>
-                        <a:t>X</a:t>
-                      </a:r>
-                      <a:endParaRPr lang="en-US" dirty="0"/>
-                    </a:p>
-                  </a:txBody>
-                  <a:tcPr/>
-                </a:tc>
-                <a:tc>
-                  <a:txBody>
-                    <a:bodyPr/>
-                    <a:lstStyle/>
-                    <a:p>
-                      <a:r>
-                        <a:rPr lang="en-US" dirty="0" smtClean="0"/>
-                        <a:t>X</a:t>
-                      </a:r>
-                      <a:endParaRPr lang="en-US" dirty="0"/>
-                    </a:p>
-                  </a:txBody>
-                  <a:tcPr/>
-                </a:tc>
-                <a:tc>
-                  <a:txBody>
-                    <a:bodyPr/>
-                    <a:lstStyle/>
-                    <a:p>
-                      <a:r>
-                        <a:rPr lang="en-US" dirty="0" smtClean="0"/>
-                        <a:t>21</a:t>
-                      </a:r>
-                      <a:endParaRPr lang="en-US" dirty="0"/>
-                    </a:p>
-                  </a:txBody>
-                  <a:tcPr/>
-                </a:tc>
-                <a:tc>
-                  <a:txBody>
-                    <a:bodyPr/>
-                    <a:lstStyle/>
-                    <a:p>
-                      <a:r>
-                        <a:rPr lang="en-US" dirty="0" smtClean="0"/>
-                        <a:t>67.74</a:t>
-                      </a:r>
-                      <a:endParaRPr lang="en-US" dirty="0"/>
-                    </a:p>
-                  </a:txBody>
-                  <a:tcPr/>
-                </a:tc>
-              </a:tr>
-              <a:tr h="370840">
-                <a:tc>
-                  <a:txBody>
-                    <a:bodyPr/>
-                    <a:lstStyle/>
-                    <a:p>
-                      <a:r>
-                        <a:rPr lang="en-US" dirty="0" smtClean="0"/>
-                        <a:t>2</a:t>
-                      </a:r>
-                      <a:endParaRPr lang="en-US" dirty="0"/>
-                    </a:p>
-                  </a:txBody>
-                  <a:tcPr/>
-                </a:tc>
-                <a:tc>
-                  <a:txBody>
-                    <a:bodyPr/>
-                    <a:lstStyle/>
-                    <a:p>
-                      <a:r>
-                        <a:rPr lang="en-US" dirty="0" smtClean="0"/>
-                        <a:t>X</a:t>
-                      </a:r>
-                      <a:endParaRPr lang="en-US" dirty="0"/>
-                    </a:p>
-                  </a:txBody>
-                  <a:tcPr/>
-                </a:tc>
-                <a:tc>
-                  <a:txBody>
-                    <a:bodyPr/>
-                    <a:lstStyle/>
-                    <a:p>
-                      <a:r>
-                        <a:rPr lang="en-US" dirty="0" smtClean="0"/>
-                        <a:t>X</a:t>
-                      </a:r>
-                      <a:endParaRPr lang="en-US" dirty="0"/>
-                    </a:p>
-                  </a:txBody>
-                  <a:tcPr/>
-                </a:tc>
-                <a:tc>
-                  <a:txBody>
-                    <a:bodyPr/>
-                    <a:lstStyle/>
-                    <a:p>
-                      <a:r>
-                        <a:rPr lang="en-US" dirty="0" smtClean="0"/>
-                        <a:t>.</a:t>
-                      </a:r>
-                      <a:endParaRPr lang="en-US" dirty="0"/>
-                    </a:p>
-                  </a:txBody>
-                  <a:tcPr/>
-                </a:tc>
-                <a:tc>
-                  <a:txBody>
-                    <a:bodyPr/>
-                    <a:lstStyle/>
-                    <a:p>
-                      <a:r>
-                        <a:rPr lang="en-US" dirty="0" smtClean="0"/>
-                        <a:t>4</a:t>
-                      </a:r>
-                      <a:endParaRPr lang="en-US" dirty="0"/>
-                    </a:p>
-                  </a:txBody>
-                  <a:tcPr/>
-                </a:tc>
-                <a:tc>
-                  <a:txBody>
-                    <a:bodyPr/>
-                    <a:lstStyle/>
-                    <a:p>
-                      <a:r>
-                        <a:rPr lang="en-US" dirty="0" smtClean="0"/>
-                        <a:t>12.90</a:t>
-                      </a:r>
-                      <a:endParaRPr lang="en-US" dirty="0"/>
-                    </a:p>
-                  </a:txBody>
-                  <a:tcPr/>
-                </a:tc>
-              </a:tr>
-              <a:tr h="370840">
-                <a:tc>
-                  <a:txBody>
-                    <a:bodyPr/>
-                    <a:lstStyle/>
-                    <a:p>
-                      <a:r>
-                        <a:rPr lang="en-US" dirty="0" smtClean="0"/>
-                        <a:t>3</a:t>
-                      </a:r>
-                      <a:endParaRPr lang="en-US" dirty="0"/>
-                    </a:p>
-                  </a:txBody>
-                  <a:tcPr/>
-                </a:tc>
-                <a:tc>
-                  <a:txBody>
-                    <a:bodyPr/>
-                    <a:lstStyle/>
-                    <a:p>
-                      <a:r>
-                        <a:rPr lang="en-US" dirty="0" smtClean="0"/>
-                        <a:t>X</a:t>
-                      </a:r>
-                      <a:endParaRPr lang="en-US" dirty="0"/>
-                    </a:p>
-                  </a:txBody>
-                  <a:tcPr/>
-                </a:tc>
-                <a:tc>
-                  <a:txBody>
-                    <a:bodyPr/>
-                    <a:lstStyle/>
-                    <a:p>
-                      <a:r>
-                        <a:rPr lang="en-US" dirty="0" smtClean="0"/>
-                        <a:t>.</a:t>
-                      </a:r>
-                      <a:endParaRPr lang="en-US" dirty="0"/>
-                    </a:p>
-                  </a:txBody>
-                  <a:tcPr/>
-                </a:tc>
-                <a:tc>
-                  <a:txBody>
-                    <a:bodyPr/>
-                    <a:lstStyle/>
-                    <a:p>
-                      <a:r>
-                        <a:rPr lang="en-US" dirty="0" smtClean="0"/>
-                        <a:t>.</a:t>
-                      </a:r>
-                      <a:endParaRPr lang="en-US" dirty="0"/>
-                    </a:p>
-                  </a:txBody>
-                  <a:tcPr/>
-                </a:tc>
-                <a:tc>
-                  <a:txBody>
-                    <a:bodyPr/>
-                    <a:lstStyle/>
-                    <a:p>
-                      <a:r>
-                        <a:rPr lang="en-US" dirty="0" smtClean="0"/>
-                        <a:t>3</a:t>
-                      </a:r>
-                      <a:endParaRPr lang="en-US" dirty="0"/>
-                    </a:p>
-                  </a:txBody>
-                  <a:tcPr/>
-                </a:tc>
-                <a:tc>
-                  <a:txBody>
-                    <a:bodyPr/>
-                    <a:lstStyle/>
-                    <a:p>
-                      <a:r>
-                        <a:rPr lang="en-US" dirty="0" smtClean="0"/>
-                        <a:t>9.68</a:t>
-                      </a:r>
-                      <a:endParaRPr lang="en-US" dirty="0"/>
-                    </a:p>
-                  </a:txBody>
-                  <a:tcPr/>
-                </a:tc>
-              </a:tr>
-              <a:tr h="370840">
-                <a:tc>
-                  <a:txBody>
-                    <a:bodyPr/>
-                    <a:lstStyle/>
-                    <a:p>
-                      <a:r>
-                        <a:rPr lang="en-US" dirty="0" smtClean="0"/>
-                        <a:t>4</a:t>
-                      </a:r>
-                      <a:endParaRPr lang="en-US" dirty="0"/>
-                    </a:p>
-                  </a:txBody>
-                  <a:tcPr/>
-                </a:tc>
-                <a:tc>
-                  <a:txBody>
-                    <a:bodyPr/>
-                    <a:lstStyle/>
-                    <a:p>
-                      <a:r>
-                        <a:rPr lang="en-US" dirty="0" smtClean="0"/>
-                        <a:t>.</a:t>
-                      </a:r>
-                      <a:endParaRPr lang="en-US" dirty="0"/>
-                    </a:p>
-                  </a:txBody>
-                  <a:tcPr/>
-                </a:tc>
-                <a:tc>
-                  <a:txBody>
-                    <a:bodyPr/>
-                    <a:lstStyle/>
-                    <a:p>
-                      <a:r>
-                        <a:rPr lang="en-US" dirty="0" smtClean="0"/>
-                        <a:t>X</a:t>
-                      </a:r>
-                      <a:endParaRPr lang="en-US" dirty="0"/>
-                    </a:p>
-                  </a:txBody>
-                  <a:tcPr/>
-                </a:tc>
-                <a:tc>
-                  <a:txBody>
-                    <a:bodyPr/>
-                    <a:lstStyle/>
-                    <a:p>
-                      <a:r>
-                        <a:rPr lang="en-US" dirty="0" smtClean="0"/>
-                        <a:t>X</a:t>
-                      </a:r>
-                      <a:endParaRPr lang="en-US" dirty="0"/>
-                    </a:p>
-                  </a:txBody>
-                  <a:tcPr/>
-                </a:tc>
-                <a:tc>
-                  <a:txBody>
-                    <a:bodyPr/>
-                    <a:lstStyle/>
-                    <a:p>
-                      <a:r>
-                        <a:rPr lang="en-US" dirty="0" smtClean="0"/>
-                        <a:t>2</a:t>
-                      </a:r>
-                      <a:endParaRPr lang="en-US" dirty="0"/>
-                    </a:p>
-                  </a:txBody>
-                  <a:tcPr/>
-                </a:tc>
-                <a:tc>
-                  <a:txBody>
-                    <a:bodyPr/>
-                    <a:lstStyle/>
-                    <a:p>
-                      <a:r>
-                        <a:rPr lang="en-US" dirty="0" smtClean="0"/>
-                        <a:t>6.45</a:t>
-                      </a:r>
-                      <a:endParaRPr lang="en-US" dirty="0"/>
-                    </a:p>
-                  </a:txBody>
-                  <a:tcPr/>
-                </a:tc>
-              </a:tr>
-              <a:tr h="370840">
-                <a:tc>
-                  <a:txBody>
-                    <a:bodyPr/>
-                    <a:lstStyle/>
-                    <a:p>
-                      <a:r>
-                        <a:rPr lang="en-US" dirty="0" smtClean="0"/>
-                        <a:t>5</a:t>
-                      </a:r>
-                      <a:endParaRPr lang="en-US" dirty="0"/>
-                    </a:p>
-                  </a:txBody>
-                  <a:tcPr/>
-                </a:tc>
-                <a:tc>
-                  <a:txBody>
-                    <a:bodyPr/>
-                    <a:lstStyle/>
-                    <a:p>
-                      <a:r>
-                        <a:rPr lang="en-US" dirty="0" smtClean="0"/>
-                        <a:t>.</a:t>
-                      </a:r>
-                      <a:endParaRPr lang="en-US" dirty="0"/>
-                    </a:p>
-                  </a:txBody>
-                  <a:tcPr/>
-                </a:tc>
-                <a:tc>
-                  <a:txBody>
-                    <a:bodyPr/>
-                    <a:lstStyle/>
-                    <a:p>
-                      <a:r>
-                        <a:rPr lang="en-US" dirty="0" smtClean="0"/>
-                        <a:t>X</a:t>
-                      </a:r>
-                      <a:endParaRPr lang="en-US" dirty="0"/>
-                    </a:p>
-                  </a:txBody>
-                  <a:tcPr/>
-                </a:tc>
-                <a:tc>
-                  <a:txBody>
-                    <a:bodyPr/>
-                    <a:lstStyle/>
-                    <a:p>
-                      <a:r>
-                        <a:rPr lang="en-US" dirty="0" smtClean="0"/>
-                        <a:t>.</a:t>
-                      </a:r>
-                      <a:endParaRPr lang="en-US" dirty="0"/>
-                    </a:p>
-                  </a:txBody>
-                  <a:tcPr/>
-                </a:tc>
-                <a:tc>
-                  <a:txBody>
-                    <a:bodyPr/>
-                    <a:lstStyle/>
-                    <a:p>
-                      <a:r>
-                        <a:rPr lang="en-US" dirty="0" smtClean="0"/>
-                        <a:t>1</a:t>
-                      </a:r>
-                      <a:endParaRPr lang="en-US" dirty="0"/>
-                    </a:p>
-                  </a:txBody>
-                  <a:tcPr/>
-                </a:tc>
-                <a:tc>
-                  <a:txBody>
-                    <a:bodyPr/>
-                    <a:lstStyle/>
-                    <a:p>
-                      <a:r>
-                        <a:rPr lang="en-US" dirty="0" smtClean="0"/>
-                        <a:t>3.23</a:t>
-                      </a:r>
-                      <a:endParaRPr lang="en-US" dirty="0"/>
-                    </a:p>
-                  </a:txBody>
-                  <a:tcPr/>
-                </a:tc>
-              </a:tr>
-            </a:tbl>
-          </a:graphicData>
-        </a:graphic>
-      </p:graphicFrame>
-      <p:sp>
-        <p:nvSpPr>
-          <p:cNvPr id="5" name="TextBox 4"/>
-          <p:cNvSpPr txBox="1"/>
-          <p:nvPr/>
-        </p:nvSpPr>
-        <p:spPr>
-          <a:xfrm>
-            <a:off x="457200" y="3929533"/>
-            <a:ext cx="8229600" cy="2862323"/>
-          </a:xfrm>
-          <a:prstGeom prst="rect">
-            <a:avLst/>
-          </a:prstGeom>
-          <a:noFill/>
-        </p:spPr>
-        <p:txBody>
-          <a:bodyPr wrap="square" rtlCol="0">
-            <a:spAutoFit/>
-          </a:bodyPr>
+          </p:nvPr>
+        </p:nvSpPr>
+        <p:spPr/>
+        <p:txBody>
+          <a:bodyPr/>
           <a:lstStyle/>
           <a:p>
-            <a:pPr marL="285750" indent="-285750">
-              <a:buFont typeface="Arial"/>
-              <a:buChar char="•"/>
-            </a:pPr>
-            <a:r>
-              <a:rPr lang="en-US" dirty="0" smtClean="0"/>
-              <a:t>Note the Missing Data Pattern</a:t>
-            </a:r>
+            <a:endParaRPr lang="en-US" dirty="0"/>
           </a:p>
           <a:p>
             <a:r>
               <a:rPr lang="en-US" dirty="0"/>
-              <a:t>	</a:t>
-            </a:r>
-            <a:r>
-              <a:rPr lang="en-US" dirty="0" smtClean="0"/>
-              <a:t>Monotonic Formation</a:t>
-            </a:r>
-          </a:p>
-          <a:p>
-            <a:pPr marL="285750" indent="-285750">
-              <a:buFont typeface="Arial"/>
-              <a:buChar char="•"/>
-            </a:pPr>
-            <a:endParaRPr lang="en-US" dirty="0" smtClean="0"/>
-          </a:p>
-          <a:p>
-            <a:pPr marL="285750" indent="-285750">
-              <a:buFont typeface="Arial"/>
-              <a:buChar char="•"/>
-            </a:pPr>
-            <a:r>
-              <a:rPr lang="en-US" dirty="0" smtClean="0"/>
-              <a:t>Missing Completely At Random</a:t>
-            </a:r>
-          </a:p>
-          <a:p>
+              <a:t>title 'Regression After Imputing Data';</a:t>
+            </a:r>
+          </a:p>
+          <a:p>
+            <a:r>
+              <a:rPr lang="en-US" b="1" dirty="0" err="1"/>
+              <a:t>proc</a:t>
+            </a:r>
             <a:r>
               <a:rPr lang="en-US" dirty="0"/>
-              <a:t>	</a:t>
-            </a:r>
-          </a:p>
-          <a:p>
-            <a:pPr marL="285750" indent="-285750">
-              <a:buFont typeface="Arial"/>
-              <a:buChar char="•"/>
-            </a:pPr>
-            <a:r>
-              <a:rPr lang="en-US" dirty="0" smtClean="0"/>
-              <a:t>Missing At Random</a:t>
-            </a:r>
-          </a:p>
-          <a:p>
-            <a:pPr marL="742950" lvl="1" indent="-285750">
-              <a:buFont typeface="Arial"/>
-              <a:buChar char="•"/>
-            </a:pPr>
-            <a:r>
-              <a:rPr lang="en-US" dirty="0" smtClean="0"/>
-              <a:t>Missing Data are dependent on observed covariates, but independent of unobserved covariates</a:t>
-            </a:r>
-          </a:p>
-          <a:p>
-            <a:pPr marL="742950" lvl="1" indent="-285750">
-              <a:buFont typeface="Arial"/>
-              <a:buChar char="•"/>
-            </a:pPr>
-            <a:r>
-              <a:rPr lang="en-US" dirty="0" smtClean="0"/>
-              <a:t>Missing data can be estimated by a statistical model</a:t>
+              <a:t> </a:t>
+            </a:r>
+            <a:r>
+              <a:rPr lang="en-US" b="1" dirty="0" err="1"/>
+              <a:t>reg</a:t>
             </a:r>
             <a:r>
               <a:rPr lang="en-US" dirty="0"/>
-              <a:t>	</a:t>
-            </a:r>
-            <a:endParaRPr lang="en-US" dirty="0" smtClean="0"/>
-          </a:p>
-          <a:p>
+              <a:t> data=</a:t>
+            </a:r>
+            <a:r>
+              <a:rPr lang="en-US" dirty="0" err="1"/>
+              <a:t>miout</a:t>
+            </a:r>
             <a:r>
               <a:rPr lang="en-US" dirty="0"/>
-              <a:t>	</a:t>
-            </a:r>
+              <a:t> </a:t>
+            </a:r>
+            <a:r>
+              <a:rPr lang="en-US" dirty="0" err="1"/>
+              <a:t>outest</a:t>
+            </a:r>
+            <a:r>
+              <a:rPr lang="en-US" dirty="0"/>
+              <a:t>=</a:t>
+            </a:r>
+            <a:r>
+              <a:rPr lang="en-US" dirty="0" err="1"/>
+              <a:t>outreg</a:t>
+            </a:r>
+            <a:r>
+              <a:rPr lang="en-US" dirty="0"/>
+              <a:t> </a:t>
+            </a:r>
+            <a:r>
+              <a:rPr lang="en-US" dirty="0" err="1"/>
+              <a:t>covout</a:t>
+            </a:r>
+            <a:r>
+              <a:rPr lang="en-US" dirty="0"/>
+              <a:t>;</a:t>
+            </a:r>
+          </a:p>
+          <a:p>
+            <a:r>
+              <a:rPr lang="en-US" dirty="0"/>
+              <a:t>model Oxygen= </a:t>
+            </a:r>
+            <a:r>
+              <a:rPr lang="en-US" dirty="0" err="1"/>
+              <a:t>RunTime</a:t>
+            </a:r>
+            <a:r>
+              <a:rPr lang="en-US" dirty="0"/>
+              <a:t> </a:t>
+            </a:r>
+            <a:r>
+              <a:rPr lang="en-US" dirty="0" err="1"/>
+              <a:t>RunPulse</a:t>
+            </a:r>
+            <a:r>
+              <a:rPr lang="en-US" dirty="0"/>
+              <a:t>;</a:t>
+            </a:r>
+          </a:p>
+          <a:p>
+            <a:r>
+              <a:rPr lang="en-US" dirty="0"/>
+              <a:t>by _Imputation_;</a:t>
+            </a:r>
+          </a:p>
+          <a:p>
+            <a:r>
+              <a:rPr lang="en-US" b="1" dirty="0"/>
+              <a:t>run</a:t>
+            </a:r>
+            <a:r>
+              <a:rPr lang="en-US" dirty="0"/>
+              <a:t>;</a:t>
+            </a:r>
+          </a:p>
+          <a:p>
+            <a:endParaRPr lang="en-US" dirty="0"/>
           </a:p>
         </p:txBody>
       </p:sp>
     </p:spTree>
     <p:extLst>
       <p:ext uri="{BB962C8B-B14F-4D97-AF65-F5344CB8AC3E}">
-        <p14:creationId xmlns:p14="http://schemas.microsoft.com/office/powerpoint/2010/main" val="2831990977"/>
+        <p14:creationId xmlns:p14="http://schemas.microsoft.com/office/powerpoint/2010/main" val="3785263788"/>
       </p:ext>
     </p:extLst>
   </p:cSld>
@@ -6713,7 +6496,7 @@
           <a:p>
             <a:r>
               <a:rPr lang="en-US" dirty="0" smtClean="0"/>
-              <a:t>MI Parameter Estimates</a:t>
+              <a:t>Regression Parameter Estimates</a:t>
             </a:r>
             <a:endParaRPr lang="en-US" dirty="0"/>
           </a:p>
@@ -6729,14 +6512,14 @@
             <p:ph idx="1"/>
             <p:extLst>
               <p:ext uri="{D42A27DB-BD31-4B8C-83A1-F6EECF244321}">
-                <p14:modId xmlns:p14="http://schemas.microsoft.com/office/powerpoint/2010/main" val="1736614225"/>
+                <p14:modId xmlns:p14="http://schemas.microsoft.com/office/powerpoint/2010/main" val="3383188731"/>
               </p:ext>
             </p:extLst>
           </p:nvPr>
         </p:nvGraphicFramePr>
         <p:xfrm>
           <a:off x="457200" y="1600200"/>
-          <a:ext cx="6635115" cy="1483360"/>
+          <a:ext cx="6583680" cy="2225040"/>
         </p:xfrm>
         <a:graphic>
           <a:graphicData uri="http://schemas.openxmlformats.org/drawingml/2006/table">
@@ -6748,7 +6531,7 @@
                 <a:gridCol w="1645920"/>
                 <a:gridCol w="1645920"/>
                 <a:gridCol w="1645920"/>
-                <a:gridCol w="1697355"/>
+                <a:gridCol w="1645920"/>
               </a:tblGrid>
               <a:tr h="370840">
                 <a:tc>
@@ -6758,53 +6541,49 @@
                     <a:p>
                       <a:r>
                         <a:rPr lang="en-US" dirty="0" smtClean="0"/>
-                        <a:t>Variable</a:t>
-                      </a:r>
-                      <a:endParaRPr lang="en-US" dirty="0"/>
-                    </a:p>
-                  </a:txBody>
-                  <a:tcPr/>
-                </a:tc>
-                <a:tc>
-                  <a:txBody>
-                    <a:bodyPr/>
-                    <a:lstStyle/>
-                    <a:p>
-                      <a:r>
-                        <a:rPr lang="en-US" dirty="0" smtClean="0"/>
-                        <a:t>Mean</a:t>
-                      </a:r>
-                      <a:endParaRPr lang="en-US" dirty="0"/>
-                    </a:p>
-                  </a:txBody>
-                  <a:tcPr/>
-                </a:tc>
-                <a:tc>
-                  <a:txBody>
-                    <a:bodyPr/>
-                    <a:lstStyle/>
-                    <a:p>
-                      <a:r>
-                        <a:rPr lang="en-US" dirty="0" err="1" smtClean="0"/>
-                        <a:t>Std</a:t>
-                      </a:r>
-                      <a:r>
-                        <a:rPr lang="en-US" dirty="0" smtClean="0"/>
-                        <a:t> Error</a:t>
-                      </a:r>
-                      <a:endParaRPr lang="en-US" dirty="0"/>
-                    </a:p>
-                  </a:txBody>
-                  <a:tcPr/>
-                </a:tc>
-                <a:tc>
-                  <a:txBody>
-                    <a:bodyPr/>
-                    <a:lstStyle/>
-                    <a:p>
-                      <a:r>
-                        <a:rPr lang="en-US" dirty="0" smtClean="0"/>
-                        <a:t>95% Confidence</a:t>
+                        <a:t>Imputation </a:t>
+                      </a:r>
+                      <a:endParaRPr lang="en-US" dirty="0"/>
+                    </a:p>
+                  </a:txBody>
+                  <a:tcPr/>
+                </a:tc>
+                <a:tc>
+                  <a:txBody>
+                    <a:bodyPr/>
+                    <a:lstStyle/>
+                    <a:p>
+                      <a:r>
+                        <a:rPr lang="en-US" dirty="0" smtClean="0"/>
+                        <a:t>Intercept</a:t>
+                      </a:r>
+                      <a:endParaRPr lang="en-US" dirty="0"/>
+                    </a:p>
+                  </a:txBody>
+                  <a:tcPr/>
+                </a:tc>
+                <a:tc>
+                  <a:txBody>
+                    <a:bodyPr/>
+                    <a:lstStyle/>
+                    <a:p>
+                      <a:r>
+                        <a:rPr lang="en-US" dirty="0" smtClean="0"/>
+                        <a:t>Run Time</a:t>
+                      </a:r>
+                      <a:endParaRPr lang="en-US" dirty="0"/>
+                    </a:p>
+                  </a:txBody>
+                  <a:tcPr/>
+                </a:tc>
+                <a:tc>
+                  <a:txBody>
+                    <a:bodyPr/>
+                    <a:lstStyle/>
+                    <a:p>
+                      <a:r>
+                        <a:rPr lang="en-US" dirty="0" smtClean="0"/>
+                        <a:t>Run Pulse</a:t>
                       </a:r>
                       <a:endParaRPr lang="en-US" dirty="0"/>
                     </a:p>
@@ -6820,48 +6599,49 @@
                     <a:p>
                       <a:r>
                         <a:rPr lang="en-US" dirty="0" smtClean="0"/>
-                        <a:t>Oxygen</a:t>
-                      </a:r>
-                    </a:p>
-                  </a:txBody>
-                  <a:tcPr/>
-                </a:tc>
-                <a:tc>
-                  <a:txBody>
-                    <a:bodyPr/>
-                    <a:lstStyle/>
-                    <a:p>
-                      <a:r>
-                        <a:rPr lang="en-US" dirty="0" smtClean="0"/>
-                        <a:t>47.30 </a:t>
-                      </a:r>
-                      <a:endParaRPr lang="en-US" dirty="0"/>
-                    </a:p>
-                  </a:txBody>
-                  <a:tcPr/>
-                </a:tc>
-                <a:tc>
-                  <a:txBody>
-                    <a:bodyPr/>
-                    <a:lstStyle/>
-                    <a:p>
-                      <a:r>
-                        <a:rPr lang="en-US" dirty="0" smtClean="0"/>
-                        <a:t>0.98</a:t>
-                      </a:r>
-                      <a:endParaRPr lang="en-US" dirty="0"/>
-                    </a:p>
-                  </a:txBody>
-                  <a:tcPr/>
-                </a:tc>
-                <a:tc>
-                  <a:txBody>
-                    <a:bodyPr/>
-                    <a:lstStyle/>
-                    <a:p>
-                      <a:r>
-                        <a:rPr lang="en-US" dirty="0" smtClean="0"/>
-                        <a:t>45.29 - 49.32</a:t>
+                        <a:t>1</a:t>
+                      </a:r>
+                      <a:endParaRPr lang="en-US" dirty="0"/>
+                    </a:p>
+                  </a:txBody>
+                  <a:tcPr/>
+                </a:tc>
+                <a:tc>
+                  <a:txBody>
+                    <a:bodyPr/>
+                    <a:lstStyle/>
+                    <a:p>
+                      <a:r>
+                        <a:rPr lang="en-US" dirty="0" smtClean="0"/>
+                        <a:t>98.97 (6.76)</a:t>
+                      </a:r>
+                      <a:endParaRPr lang="en-US" dirty="0"/>
+                    </a:p>
+                  </a:txBody>
+                  <a:tcPr/>
+                </a:tc>
+                <a:tc>
+                  <a:txBody>
+                    <a:bodyPr/>
+                    <a:lstStyle/>
+                    <a:p>
+                      <a:r>
+                        <a:rPr lang="en-US" dirty="0" smtClean="0"/>
+                        <a:t>-2.98 (0.35)</a:t>
+                      </a:r>
+                      <a:endParaRPr lang="en-US" dirty="0"/>
+                    </a:p>
+                  </a:txBody>
+                  <a:tcPr/>
+                </a:tc>
+                <a:tc>
+                  <a:txBody>
+                    <a:bodyPr/>
+                    <a:lstStyle/>
+                    <a:p>
+                      <a:r>
+                        <a:rPr lang="en-US" dirty="0" smtClean="0"/>
+                        <a:t>-0.11 (0.03)</a:t>
                       </a:r>
                       <a:endParaRPr lang="en-US" dirty="0"/>
                     </a:p>
@@ -6877,53 +6657,53 @@
                     <a:p>
                       <a:r>
                         <a:rPr lang="en-US" dirty="0" smtClean="0"/>
-                        <a:t>Run Time</a:t>
-                      </a:r>
-                      <a:endParaRPr lang="en-US" dirty="0"/>
-                    </a:p>
-                  </a:txBody>
-                  <a:tcPr/>
-                </a:tc>
-                <a:tc>
-                  <a:txBody>
-                    <a:bodyPr/>
-                    <a:lstStyle/>
-                    <a:p>
-                      <a:r>
-                        <a:rPr lang="en-US" dirty="0" smtClean="0"/>
-                        <a:t>10.54</a:t>
-                      </a:r>
-                      <a:endParaRPr lang="en-US" dirty="0"/>
-                    </a:p>
-                  </a:txBody>
-                  <a:tcPr/>
-                </a:tc>
-                <a:tc>
-                  <a:txBody>
-                    <a:bodyPr/>
-                    <a:lstStyle/>
-                    <a:p>
-                      <a:r>
-                        <a:rPr lang="en-US" dirty="0" smtClean="0"/>
-                        <a:t>0.26</a:t>
-                      </a:r>
-                      <a:endParaRPr lang="en-US" dirty="0"/>
-                    </a:p>
-                  </a:txBody>
-                  <a:tcPr/>
-                </a:tc>
-                <a:tc>
-                  <a:txBody>
-                    <a:bodyPr/>
-                    <a:lstStyle/>
-                    <a:p>
-                      <a:r>
-                        <a:rPr lang="en-US" dirty="0" smtClean="0"/>
-                        <a:t>9.99</a:t>
+                        <a:t>2</a:t>
+                      </a:r>
+                      <a:endParaRPr lang="en-US" dirty="0"/>
+                    </a:p>
+                  </a:txBody>
+                  <a:tcPr/>
+                </a:tc>
+                <a:tc>
+                  <a:txBody>
+                    <a:bodyPr/>
+                    <a:lstStyle/>
+                    <a:p>
+                      <a:r>
+                        <a:rPr lang="en-US" dirty="0" smtClean="0"/>
+                        <a:t>90.04</a:t>
                       </a:r>
                       <a:r>
                         <a:rPr lang="en-US" baseline="0" dirty="0" smtClean="0"/>
-                        <a:t> – 11.09</a:t>
+                        <a:t> (7.41)</a:t>
+                      </a:r>
+                      <a:endParaRPr lang="en-US" dirty="0"/>
+                    </a:p>
+                  </a:txBody>
+                  <a:tcPr/>
+                </a:tc>
+                <a:tc>
+                  <a:txBody>
+                    <a:bodyPr/>
+                    <a:lstStyle/>
+                    <a:p>
+                      <a:r>
+                        <a:rPr lang="en-US" dirty="0" smtClean="0"/>
+                        <a:t>-2.95 (0.32)</a:t>
+                      </a:r>
+                      <a:endParaRPr lang="en-US" dirty="0"/>
+                    </a:p>
+                  </a:txBody>
+                  <a:tcPr/>
+                </a:tc>
+                <a:tc>
+                  <a:txBody>
+                    <a:bodyPr/>
+                    <a:lstStyle/>
+                    <a:p>
+                      <a:r>
+                        <a:rPr lang="en-US" dirty="0" smtClean="0"/>
+                        <a:t>-0.06 (0.04)</a:t>
                       </a:r>
                       <a:endParaRPr lang="en-US" dirty="0"/>
                     </a:p>
@@ -6939,49 +6719,167 @@
                     <a:p>
                       <a:r>
                         <a:rPr lang="en-US" dirty="0" smtClean="0"/>
-                        <a:t>Run Pulse</a:t>
-                      </a:r>
-                      <a:endParaRPr lang="en-US" dirty="0"/>
-                    </a:p>
-                  </a:txBody>
-                  <a:tcPr/>
-                </a:tc>
-                <a:tc>
-                  <a:txBody>
-                    <a:bodyPr/>
-                    <a:lstStyle/>
-                    <a:p>
-                      <a:r>
-                        <a:rPr lang="en-US" dirty="0" smtClean="0"/>
-                        <a:t>170.67</a:t>
-                      </a:r>
-                      <a:endParaRPr lang="en-US" dirty="0"/>
-                    </a:p>
-                  </a:txBody>
-                  <a:tcPr/>
-                </a:tc>
-                <a:tc>
-                  <a:txBody>
-                    <a:bodyPr/>
-                    <a:lstStyle/>
-                    <a:p>
-                      <a:r>
-                        <a:rPr lang="en-US" dirty="0" smtClean="0"/>
-                        <a:t>2.96</a:t>
-                      </a:r>
-                      <a:endParaRPr lang="en-US" dirty="0"/>
-                    </a:p>
-                  </a:txBody>
-                  <a:tcPr/>
-                </a:tc>
-                <a:tc>
-                  <a:txBody>
-                    <a:bodyPr/>
-                    <a:lstStyle/>
-                    <a:p>
-                      <a:r>
-                        <a:rPr lang="en-US" dirty="0" smtClean="0"/>
-                        <a:t>163.88 – 177.45</a:t>
+                        <a:t>3</a:t>
+                      </a:r>
+                      <a:endParaRPr lang="en-US" dirty="0"/>
+                    </a:p>
+                  </a:txBody>
+                  <a:tcPr/>
+                </a:tc>
+                <a:tc>
+                  <a:txBody>
+                    <a:bodyPr/>
+                    <a:lstStyle/>
+                    <a:p>
+                      <a:r>
+                        <a:rPr lang="en-US" dirty="0" smtClean="0"/>
+                        <a:t>94.86 (7.28)</a:t>
+                      </a:r>
+                      <a:endParaRPr lang="en-US" dirty="0"/>
+                    </a:p>
+                  </a:txBody>
+                  <a:tcPr/>
+                </a:tc>
+                <a:tc>
+                  <a:txBody>
+                    <a:bodyPr/>
+                    <a:lstStyle/>
+                    <a:p>
+                      <a:r>
+                        <a:rPr lang="en-US" dirty="0" smtClean="0"/>
+                        <a:t>-3.16 (0.34)</a:t>
+                      </a:r>
+                      <a:endParaRPr lang="en-US" dirty="0"/>
+                    </a:p>
+                  </a:txBody>
+                  <a:tcPr/>
+                </a:tc>
+                <a:tc>
+                  <a:txBody>
+                    <a:bodyPr/>
+                    <a:lstStyle/>
+                    <a:p>
+                      <a:r>
+                        <a:rPr lang="en-US" dirty="0" smtClean="0"/>
+                        <a:t>-0.08 (0.04)</a:t>
+                      </a:r>
+                      <a:endParaRPr lang="en-US" dirty="0"/>
+                    </a:p>
+                  </a:txBody>
+                  <a:tcPr/>
+                </a:tc>
+              </a:tr>
+              <a:tr h="370840">
+                <a:tc>
+                  <a:txBody>
+                    <a:bodyPr/>
+                    <a:lstStyle/>
+                    <a:p>
+                      <a:r>
+                        <a:rPr lang="en-US" dirty="0" smtClean="0"/>
+                        <a:t>4</a:t>
+                      </a:r>
+                    </a:p>
+                  </a:txBody>
+                  <a:tcPr/>
+                </a:tc>
+                <a:tc>
+                  <a:txBody>
+                    <a:bodyPr/>
+                    <a:lstStyle/>
+                    <a:p>
+                      <a:r>
+                        <a:rPr lang="en-US" dirty="0" smtClean="0"/>
+                        <a:t>81.61 (6.38)</a:t>
+                      </a:r>
+                      <a:endParaRPr lang="en-US" dirty="0"/>
+                    </a:p>
+                  </a:txBody>
+                  <a:tcPr/>
+                </a:tc>
+                <a:tc>
+                  <a:txBody>
+                    <a:bodyPr/>
+                    <a:lstStyle/>
+                    <a:p>
+                      <a:r>
+                        <a:rPr lang="en-US" dirty="0" smtClean="0"/>
+                        <a:t>-2.91 (0.35)</a:t>
+                      </a:r>
+                      <a:endParaRPr lang="en-US" dirty="0"/>
+                    </a:p>
+                  </a:txBody>
+                  <a:tcPr/>
+                </a:tc>
+                <a:tc>
+                  <a:txBody>
+                    <a:bodyPr/>
+                    <a:lstStyle/>
+                    <a:p>
+                      <a:r>
+                        <a:rPr lang="en-US" dirty="0" smtClean="0"/>
+                        <a:t>-0.03 (0.04)</a:t>
+                      </a:r>
+                      <a:endParaRPr lang="en-US" dirty="0"/>
+                    </a:p>
+                  </a:txBody>
+                  <a:tcPr/>
+                </a:tc>
+              </a:tr>
+              <a:tr h="370840">
+                <a:tc>
+                  <a:txBody>
+                    <a:bodyPr/>
+                    <a:lstStyle/>
+                    <a:p>
+                      <a:r>
+                        <a:rPr lang="en-US" dirty="0" smtClean="0"/>
+                        <a:t>5</a:t>
+                      </a:r>
+                    </a:p>
+                  </a:txBody>
+                  <a:tcPr/>
+                </a:tc>
+                <a:tc>
+                  <a:txBody>
+                    <a:bodyPr/>
+                    <a:lstStyle/>
+                    <a:p>
+                      <a:r>
+                        <a:rPr lang="en-US" dirty="0" smtClean="0"/>
+                        <a:t>84.77 (8.43)</a:t>
+                      </a:r>
+                      <a:endParaRPr lang="en-US" dirty="0"/>
+                    </a:p>
+                  </a:txBody>
+                  <a:tcPr/>
+                </a:tc>
+                <a:tc>
+                  <a:txBody>
+                    <a:bodyPr/>
+                    <a:lstStyle/>
+                    <a:p>
+                      <a:r>
+                        <a:rPr lang="en-US" dirty="0" smtClean="0"/>
+                        <a:t>-2.94 (0.38)</a:t>
+                      </a:r>
+                      <a:endParaRPr lang="en-US" dirty="0"/>
+                    </a:p>
+                  </a:txBody>
+                  <a:tcPr/>
+                </a:tc>
+                <a:tc>
+                  <a:txBody>
+                    <a:bodyPr/>
+                    <a:lstStyle/>
+                    <a:p>
+                      <a:r>
+                        <a:rPr lang="en-US" dirty="0" smtClean="0"/>
+                        <a:t>-0.03</a:t>
+                      </a:r>
+                      <a:r>
+                        <a:rPr lang="en-US" baseline="0" dirty="0" smtClean="0"/>
+                        <a:t> (0.04)</a:t>
                       </a:r>
                       <a:endParaRPr lang="en-US" dirty="0"/>
                     </a:p>
@@ -6996,7 +6894,7 @@
     </p:spTree>
     <p:extLst>
       <p:ext uri="{BB962C8B-B14F-4D97-AF65-F5344CB8AC3E}">
-        <p14:creationId xmlns:p14="http://schemas.microsoft.com/office/powerpoint/2010/main" val="2695176077"/>
+        <p14:creationId xmlns:p14="http://schemas.microsoft.com/office/powerpoint/2010/main" val="1292137353"/>
       </p:ext>
     </p:extLst>
   </p:cSld>
@@ -7040,7 +6938,11 @@
           <a:p>
             <a:r>
               <a:rPr lang="en-US" dirty="0" smtClean="0"/>
-              <a:t>Regression by Imputation</a:t>
+              <a:t>Multiple </a:t>
+            </a:r>
+            <a:r>
+              <a:rPr lang="en-US" smtClean="0"/>
+              <a:t>Imputation Analysis Code</a:t>
             </a:r>
             <a:endParaRPr lang="en-US" dirty="0"/>
           </a:p>
@@ -7066,7 +6968,15 @@
           <a:p>
             <a:r>
               <a:rPr lang="en-US" dirty="0"/>
-              <a:t>title 'Regression After Imputing Data';</a:t>
+              <a:t>title '</a:t>
+            </a:r>
+            <a:r>
+              <a:rPr lang="en-US" dirty="0" err="1"/>
+              <a:t>Mianalyze</a:t>
+            </a:r>
+            <a:r>
+              <a:rPr lang="en-US" dirty="0"/>
+              <a:t>';</a:t>
             </a:r>
           </a:p>
           <a:p>
@@ -7080,7 +6990,7 @@
             </a:r>
             <a:r>
               <a:rPr lang="en-US" b="1" dirty="0" err="1"/>
-              <a:t>reg</a:t>
+              <a:t>mianalyze</a:t>
             </a:r>
             <a:r>
               <a:rPr lang="en-US" dirty="0"/>
@@ -7088,7 +6998,7 @@
             </a:r>
             <a:r>
               <a:rPr lang="en-US" dirty="0" err="1"/>
-              <a:t>miout</a:t>
+              <a:t>outreg</a:t>
             </a:r>
             <a:r>
               <a:rPr lang="en-US" dirty="0"/>
@@ -7096,15 +7006,41 @@
             </a:r>
             <a:r>
               <a:rPr lang="en-US" dirty="0" err="1"/>
-              <a:t>outest</a:t>
+              <a:t>mult</a:t>
+            </a:r>
+            <a:r>
+              <a:rPr lang="en-US" dirty="0"/>
+              <a:t> </a:t>
+            </a:r>
+            <a:r>
+              <a:rPr lang="en-US" dirty="0" err="1"/>
+              <a:t>edf</a:t>
             </a:r>
             <a:r>
               <a:rPr lang="en-US" dirty="0"/>
               <a:t>=</a:t>
             </a:r>
             <a:r>
+              <a:rPr lang="en-US" b="1" dirty="0"/>
+              <a:t>28</a:t>
+            </a:r>
+            <a:r>
+              <a:rPr lang="en-US" dirty="0"/>
+              <a:t>;</a:t>
+            </a:r>
+          </a:p>
+          <a:p>
+            <a:r>
               <a:rPr lang="en-US" dirty="0" err="1"/>
-              <a:t>outreg</a:t>
+              <a:t>modeleffects</a:t>
+            </a:r>
+            <a:r>
+              <a:rPr lang="en-US" dirty="0"/>
+              <a:t> Intercept </a:t>
+            </a:r>
+            <a:r>
+              <a:rPr lang="en-US" dirty="0" err="1"/>
+              <a:t>RunTime</a:t>
             </a:r>
             <a:r>
               <a:rPr lang="en-US" dirty="0"/>
@@ -7112,39 +7048,11 @@
             </a:r>
             <a:r>
               <a:rPr lang="en-US" dirty="0" err="1"/>
-              <a:t>covout</a:t>
+              <a:t>RunPulse</a:t>
             </a:r>
             <a:r>
               <a:rPr lang="en-US" dirty="0"/>
               <a:t>;</a:t>
-            </a:r>
-          </a:p>
-          <a:p>
-            <a:r>
-              <a:rPr lang="en-US" dirty="0"/>
-              <a:t>model Oxygen= </a:t>
-            </a:r>
-            <a:r>
-              <a:rPr lang="en-US" dirty="0" err="1"/>
-              <a:t>RunTime</a:t>
-            </a:r>
-            <a:r>
-              <a:rPr lang="en-US" dirty="0"/>
-              <a:t> </a:t>
-            </a:r>
-            <a:r>
-              <a:rPr lang="en-US" dirty="0" err="1"/>
-              <a:t>RunPulse</a:t>
-            </a:r>
-            <a:r>
-              <a:rPr lang="en-US" dirty="0"/>
-              <a:t>;</a:t>
-            </a:r>
-          </a:p>
-          <a:p>
-            <a:r>
-              <a:rPr lang="en-US" dirty="0"/>
-              <a:t>by _Imputation_;</a:t>
             </a:r>
           </a:p>
           <a:p>
@@ -7165,7 +7073,7 @@
     </p:spTree>
     <p:extLst>
       <p:ext uri="{BB962C8B-B14F-4D97-AF65-F5344CB8AC3E}">
-        <p14:creationId xmlns:p14="http://schemas.microsoft.com/office/powerpoint/2010/main" val="3785263788"/>
+        <p14:creationId xmlns:p14="http://schemas.microsoft.com/office/powerpoint/2010/main" val="2969507990"/>
       </p:ext>
     </p:extLst>
   </p:cSld>
@@ -7271,11 +7179,10 @@
             </a:r>
           </a:p>
           <a:p>
-            <a:pPr lvl="2"/>
-            <a:r>
-              <a:rPr lang="en-US" dirty="0" smtClean="0"/>
-              <a:t>MCMC </a:t>
-            </a:r>
+            <a:pPr marL="914400" lvl="2" indent="0">
+              <a:buNone/>
+            </a:pPr>
+            <a:endParaRPr lang="en-US" dirty="0" smtClean="0"/>
           </a:p>
           <a:p>
             <a:pPr lvl="2"/>
@@ -7296,7 +7203,7 @@
   <p:timing>
     <p:tnLst>
       <p:par>
-        <p:cTn xmlns:p14="http://schemas.microsoft.com/office/powerpoint/2010/main" id="1" dur="indefinite" restart="never" nodeType="tmRoot"/>
+        <p:cTn id="1" dur="indefinite" restart="never" nodeType="tmRoot"/>
       </p:par>
     </p:tnLst>
   </p:timing>
@@ -7337,7 +7244,7 @@
           <a:p>
             <a:r>
               <a:rPr lang="en-US" dirty="0" smtClean="0"/>
-              <a:t>Regression Parameter Estimates</a:t>
+              <a:t>MI Analyze Results	</a:t>
             </a:r>
             <a:endParaRPr lang="en-US" dirty="0"/>
           </a:p>
@@ -7353,14 +7260,14 @@
             <p:ph idx="1"/>
             <p:extLst>
               <p:ext uri="{D42A27DB-BD31-4B8C-83A1-F6EECF244321}">
-                <p14:modId xmlns:p14="http://schemas.microsoft.com/office/powerpoint/2010/main" val="3383188731"/>
+                <p14:modId xmlns:p14="http://schemas.microsoft.com/office/powerpoint/2010/main" val="3620607815"/>
               </p:ext>
             </p:extLst>
           </p:nvPr>
         </p:nvGraphicFramePr>
         <p:xfrm>
-          <a:off x="457200" y="1600200"/>
-          <a:ext cx="6583680" cy="2225040"/>
+          <a:off x="457200" y="1734671"/>
+          <a:ext cx="8229600" cy="1483360"/>
         </p:xfrm>
         <a:graphic>
           <a:graphicData uri="http://schemas.openxmlformats.org/drawingml/2006/table">
@@ -7369,10 +7276,10 @@
                 <a:tableStyleId>{5C22544A-7EE6-4342-B048-85BDC9FD1C3A}</a:tableStyleId>
               </a:tblPr>
               <a:tblGrid>
-                <a:gridCol w="1645920"/>
-                <a:gridCol w="1645920"/>
-                <a:gridCol w="1645920"/>
-                <a:gridCol w="1645920"/>
+                <a:gridCol w="2057400"/>
+                <a:gridCol w="2057400"/>
+                <a:gridCol w="2057400"/>
+                <a:gridCol w="2057400"/>
               </a:tblGrid>
               <a:tr h="370840">
                 <a:tc>
@@ -7382,49 +7289,53 @@
                     <a:p>
                       <a:r>
                         <a:rPr lang="en-US" dirty="0" smtClean="0"/>
-                        <a:t>Imputation </a:t>
-                      </a:r>
-                      <a:endParaRPr lang="en-US" dirty="0"/>
-                    </a:p>
-                  </a:txBody>
-                  <a:tcPr/>
-                </a:tc>
-                <a:tc>
-                  <a:txBody>
-                    <a:bodyPr/>
-                    <a:lstStyle/>
-                    <a:p>
-                      <a:r>
-                        <a:rPr lang="en-US" dirty="0" smtClean="0"/>
-                        <a:t>Intercept</a:t>
-                      </a:r>
-                      <a:endParaRPr lang="en-US" dirty="0"/>
-                    </a:p>
-                  </a:txBody>
-                  <a:tcPr/>
-                </a:tc>
-                <a:tc>
-                  <a:txBody>
-                    <a:bodyPr/>
-                    <a:lstStyle/>
-                    <a:p>
-                      <a:r>
-                        <a:rPr lang="en-US" dirty="0" smtClean="0"/>
-                        <a:t>Run Time</a:t>
-                      </a:r>
-                      <a:endParaRPr lang="en-US" dirty="0"/>
-                    </a:p>
-                  </a:txBody>
-                  <a:tcPr/>
-                </a:tc>
-                <a:tc>
-                  <a:txBody>
-                    <a:bodyPr/>
-                    <a:lstStyle/>
-                    <a:p>
-                      <a:r>
-                        <a:rPr lang="en-US" dirty="0" smtClean="0"/>
-                        <a:t>Run Pulse</a:t>
+                        <a:t>Parameter</a:t>
+                      </a:r>
+                      <a:endParaRPr lang="en-US" dirty="0"/>
+                    </a:p>
+                  </a:txBody>
+                  <a:tcPr/>
+                </a:tc>
+                <a:tc>
+                  <a:txBody>
+                    <a:bodyPr/>
+                    <a:lstStyle/>
+                    <a:p>
+                      <a:r>
+                        <a:rPr lang="en-US" dirty="0" smtClean="0"/>
+                        <a:t>Estimate</a:t>
+                      </a:r>
+                      <a:endParaRPr lang="en-US" dirty="0"/>
+                    </a:p>
+                  </a:txBody>
+                  <a:tcPr/>
+                </a:tc>
+                <a:tc>
+                  <a:txBody>
+                    <a:bodyPr/>
+                    <a:lstStyle/>
+                    <a:p>
+                      <a:r>
+                        <a:rPr lang="en-US" dirty="0" err="1" smtClean="0"/>
+                        <a:t>Std</a:t>
+                      </a:r>
+                      <a:r>
+                        <a:rPr lang="en-US" dirty="0" smtClean="0"/>
+                        <a:t> Error</a:t>
+                      </a:r>
+                      <a:endParaRPr lang="en-US" dirty="0"/>
+                    </a:p>
+                  </a:txBody>
+                  <a:tcPr/>
+                </a:tc>
+                <a:tc>
+                  <a:txBody>
+                    <a:bodyPr/>
+                    <a:lstStyle/>
+                    <a:p>
+                      <a:r>
+                        <a:rPr lang="en-US" dirty="0" smtClean="0"/>
+                        <a:t>95% Confidence</a:t>
                       </a:r>
                       <a:endParaRPr lang="en-US" dirty="0"/>
                     </a:p>
@@ -7440,49 +7351,49 @@
                     <a:p>
                       <a:r>
                         <a:rPr lang="en-US" dirty="0" smtClean="0"/>
-                        <a:t>1</a:t>
-                      </a:r>
-                      <a:endParaRPr lang="en-US" dirty="0"/>
-                    </a:p>
-                  </a:txBody>
-                  <a:tcPr/>
-                </a:tc>
-                <a:tc>
-                  <a:txBody>
-                    <a:bodyPr/>
-                    <a:lstStyle/>
-                    <a:p>
-                      <a:r>
-                        <a:rPr lang="en-US" dirty="0" smtClean="0"/>
-                        <a:t>98.97 (6.76)</a:t>
-                      </a:r>
-                      <a:endParaRPr lang="en-US" dirty="0"/>
-                    </a:p>
-                  </a:txBody>
-                  <a:tcPr/>
-                </a:tc>
-                <a:tc>
-                  <a:txBody>
-                    <a:bodyPr/>
-                    <a:lstStyle/>
-                    <a:p>
-                      <a:r>
-                        <a:rPr lang="en-US" dirty="0" smtClean="0"/>
-                        <a:t>-2.98 (0.35)</a:t>
-                      </a:r>
-                      <a:endParaRPr lang="en-US" dirty="0"/>
-                    </a:p>
-                  </a:txBody>
-                  <a:tcPr/>
-                </a:tc>
-                <a:tc>
-                  <a:txBody>
-                    <a:bodyPr/>
-                    <a:lstStyle/>
-                    <a:p>
-                      <a:r>
-                        <a:rPr lang="en-US" dirty="0" smtClean="0"/>
-                        <a:t>-0.11 (0.03)</a:t>
+                        <a:t>Intercept</a:t>
+                      </a:r>
+                      <a:endParaRPr lang="en-US" dirty="0"/>
+                    </a:p>
+                  </a:txBody>
+                  <a:tcPr/>
+                </a:tc>
+                <a:tc>
+                  <a:txBody>
+                    <a:bodyPr/>
+                    <a:lstStyle/>
+                    <a:p>
+                      <a:r>
+                        <a:rPr lang="en-US" dirty="0" smtClean="0"/>
+                        <a:t>90.05</a:t>
+                      </a:r>
+                      <a:endParaRPr lang="en-US" dirty="0"/>
+                    </a:p>
+                  </a:txBody>
+                  <a:tcPr/>
+                </a:tc>
+                <a:tc>
+                  <a:txBody>
+                    <a:bodyPr/>
+                    <a:lstStyle/>
+                    <a:p>
+                      <a:r>
+                        <a:rPr lang="en-US" dirty="0" smtClean="0"/>
+                        <a:t>10.64</a:t>
+                      </a:r>
+                      <a:endParaRPr lang="en-US" dirty="0"/>
+                    </a:p>
+                  </a:txBody>
+                  <a:tcPr/>
+                </a:tc>
+                <a:tc>
+                  <a:txBody>
+                    <a:bodyPr/>
+                    <a:lstStyle/>
+                    <a:p>
+                      <a:r>
+                        <a:rPr lang="en-US" dirty="0" smtClean="0"/>
+                        <a:t>64.49 - 115.61</a:t>
                       </a:r>
                       <a:endParaRPr lang="en-US" dirty="0"/>
                     </a:p>
@@ -7498,53 +7409,49 @@
                     <a:p>
                       <a:r>
                         <a:rPr lang="en-US" dirty="0" smtClean="0"/>
-                        <a:t>2</a:t>
-                      </a:r>
-                      <a:endParaRPr lang="en-US" dirty="0"/>
-                    </a:p>
-                  </a:txBody>
-                  <a:tcPr/>
-                </a:tc>
-                <a:tc>
-                  <a:txBody>
-                    <a:bodyPr/>
-                    <a:lstStyle/>
-                    <a:p>
-                      <a:r>
-                        <a:rPr lang="en-US" dirty="0" smtClean="0"/>
-                        <a:t>90.04</a:t>
-                      </a:r>
-                      <a:r>
-                        <a:rPr lang="en-US" baseline="0" dirty="0" smtClean="0"/>
-                        <a:t> (7.41)</a:t>
-                      </a:r>
-                      <a:endParaRPr lang="en-US" dirty="0"/>
-                    </a:p>
-                  </a:txBody>
-                  <a:tcPr/>
-                </a:tc>
-                <a:tc>
-                  <a:txBody>
-                    <a:bodyPr/>
-                    <a:lstStyle/>
-                    <a:p>
-                      <a:r>
-                        <a:rPr lang="en-US" dirty="0" smtClean="0"/>
-                        <a:t>-2.95 (0.32)</a:t>
-                      </a:r>
-                      <a:endParaRPr lang="en-US" dirty="0"/>
-                    </a:p>
-                  </a:txBody>
-                  <a:tcPr/>
-                </a:tc>
-                <a:tc>
-                  <a:txBody>
-                    <a:bodyPr/>
-                    <a:lstStyle/>
-                    <a:p>
-                      <a:r>
-                        <a:rPr lang="en-US" dirty="0" smtClean="0"/>
-                        <a:t>-0.06 (0.04)</a:t>
+                        <a:t>Run Time </a:t>
+                      </a:r>
+                      <a:endParaRPr lang="en-US" dirty="0"/>
+                    </a:p>
+                  </a:txBody>
+                  <a:tcPr/>
+                </a:tc>
+                <a:tc>
+                  <a:txBody>
+                    <a:bodyPr/>
+                    <a:lstStyle/>
+                    <a:p>
+                      <a:r>
+                        <a:rPr lang="en-US" dirty="0" smtClean="0"/>
+                        <a:t>-2.97</a:t>
+                      </a:r>
+                      <a:endParaRPr lang="en-US" dirty="0"/>
+                    </a:p>
+                  </a:txBody>
+                  <a:tcPr/>
+                </a:tc>
+                <a:tc>
+                  <a:txBody>
+                    <a:bodyPr/>
+                    <a:lstStyle/>
+                    <a:p>
+                      <a:r>
+                        <a:rPr lang="en-US" dirty="0" smtClean="0"/>
+                        <a:t>0.37</a:t>
+                      </a:r>
+                      <a:endParaRPr lang="en-US" dirty="0"/>
+                    </a:p>
+                  </a:txBody>
+                  <a:tcPr/>
+                </a:tc>
+                <a:tc>
+                  <a:txBody>
+                    <a:bodyPr/>
+                    <a:lstStyle/>
+                    <a:p>
+                      <a:r>
+                        <a:rPr lang="en-US" dirty="0" smtClean="0"/>
+                        <a:t>-3.76 - -2.18</a:t>
                       </a:r>
                       <a:endParaRPr lang="en-US" dirty="0"/>
                     </a:p>
@@ -7560,167 +7467,53 @@
                     <a:p>
                       <a:r>
                         <a:rPr lang="en-US" dirty="0" smtClean="0"/>
-                        <a:t>3</a:t>
-                      </a:r>
-                      <a:endParaRPr lang="en-US" dirty="0"/>
-                    </a:p>
-                  </a:txBody>
-                  <a:tcPr/>
-                </a:tc>
-                <a:tc>
-                  <a:txBody>
-                    <a:bodyPr/>
-                    <a:lstStyle/>
-                    <a:p>
-                      <a:r>
-                        <a:rPr lang="en-US" dirty="0" smtClean="0"/>
-                        <a:t>94.86 (7.28)</a:t>
-                      </a:r>
-                      <a:endParaRPr lang="en-US" dirty="0"/>
-                    </a:p>
-                  </a:txBody>
-                  <a:tcPr/>
-                </a:tc>
-                <a:tc>
-                  <a:txBody>
-                    <a:bodyPr/>
-                    <a:lstStyle/>
-                    <a:p>
-                      <a:r>
-                        <a:rPr lang="en-US" dirty="0" smtClean="0"/>
-                        <a:t>-3.16 (0.34)</a:t>
-                      </a:r>
-                      <a:endParaRPr lang="en-US" dirty="0"/>
-                    </a:p>
-                  </a:txBody>
-                  <a:tcPr/>
-                </a:tc>
-                <a:tc>
-                  <a:txBody>
-                    <a:bodyPr/>
-                    <a:lstStyle/>
-                    <a:p>
-                      <a:r>
-                        <a:rPr lang="en-US" dirty="0" smtClean="0"/>
-                        <a:t>-0.08 (0.04)</a:t>
-                      </a:r>
-                      <a:endParaRPr lang="en-US" dirty="0"/>
-                    </a:p>
-                  </a:txBody>
-                  <a:tcPr/>
-                </a:tc>
-              </a:tr>
-              <a:tr h="370840">
-                <a:tc>
-                  <a:txBody>
-                    <a:bodyPr/>
-                    <a:lstStyle/>
-                    <a:p>
-                      <a:r>
-                        <a:rPr lang="en-US" dirty="0" smtClean="0"/>
-                        <a:t>4</a:t>
-                      </a:r>
-                    </a:p>
-                  </a:txBody>
-                  <a:tcPr/>
-                </a:tc>
-                <a:tc>
-                  <a:txBody>
-                    <a:bodyPr/>
-                    <a:lstStyle/>
-                    <a:p>
-                      <a:r>
-                        <a:rPr lang="en-US" dirty="0" smtClean="0"/>
-                        <a:t>81.61 (6.38)</a:t>
-                      </a:r>
-                      <a:endParaRPr lang="en-US" dirty="0"/>
-                    </a:p>
-                  </a:txBody>
-                  <a:tcPr/>
-                </a:tc>
-                <a:tc>
-                  <a:txBody>
-                    <a:bodyPr/>
-                    <a:lstStyle/>
-                    <a:p>
-                      <a:r>
-                        <a:rPr lang="en-US" dirty="0" smtClean="0"/>
-                        <a:t>-2.91 (0.35)</a:t>
-                      </a:r>
-                      <a:endParaRPr lang="en-US" dirty="0"/>
-                    </a:p>
-                  </a:txBody>
-                  <a:tcPr/>
-                </a:tc>
-                <a:tc>
-                  <a:txBody>
-                    <a:bodyPr/>
-                    <a:lstStyle/>
-                    <a:p>
-                      <a:r>
-                        <a:rPr lang="en-US" dirty="0" smtClean="0"/>
-                        <a:t>-0.03 (0.04)</a:t>
-                      </a:r>
-                      <a:endParaRPr lang="en-US" dirty="0"/>
-                    </a:p>
-                  </a:txBody>
-                  <a:tcPr/>
-                </a:tc>
-              </a:tr>
-              <a:tr h="370840">
-                <a:tc>
-                  <a:txBody>
-                    <a:bodyPr/>
-                    <a:lstStyle/>
-                    <a:p>
-                      <a:r>
-                        <a:rPr lang="en-US" dirty="0" smtClean="0"/>
-                        <a:t>5</a:t>
-                      </a:r>
-                    </a:p>
-                  </a:txBody>
-                  <a:tcPr/>
-                </a:tc>
-                <a:tc>
-                  <a:txBody>
-                    <a:bodyPr/>
-                    <a:lstStyle/>
-                    <a:p>
-                      <a:r>
-                        <a:rPr lang="en-US" dirty="0" smtClean="0"/>
-                        <a:t>84.77 (8.43)</a:t>
-                      </a:r>
-                      <a:endParaRPr lang="en-US" dirty="0"/>
-                    </a:p>
-                  </a:txBody>
-                  <a:tcPr/>
-                </a:tc>
-                <a:tc>
-                  <a:txBody>
-                    <a:bodyPr/>
-                    <a:lstStyle/>
-                    <a:p>
-                      <a:r>
-                        <a:rPr lang="en-US" dirty="0" smtClean="0"/>
-                        <a:t>-2.94 (0.38)</a:t>
-                      </a:r>
-                      <a:endParaRPr lang="en-US" dirty="0"/>
-                    </a:p>
-                  </a:txBody>
-                  <a:tcPr/>
-                </a:tc>
-                <a:tc>
-                  <a:txBody>
-                    <a:bodyPr/>
-                    <a:lstStyle/>
-                    <a:p>
-                      <a:r>
-                        <a:rPr lang="en-US" dirty="0" smtClean="0"/>
-                        <a:t>-0.03</a:t>
+                        <a:t>Run Pulse</a:t>
+                      </a:r>
+                      <a:endParaRPr lang="en-US" dirty="0"/>
+                    </a:p>
+                  </a:txBody>
+                  <a:tcPr/>
+                </a:tc>
+                <a:tc>
+                  <a:txBody>
+                    <a:bodyPr/>
+                    <a:lstStyle/>
+                    <a:p>
+                      <a:r>
+                        <a:rPr lang="en-US" dirty="0" smtClean="0"/>
+                        <a:t>-0.06 </a:t>
+                      </a:r>
+                      <a:endParaRPr lang="en-US" dirty="0"/>
+                    </a:p>
+                  </a:txBody>
+                  <a:tcPr/>
+                </a:tc>
+                <a:tc>
+                  <a:txBody>
+                    <a:bodyPr/>
+                    <a:lstStyle/>
+                    <a:p>
+                      <a:r>
+                        <a:rPr lang="en-US" dirty="0" smtClean="0"/>
+                        <a:t>0.05</a:t>
+                      </a:r>
+                      <a:endParaRPr lang="en-US" dirty="0"/>
+                    </a:p>
+                  </a:txBody>
+                  <a:tcPr/>
+                </a:tc>
+                <a:tc>
+                  <a:txBody>
+                    <a:bodyPr/>
+                    <a:lstStyle/>
+                    <a:p>
+                      <a:r>
+                        <a:rPr lang="en-US" dirty="0" smtClean="0"/>
+                        <a:t>-0.19</a:t>
                       </a:r>
                       <a:r>
                         <a:rPr lang="en-US" baseline="0" dirty="0" smtClean="0"/>
-                        <a:t> (0.04)</a:t>
+                        <a:t> – 0.06</a:t>
                       </a:r>
                       <a:endParaRPr lang="en-US" dirty="0"/>
                     </a:p>
@@ -7735,7 +7528,7 @@
     </p:spTree>
     <p:extLst>
       <p:ext uri="{BB962C8B-B14F-4D97-AF65-F5344CB8AC3E}">
-        <p14:creationId xmlns:p14="http://schemas.microsoft.com/office/powerpoint/2010/main" val="1292137353"/>
+        <p14:creationId xmlns:p14="http://schemas.microsoft.com/office/powerpoint/2010/main" val="454039351"/>
       </p:ext>
     </p:extLst>
   </p:cSld>
@@ -7779,11 +7572,7 @@
           <a:p>
             <a:r>
               <a:rPr lang="en-US" dirty="0" smtClean="0"/>
-              <a:t>Multiple </a:t>
-            </a:r>
-            <a:r>
-              <a:rPr lang="en-US" smtClean="0"/>
-              <a:t>Imputation Analysis Code</a:t>
+              <a:t>Summary</a:t>
             </a:r>
             <a:endParaRPr lang="en-US" dirty="0"/>
           </a:p>
@@ -7804,108 +7593,62 @@
           <a:bodyPr/>
           <a:lstStyle/>
           <a:p>
-            <a:endParaRPr lang="en-US" dirty="0"/>
-          </a:p>
-          <a:p>
-            <a:r>
-              <a:rPr lang="en-US" dirty="0"/>
-              <a:t>title '</a:t>
-            </a:r>
-            <a:r>
-              <a:rPr lang="en-US" dirty="0" err="1"/>
-              <a:t>Mianalyze</a:t>
-            </a:r>
-            <a:r>
-              <a:rPr lang="en-US" dirty="0"/>
-              <a:t>';</a:t>
-            </a:r>
-          </a:p>
-          <a:p>
-            <a:r>
-              <a:rPr lang="en-US" b="1" dirty="0" err="1"/>
-              <a:t>proc</a:t>
-            </a:r>
-            <a:r>
-              <a:rPr lang="en-US" dirty="0"/>
-              <a:t> </a:t>
-            </a:r>
-            <a:r>
-              <a:rPr lang="en-US" b="1" dirty="0" err="1"/>
-              <a:t>mianalyze</a:t>
-            </a:r>
-            <a:r>
-              <a:rPr lang="en-US" dirty="0"/>
-              <a:t> data=</a:t>
-            </a:r>
-            <a:r>
-              <a:rPr lang="en-US" dirty="0" err="1"/>
-              <a:t>outreg</a:t>
-            </a:r>
-            <a:r>
-              <a:rPr lang="en-US" dirty="0"/>
-              <a:t> </a:t>
-            </a:r>
-            <a:r>
-              <a:rPr lang="en-US" dirty="0" err="1"/>
-              <a:t>mult</a:t>
-            </a:r>
-            <a:r>
-              <a:rPr lang="en-US" dirty="0"/>
-              <a:t> </a:t>
-            </a:r>
-            <a:r>
-              <a:rPr lang="en-US" dirty="0" err="1"/>
-              <a:t>edf</a:t>
-            </a:r>
-            <a:r>
-              <a:rPr lang="en-US" dirty="0"/>
-              <a:t>=</a:t>
-            </a:r>
-            <a:r>
-              <a:rPr lang="en-US" b="1" dirty="0"/>
-              <a:t>28</a:t>
-            </a:r>
-            <a:r>
-              <a:rPr lang="en-US" dirty="0"/>
-              <a:t>;</a:t>
-            </a:r>
-          </a:p>
-          <a:p>
-            <a:r>
-              <a:rPr lang="en-US" dirty="0" err="1"/>
-              <a:t>modeleffects</a:t>
-            </a:r>
-            <a:r>
-              <a:rPr lang="en-US" dirty="0"/>
-              <a:t> Intercept </a:t>
-            </a:r>
-            <a:r>
-              <a:rPr lang="en-US" dirty="0" err="1"/>
-              <a:t>RunTime</a:t>
-            </a:r>
-            <a:r>
-              <a:rPr lang="en-US" dirty="0"/>
-              <a:t> </a:t>
-            </a:r>
-            <a:r>
-              <a:rPr lang="en-US" dirty="0" err="1"/>
-              <a:t>RunPulse</a:t>
-            </a:r>
-            <a:r>
-              <a:rPr lang="en-US" dirty="0"/>
-              <a:t>;</a:t>
-            </a:r>
-          </a:p>
-          <a:p>
-            <a:r>
-              <a:rPr lang="en-US" b="1" dirty="0"/>
-              <a:t>run</a:t>
-            </a:r>
-            <a:r>
-              <a:rPr lang="en-US" dirty="0"/>
-              <a:t>;</a:t>
-            </a:r>
-          </a:p>
+            <a:r>
+              <a:rPr lang="en-US" dirty="0" smtClean="0"/>
+              <a:t>Advantages of using Proc </a:t>
+            </a:r>
+            <a:r>
+              <a:rPr lang="en-US" dirty="0" err="1" smtClean="0"/>
+              <a:t>Mi</a:t>
+            </a:r>
+            <a:endParaRPr lang="en-US" dirty="0" smtClean="0"/>
+          </a:p>
+          <a:p>
+            <a:r>
+              <a:rPr lang="en-US" dirty="0" smtClean="0"/>
+              <a:t>Generate Multiple Data sets with plausible values</a:t>
+            </a:r>
+          </a:p>
+          <a:p>
+            <a:r>
+              <a:rPr lang="en-US" dirty="0" smtClean="0"/>
+              <a:t>Run the analysis on each data set</a:t>
+            </a:r>
+          </a:p>
+          <a:p>
+            <a:r>
+              <a:rPr lang="en-US" dirty="0" smtClean="0"/>
+              <a:t>Combine the results to generate robust </a:t>
+            </a:r>
+            <a:r>
+              <a:rPr lang="en-US" smtClean="0"/>
+              <a:t>parameter estimates</a:t>
+            </a:r>
+            <a:endParaRPr lang="en-US"/>
+          </a:p>
+        </p:txBody>
+      </p:sp>
+      <p:sp>
+        <p:nvSpPr>
+          <p:cNvPr id="4" name="TextBox 3"/>
+          <p:cNvSpPr txBox="1"/>
+          <p:nvPr/>
+        </p:nvSpPr>
+        <p:spPr>
+          <a:xfrm>
+            <a:off x="3071218" y="790436"/>
+            <a:ext cx="184666" cy="369332"/>
+          </a:xfrm>
+          <a:prstGeom prst="rect">
+            <a:avLst/>
+          </a:prstGeom>
+          <a:noFill/>
+        </p:spPr>
+        <p:txBody>
+          <a:bodyPr wrap="none" rtlCol="0">
+            <a:spAutoFit/>
+          </a:bodyPr>
+          <a:lstStyle/>
           <a:p>
             <a:endParaRPr lang="en-US" dirty="0"/>
           </a:p>
@@ -7914,7 +7657,7 @@
     </p:spTree>
     <p:extLst>
       <p:ext uri="{BB962C8B-B14F-4D97-AF65-F5344CB8AC3E}">
-        <p14:creationId xmlns:p14="http://schemas.microsoft.com/office/powerpoint/2010/main" val="2969507990"/>
+        <p14:creationId xmlns:p14="http://schemas.microsoft.com/office/powerpoint/2010/main" val="3441621826"/>
       </p:ext>
     </p:extLst>
   </p:cSld>
@@ -7958,297 +7701,86 @@
           <a:p>
             <a:r>
               <a:rPr lang="en-US" dirty="0" smtClean="0"/>
-              <a:t>MI Analyze Results	</a:t>
+              <a:t>Missing Data</a:t>
             </a:r>
             <a:endParaRPr lang="en-US" dirty="0"/>
           </a:p>
         </p:txBody>
       </p:sp>
-      <p:graphicFrame>
-        <p:nvGraphicFramePr>
-          <p:cNvPr id="4" name="Content Placeholder 3"/>
-          <p:cNvGraphicFramePr>
-            <a:graphicFrameLocks noGrp="1"/>
-          </p:cNvGraphicFramePr>
+      <p:sp>
+        <p:nvSpPr>
+          <p:cNvPr id="3" name="Content Placeholder 2"/>
+          <p:cNvSpPr>
+            <a:spLocks noGrp="1"/>
+          </p:cNvSpPr>
           <p:nvPr>
             <p:ph idx="1"/>
-            <p:extLst>
-              <p:ext uri="{D42A27DB-BD31-4B8C-83A1-F6EECF244321}">
-                <p14:modId xmlns:p14="http://schemas.microsoft.com/office/powerpoint/2010/main" val="3620607815"/>
-              </p:ext>
-            </p:extLst>
-          </p:nvPr>
-        </p:nvGraphicFramePr>
-        <p:xfrm>
-          <a:off x="457200" y="1734671"/>
-          <a:ext cx="8229600" cy="1483360"/>
-        </p:xfrm>
-        <a:graphic>
-          <a:graphicData uri="http://schemas.openxmlformats.org/drawingml/2006/table">
-            <a:tbl>
-              <a:tblPr firstRow="1" bandRow="1">
-                <a:tableStyleId>{5C22544A-7EE6-4342-B048-85BDC9FD1C3A}</a:tableStyleId>
-              </a:tblPr>
-              <a:tblGrid>
-                <a:gridCol w="2057400"/>
-                <a:gridCol w="2057400"/>
-                <a:gridCol w="2057400"/>
-                <a:gridCol w="2057400"/>
-              </a:tblGrid>
-              <a:tr h="370840">
-                <a:tc>
-                  <a:txBody>
-                    <a:bodyPr/>
-                    <a:lstStyle/>
-                    <a:p>
-                      <a:r>
-                        <a:rPr lang="en-US" dirty="0" smtClean="0"/>
-                        <a:t>Parameter</a:t>
-                      </a:r>
-                      <a:endParaRPr lang="en-US" dirty="0"/>
-                    </a:p>
-                  </a:txBody>
-                  <a:tcPr/>
-                </a:tc>
-                <a:tc>
-                  <a:txBody>
-                    <a:bodyPr/>
-                    <a:lstStyle/>
-                    <a:p>
-                      <a:r>
-                        <a:rPr lang="en-US" dirty="0" smtClean="0"/>
-                        <a:t>Estimate</a:t>
-                      </a:r>
-                      <a:endParaRPr lang="en-US" dirty="0"/>
-                    </a:p>
-                  </a:txBody>
-                  <a:tcPr/>
-                </a:tc>
-                <a:tc>
-                  <a:txBody>
-                    <a:bodyPr/>
-                    <a:lstStyle/>
-                    <a:p>
-                      <a:r>
-                        <a:rPr lang="en-US" dirty="0" err="1" smtClean="0"/>
-                        <a:t>Std</a:t>
-                      </a:r>
-                      <a:r>
-                        <a:rPr lang="en-US" dirty="0" smtClean="0"/>
-                        <a:t> Error</a:t>
-                      </a:r>
-                      <a:endParaRPr lang="en-US" dirty="0"/>
-                    </a:p>
-                  </a:txBody>
-                  <a:tcPr/>
-                </a:tc>
-                <a:tc>
-                  <a:txBody>
-                    <a:bodyPr/>
-                    <a:lstStyle/>
-                    <a:p>
-                      <a:r>
-                        <a:rPr lang="en-US" dirty="0" smtClean="0"/>
-                        <a:t>95% Confidence</a:t>
-                      </a:r>
-                      <a:endParaRPr lang="en-US" dirty="0"/>
-                    </a:p>
-                  </a:txBody>
-                  <a:tcPr/>
-                </a:tc>
-              </a:tr>
-              <a:tr h="370840">
-                <a:tc>
-                  <a:txBody>
-                    <a:bodyPr/>
-                    <a:lstStyle/>
-                    <a:p>
-                      <a:r>
-                        <a:rPr lang="en-US" dirty="0" smtClean="0"/>
-                        <a:t>Intercept</a:t>
-                      </a:r>
-                      <a:endParaRPr lang="en-US" dirty="0"/>
-                    </a:p>
-                  </a:txBody>
-                  <a:tcPr/>
-                </a:tc>
-                <a:tc>
-                  <a:txBody>
-                    <a:bodyPr/>
-                    <a:lstStyle/>
-                    <a:p>
-                      <a:r>
-                        <a:rPr lang="en-US" dirty="0" smtClean="0"/>
-                        <a:t>90.05</a:t>
-                      </a:r>
-                      <a:endParaRPr lang="en-US" dirty="0"/>
-                    </a:p>
-                  </a:txBody>
-                  <a:tcPr/>
-                </a:tc>
-                <a:tc>
-                  <a:txBody>
-                    <a:bodyPr/>
-                    <a:lstStyle/>
-                    <a:p>
-                      <a:r>
-                        <a:rPr lang="en-US" dirty="0" smtClean="0"/>
-                        <a:t>10.64</a:t>
-                      </a:r>
-                      <a:endParaRPr lang="en-US" dirty="0"/>
-                    </a:p>
-                  </a:txBody>
-                  <a:tcPr/>
-                </a:tc>
-                <a:tc>
-                  <a:txBody>
-                    <a:bodyPr/>
-                    <a:lstStyle/>
-                    <a:p>
-                      <a:r>
-                        <a:rPr lang="en-US" dirty="0" smtClean="0"/>
-                        <a:t>64.49 - 115.61</a:t>
-                      </a:r>
-                      <a:endParaRPr lang="en-US" dirty="0"/>
-                    </a:p>
-                  </a:txBody>
-                  <a:tcPr/>
-                </a:tc>
-              </a:tr>
-              <a:tr h="370840">
-                <a:tc>
-                  <a:txBody>
-                    <a:bodyPr/>
-                    <a:lstStyle/>
-                    <a:p>
-                      <a:r>
-                        <a:rPr lang="en-US" dirty="0" smtClean="0"/>
-                        <a:t>Run Time </a:t>
-                      </a:r>
-                      <a:endParaRPr lang="en-US" dirty="0"/>
-                    </a:p>
-                  </a:txBody>
-                  <a:tcPr/>
-                </a:tc>
-                <a:tc>
-                  <a:txBody>
-                    <a:bodyPr/>
-                    <a:lstStyle/>
-                    <a:p>
-                      <a:r>
-                        <a:rPr lang="en-US" dirty="0" smtClean="0"/>
-                        <a:t>-2.97</a:t>
-                      </a:r>
-                      <a:endParaRPr lang="en-US" dirty="0"/>
-                    </a:p>
-                  </a:txBody>
-                  <a:tcPr/>
-                </a:tc>
-                <a:tc>
-                  <a:txBody>
-                    <a:bodyPr/>
-                    <a:lstStyle/>
-                    <a:p>
-                      <a:r>
-                        <a:rPr lang="en-US" dirty="0" smtClean="0"/>
-                        <a:t>0.37</a:t>
-                      </a:r>
-                      <a:endParaRPr lang="en-US" dirty="0"/>
-                    </a:p>
-                  </a:txBody>
-                  <a:tcPr/>
-                </a:tc>
-                <a:tc>
-                  <a:txBody>
-                    <a:bodyPr/>
-                    <a:lstStyle/>
-                    <a:p>
-                      <a:r>
-                        <a:rPr lang="en-US" dirty="0" smtClean="0"/>
-                        <a:t>-3.76 - -2.18</a:t>
-                      </a:r>
-                      <a:endParaRPr lang="en-US" dirty="0"/>
-                    </a:p>
-                  </a:txBody>
-                  <a:tcPr/>
-                </a:tc>
-              </a:tr>
-              <a:tr h="370840">
-                <a:tc>
-                  <a:txBody>
-                    <a:bodyPr/>
-                    <a:lstStyle/>
-                    <a:p>
-                      <a:r>
-                        <a:rPr lang="en-US" dirty="0" smtClean="0"/>
-                        <a:t>Run Pulse</a:t>
-                      </a:r>
-                      <a:endParaRPr lang="en-US" dirty="0"/>
-                    </a:p>
-                  </a:txBody>
-                  <a:tcPr/>
-                </a:tc>
-                <a:tc>
-                  <a:txBody>
-                    <a:bodyPr/>
-                    <a:lstStyle/>
-                    <a:p>
-                      <a:r>
-                        <a:rPr lang="en-US" dirty="0" smtClean="0"/>
-                        <a:t>-0.06 </a:t>
-                      </a:r>
-                      <a:endParaRPr lang="en-US" dirty="0"/>
-                    </a:p>
-                  </a:txBody>
-                  <a:tcPr/>
-                </a:tc>
-                <a:tc>
-                  <a:txBody>
-                    <a:bodyPr/>
-                    <a:lstStyle/>
-                    <a:p>
-                      <a:r>
-                        <a:rPr lang="en-US" dirty="0" smtClean="0"/>
-                        <a:t>0.05</a:t>
-                      </a:r>
-                      <a:endParaRPr lang="en-US" dirty="0"/>
-                    </a:p>
-                  </a:txBody>
-                  <a:tcPr/>
-                </a:tc>
-                <a:tc>
-                  <a:txBody>
-                    <a:bodyPr/>
-                    <a:lstStyle/>
-                    <a:p>
-                      <a:r>
-                        <a:rPr lang="en-US" dirty="0" smtClean="0"/>
-                        <a:t>-0.19</a:t>
-                      </a:r>
-                      <a:r>
-                        <a:rPr lang="en-US" baseline="0" dirty="0" smtClean="0"/>
-                        <a:t> – 0.06</a:t>
-                      </a:r>
-                      <a:endParaRPr lang="en-US" dirty="0"/>
-                    </a:p>
-                  </a:txBody>
-                  <a:tcPr/>
-                </a:tc>
-              </a:tr>
-            </a:tbl>
-          </a:graphicData>
-        </a:graphic>
-      </p:graphicFrame>
+          </p:nvPr>
+        </p:nvSpPr>
+        <p:spPr/>
+        <p:txBody>
+          <a:bodyPr/>
+          <a:lstStyle/>
+          <a:p>
+            <a:r>
+              <a:rPr lang="en-US" dirty="0" smtClean="0"/>
+              <a:t>Proc MI</a:t>
+            </a:r>
+          </a:p>
+          <a:p>
+            <a:pPr lvl="1"/>
+            <a:r>
+              <a:rPr lang="en-US" dirty="0" smtClean="0"/>
+              <a:t>MCMC</a:t>
+            </a:r>
+          </a:p>
+          <a:p>
+            <a:pPr lvl="1"/>
+            <a:r>
+              <a:rPr lang="en-US" dirty="0" smtClean="0"/>
+              <a:t>Stands for Markov Chain Monte Carlo (</a:t>
+            </a:r>
+            <a:r>
+              <a:rPr lang="en-US" dirty="0" err="1" smtClean="0"/>
+              <a:t>Jackman</a:t>
+            </a:r>
+            <a:r>
+              <a:rPr lang="en-US" dirty="0" smtClean="0"/>
+              <a:t>, 2000) </a:t>
+            </a:r>
+          </a:p>
+          <a:p>
+            <a:pPr lvl="2"/>
+            <a:r>
+              <a:rPr lang="en-US" dirty="0" smtClean="0"/>
+              <a:t>Collection of methods for simulating random draws from nonstandard distributions via Markov chains (Schafer, 1997)</a:t>
+            </a:r>
+          </a:p>
+          <a:p>
+            <a:pPr marL="914400" lvl="2" indent="0">
+              <a:buNone/>
+            </a:pPr>
+            <a:endParaRPr lang="en-US" dirty="0"/>
+          </a:p>
+        </p:txBody>
+      </p:sp>
     </p:spTree>
     <p:extLst>
       <p:ext uri="{BB962C8B-B14F-4D97-AF65-F5344CB8AC3E}">
-        <p14:creationId xmlns:p14="http://schemas.microsoft.com/office/powerpoint/2010/main" val="454039351"/>
+        <p14:creationId xmlns:p14="http://schemas.microsoft.com/office/powerpoint/2010/main" val="2047689373"/>
       </p:ext>
     </p:extLst>
   </p:cSld>
   <p:clrMapOvr>
     <a:masterClrMapping/>
   </p:clrMapOvr>
+  <p:timing>
+    <p:tnLst>
+      <p:par>
+        <p:cTn id="1" dur="indefinite" restart="never" nodeType="tmRoot"/>
+      </p:par>
+    </p:tnLst>
+  </p:timing>
 </p:sld>
 </file>
 
@@ -8286,7 +7818,7 @@
           <a:p>
             <a:r>
               <a:rPr lang="en-US" dirty="0" smtClean="0"/>
-              <a:t>Summary</a:t>
+              <a:t>Markov Chain</a:t>
             </a:r>
             <a:endParaRPr lang="en-US" dirty="0"/>
           </a:p>
@@ -8309,61 +7841,40 @@
           <a:p>
             <a:r>
               <a:rPr lang="en-US" dirty="0" smtClean="0"/>
-              <a:t>Advantages of using Proc </a:t>
-            </a:r>
-            <a:r>
-              <a:rPr lang="en-US" dirty="0" err="1" smtClean="0"/>
-              <a:t>Mi</a:t>
-            </a:r>
-            <a:endParaRPr lang="en-US" dirty="0" smtClean="0"/>
-          </a:p>
-          <a:p>
-            <a:r>
-              <a:rPr lang="en-US" dirty="0" smtClean="0"/>
-              <a:t>Generate Multiple Data sets with plausible values</a:t>
-            </a:r>
-          </a:p>
-          <a:p>
-            <a:r>
-              <a:rPr lang="en-US" dirty="0" smtClean="0"/>
-              <a:t>Run the analysis on each data set</a:t>
-            </a:r>
-          </a:p>
-          <a:p>
-            <a:r>
-              <a:rPr lang="en-US" dirty="0" smtClean="0"/>
-              <a:t>Combine the results to generate robust </a:t>
-            </a:r>
-            <a:r>
-              <a:rPr lang="en-US" smtClean="0"/>
-              <a:t>parameter estimates</a:t>
-            </a:r>
-            <a:endParaRPr lang="en-US"/>
-          </a:p>
-        </p:txBody>
-      </p:sp>
-      <p:sp>
-        <p:nvSpPr>
-          <p:cNvPr id="4" name="TextBox 3"/>
-          <p:cNvSpPr txBox="1"/>
-          <p:nvPr/>
-        </p:nvSpPr>
-        <p:spPr>
-          <a:xfrm>
-            <a:off x="3071218" y="790436"/>
-            <a:ext cx="184666" cy="369332"/>
-          </a:xfrm>
-          <a:prstGeom prst="rect">
-            <a:avLst/>
-          </a:prstGeom>
-          <a:noFill/>
-        </p:spPr>
-        <p:txBody>
-          <a:bodyPr wrap="none" rtlCol="0">
-            <a:spAutoFit/>
-          </a:bodyPr>
+              <a:t>A sequence of random variables in which the distribution of each variable depends on the value of the previous one</a:t>
+            </a:r>
+            <a:r>
+              <a:rPr lang="en-US" baseline="30000" dirty="0" smtClean="0"/>
+              <a:t>1</a:t>
+            </a:r>
+          </a:p>
+          <a:p>
+            <a:r>
+              <a:rPr lang="en-US" dirty="0" smtClean="0"/>
+              <a:t>Used to generate pseudorandom draws from multidimensional probability distribution</a:t>
+            </a:r>
+          </a:p>
+        </p:txBody>
+      </p:sp>
+      <p:sp>
+        <p:nvSpPr>
+          <p:cNvPr id="4" name="Slide Number Placeholder 3"/>
+          <p:cNvSpPr>
+            <a:spLocks noGrp="1"/>
+          </p:cNvSpPr>
+          <p:nvPr>
+            <p:ph type="sldNum" sz="quarter" idx="12"/>
+          </p:nvPr>
+        </p:nvSpPr>
+        <p:spPr/>
+        <p:txBody>
+          <a:bodyPr/>
           <a:lstStyle/>
           <a:p>
+            <a:r>
+              <a:rPr lang="en-US" dirty="0" smtClean="0"/>
+              <a:t>1) Yuan (2011) </a:t>
+            </a:r>
             <a:endParaRPr lang="en-US" dirty="0"/>
           </a:p>
         </p:txBody>
@@ -8371,7 +7882,7 @@
     </p:spTree>
     <p:extLst>
       <p:ext uri="{BB962C8B-B14F-4D97-AF65-F5344CB8AC3E}">
-        <p14:creationId xmlns:p14="http://schemas.microsoft.com/office/powerpoint/2010/main" val="3441621826"/>
+        <p14:creationId xmlns:p14="http://schemas.microsoft.com/office/powerpoint/2010/main" val="110834609"/>
       </p:ext>
     </p:extLst>
   </p:cSld>
@@ -8415,6 +7926,310 @@
           <a:p>
             <a:r>
               <a:rPr lang="en-US" dirty="0" smtClean="0"/>
+              <a:t>Markov Chain Monte Carlo</a:t>
+            </a:r>
+            <a:endParaRPr lang="en-US" dirty="0"/>
+          </a:p>
+        </p:txBody>
+      </p:sp>
+      <p:sp>
+        <p:nvSpPr>
+          <p:cNvPr id="3" name="Content Placeholder 2"/>
+          <p:cNvSpPr>
+            <a:spLocks noGrp="1"/>
+          </p:cNvSpPr>
+          <p:nvPr>
+            <p:ph idx="1"/>
+          </p:nvPr>
+        </p:nvSpPr>
+        <p:spPr/>
+        <p:txBody>
+          <a:bodyPr/>
+          <a:lstStyle/>
+          <a:p>
+            <a:r>
+              <a:rPr lang="en-US" dirty="0" smtClean="0"/>
+              <a:t>Imputation Step</a:t>
+            </a:r>
+          </a:p>
+          <a:p>
+            <a:pPr lvl="1"/>
+            <a:r>
+              <a:rPr lang="en-US" dirty="0" smtClean="0"/>
+              <a:t>Use an estimated mean and covariance to randomly draw values for missing variables</a:t>
+            </a:r>
+          </a:p>
+          <a:p>
+            <a:pPr lvl="2"/>
+            <a:r>
+              <a:rPr lang="en-US" dirty="0" smtClean="0"/>
+              <a:t>Draw from a conditional distribution built upon the observed variables</a:t>
+            </a:r>
+          </a:p>
+          <a:p>
+            <a:pPr lvl="2"/>
+            <a:r>
+              <a:rPr lang="en-US" dirty="0" err="1" smtClean="0"/>
+              <a:t>Jeffreys</a:t>
+            </a:r>
+            <a:r>
+              <a:rPr lang="en-US" dirty="0" smtClean="0"/>
+              <a:t> </a:t>
+            </a:r>
+            <a:r>
+              <a:rPr lang="en-US" dirty="0" smtClean="0"/>
+              <a:t>prior = use the information we have available. </a:t>
+            </a:r>
+          </a:p>
+          <a:p>
+            <a:pPr lvl="1"/>
+            <a:endParaRPr lang="en-US" dirty="0"/>
+          </a:p>
+        </p:txBody>
+      </p:sp>
+    </p:spTree>
+    <p:extLst>
+      <p:ext uri="{BB962C8B-B14F-4D97-AF65-F5344CB8AC3E}">
+        <p14:creationId xmlns:p14="http://schemas.microsoft.com/office/powerpoint/2010/main" val="1344428891"/>
+      </p:ext>
+    </p:extLst>
+  </p:cSld>
+  <p:clrMapOvr>
+    <a:masterClrMapping/>
+  </p:clrMapOvr>
+</p:sld>
+</file>
+
+<file path=ppt/slides/slide25.xml><?xml version="1.0" encoding="utf-8"?>
+<p:sld xmlns:a="http://schemas.openxmlformats.org/drawingml/2006/main" xmlns:r="http://schemas.openxmlformats.org/officeDocument/2006/relationships" xmlns:p="http://schemas.openxmlformats.org/presentationml/2006/main">
+  <p:cSld>
+    <p:spTree>
+      <p:nvGrpSpPr>
+        <p:cNvPr id="1" name=""/>
+        <p:cNvGrpSpPr/>
+        <p:nvPr/>
+      </p:nvGrpSpPr>
+      <p:grpSpPr>
+        <a:xfrm>
+          <a:off x="0" y="0"/>
+          <a:ext cx="0" cy="0"/>
+          <a:chOff x="0" y="0"/>
+          <a:chExt cx="0" cy="0"/>
+        </a:xfrm>
+      </p:grpSpPr>
+      <p:sp>
+        <p:nvSpPr>
+          <p:cNvPr id="2" name="Title 1"/>
+          <p:cNvSpPr>
+            <a:spLocks noGrp="1"/>
+          </p:cNvSpPr>
+          <p:nvPr>
+            <p:ph type="title"/>
+          </p:nvPr>
+        </p:nvSpPr>
+        <p:spPr/>
+        <p:txBody>
+          <a:bodyPr/>
+          <a:lstStyle/>
+          <a:p>
+            <a:r>
+              <a:rPr lang="en-US" dirty="0" smtClean="0"/>
+              <a:t>Markov Chain Monte Carlo</a:t>
+            </a:r>
+            <a:endParaRPr lang="en-US" dirty="0"/>
+          </a:p>
+        </p:txBody>
+      </p:sp>
+      <p:sp>
+        <p:nvSpPr>
+          <p:cNvPr id="3" name="Content Placeholder 2"/>
+          <p:cNvSpPr>
+            <a:spLocks noGrp="1"/>
+          </p:cNvSpPr>
+          <p:nvPr>
+            <p:ph idx="1"/>
+          </p:nvPr>
+        </p:nvSpPr>
+        <p:spPr/>
+        <p:txBody>
+          <a:bodyPr/>
+          <a:lstStyle/>
+          <a:p>
+            <a:r>
+              <a:rPr lang="en-US" dirty="0" smtClean="0"/>
+              <a:t>Posterior Step</a:t>
+            </a:r>
+          </a:p>
+          <a:p>
+            <a:pPr lvl="1"/>
+            <a:r>
+              <a:rPr lang="en-US" dirty="0" smtClean="0"/>
+              <a:t>Update the mean vector and covariance matrix based upon the imputed values. </a:t>
+            </a:r>
+          </a:p>
+          <a:p>
+            <a:pPr lvl="1"/>
+            <a:r>
+              <a:rPr lang="en-US" dirty="0" smtClean="0"/>
+              <a:t>Given parameter estimate Φ</a:t>
+            </a:r>
+            <a:r>
+              <a:rPr lang="en-US" baseline="30000" dirty="0" smtClean="0"/>
+              <a:t>(t) </a:t>
+            </a:r>
+            <a:r>
+              <a:rPr lang="en-US" dirty="0" smtClean="0"/>
+              <a:t>at the t</a:t>
+            </a:r>
+            <a:r>
+              <a:rPr lang="en-US" i="1" baseline="30000" dirty="0" smtClean="0"/>
+              <a:t>th</a:t>
+            </a:r>
+            <a:r>
+              <a:rPr lang="en-US" baseline="30000" dirty="0" smtClean="0"/>
+              <a:t> </a:t>
+            </a:r>
+            <a:r>
+              <a:rPr lang="en-US" dirty="0" smtClean="0"/>
+              <a:t>iteration, the I-step draws Y</a:t>
+            </a:r>
+            <a:r>
+              <a:rPr lang="en-US" i="1" baseline="-25000" dirty="0" smtClean="0"/>
+              <a:t>mis</a:t>
+            </a:r>
+            <a:r>
+              <a:rPr lang="en-US" baseline="30000" dirty="0" smtClean="0"/>
+              <a:t>(t+1)</a:t>
+            </a:r>
+            <a:r>
+              <a:rPr lang="en-US" dirty="0" smtClean="0"/>
+              <a:t> from p(Y</a:t>
+            </a:r>
+            <a:r>
+              <a:rPr lang="en-US" i="1" baseline="-25000" dirty="0" smtClean="0"/>
+              <a:t>mis</a:t>
+            </a:r>
+            <a:r>
+              <a:rPr lang="en-US" dirty="0" smtClean="0"/>
+              <a:t>|Y</a:t>
+            </a:r>
+            <a:r>
+              <a:rPr lang="en-US" i="1" baseline="-25000" dirty="0" smtClean="0"/>
+              <a:t>obs</a:t>
+            </a:r>
+            <a:r>
+              <a:rPr lang="en-US" dirty="0" smtClean="0"/>
+              <a:t>Φ</a:t>
+            </a:r>
+            <a:r>
+              <a:rPr lang="en-US" baseline="30000" dirty="0" smtClean="0"/>
+              <a:t>(t)</a:t>
+            </a:r>
+            <a:r>
+              <a:rPr lang="en-US" dirty="0" smtClean="0"/>
+              <a:t>)</a:t>
+            </a:r>
+          </a:p>
+          <a:p>
+            <a:pPr lvl="1"/>
+            <a:r>
+              <a:rPr lang="en-US" dirty="0" smtClean="0"/>
+              <a:t>The P-step draws Φ</a:t>
+            </a:r>
+            <a:r>
+              <a:rPr lang="en-US" baseline="30000" dirty="0" smtClean="0"/>
+              <a:t>(t+1) </a:t>
+            </a:r>
+            <a:r>
+              <a:rPr lang="en-US" dirty="0" smtClean="0"/>
+              <a:t>from p(</a:t>
+            </a:r>
+            <a:r>
+              <a:rPr lang="en-US" dirty="0" err="1" smtClean="0"/>
+              <a:t>Φ|Y</a:t>
+            </a:r>
+            <a:r>
+              <a:rPr lang="en-US" baseline="-25000" dirty="0" err="1" smtClean="0"/>
+              <a:t>obs</a:t>
+            </a:r>
+            <a:r>
+              <a:rPr lang="en-US" baseline="-25000" dirty="0" smtClean="0"/>
+              <a:t> </a:t>
+            </a:r>
+            <a:r>
+              <a:rPr lang="en-US" dirty="0" smtClean="0"/>
+              <a:t>, </a:t>
+            </a:r>
+            <a:r>
+              <a:rPr lang="en-US" dirty="0" err="1" smtClean="0"/>
+              <a:t>Y</a:t>
+            </a:r>
+            <a:r>
+              <a:rPr lang="en-US" baseline="-25000" dirty="0" err="1" smtClean="0"/>
+              <a:t>miss</a:t>
+            </a:r>
+            <a:r>
+              <a:rPr lang="en-US" baseline="30000" dirty="0" smtClean="0"/>
+              <a:t>(t+1)</a:t>
+            </a:r>
+            <a:r>
+              <a:rPr lang="en-US" dirty="0" smtClean="0"/>
+              <a:t>)</a:t>
+            </a:r>
+          </a:p>
+          <a:p>
+            <a:pPr lvl="1"/>
+            <a:endParaRPr lang="en-US" dirty="0"/>
+          </a:p>
+        </p:txBody>
+      </p:sp>
+    </p:spTree>
+    <p:extLst>
+      <p:ext uri="{BB962C8B-B14F-4D97-AF65-F5344CB8AC3E}">
+        <p14:creationId xmlns:p14="http://schemas.microsoft.com/office/powerpoint/2010/main" val="3431665348"/>
+      </p:ext>
+    </p:extLst>
+  </p:cSld>
+  <p:clrMapOvr>
+    <a:masterClrMapping/>
+  </p:clrMapOvr>
+</p:sld>
+</file>
+
+<file path=ppt/slides/slide26.xml><?xml version="1.0" encoding="utf-8"?>
+<p:sld xmlns:a="http://schemas.openxmlformats.org/drawingml/2006/main" xmlns:r="http://schemas.openxmlformats.org/officeDocument/2006/relationships" xmlns:p="http://schemas.openxmlformats.org/presentationml/2006/main">
+  <p:cSld>
+    <p:spTree>
+      <p:nvGrpSpPr>
+        <p:cNvPr id="1" name=""/>
+        <p:cNvGrpSpPr/>
+        <p:nvPr/>
+      </p:nvGrpSpPr>
+      <p:grpSpPr>
+        <a:xfrm>
+          <a:off x="0" y="0"/>
+          <a:ext cx="0" cy="0"/>
+          <a:chOff x="0" y="0"/>
+          <a:chExt cx="0" cy="0"/>
+        </a:xfrm>
+      </p:grpSpPr>
+      <p:sp>
+        <p:nvSpPr>
+          <p:cNvPr id="2" name="Title 1"/>
+          <p:cNvSpPr>
+            <a:spLocks noGrp="1"/>
+          </p:cNvSpPr>
+          <p:nvPr>
+            <p:ph type="title"/>
+          </p:nvPr>
+        </p:nvSpPr>
+        <p:spPr/>
+        <p:txBody>
+          <a:bodyPr/>
+          <a:lstStyle/>
+          <a:p>
+            <a:r>
+              <a:rPr lang="en-US" dirty="0" smtClean="0"/>
               <a:t>References</a:t>
             </a:r>
             <a:endParaRPr lang="en-US" dirty="0"/>
@@ -8469,11 +8284,7 @@
             </a:r>
             <a:r>
               <a:rPr lang="en-US" sz="1400" dirty="0" smtClean="0"/>
-              <a:t>Boca Raton, FL: Chapman &amp; Hall</a:t>
-            </a:r>
-            <a:r>
-              <a:rPr lang="en-US" sz="1400" dirty="0" smtClean="0"/>
-              <a:t>.</a:t>
+              <a:t>Boca Raton, FL: Chapman &amp; Hall.</a:t>
             </a:r>
           </a:p>
           <a:p>
@@ -8597,6 +8408,12 @@
             </a:r>
           </a:p>
           <a:p>
+            <a:pPr marL="457200" lvl="1" indent="0">
+              <a:buNone/>
+            </a:pPr>
+            <a:endParaRPr lang="en-US" dirty="0" smtClean="0"/>
+          </a:p>
+          <a:p>
             <a:pPr lvl="1"/>
             <a:r>
               <a:rPr lang="en-US" dirty="0" smtClean="0"/>
@@ -8633,7 +8450,7 @@
   <p:timing>
     <p:tnLst>
       <p:par>
-        <p:cTn xmlns:p14="http://schemas.microsoft.com/office/powerpoint/2010/main" id="1" dur="indefinite" restart="never" nodeType="tmRoot"/>
+        <p:cTn id="1" dur="indefinite" restart="never" nodeType="tmRoot"/>
       </p:par>
     </p:tnLst>
   </p:timing>
@@ -8740,7 +8557,7 @@
   <p:timing>
     <p:tnLst>
       <p:par>
-        <p:cTn xmlns:p14="http://schemas.microsoft.com/office/powerpoint/2010/main" id="1" dur="indefinite" restart="never" nodeType="tmRoot"/>
+        <p:cTn id="1" dur="indefinite" restart="never" nodeType="tmRoot"/>
       </p:par>
     </p:tnLst>
   </p:timing>
@@ -8781,7 +8598,7 @@
           <a:p>
             <a:r>
               <a:rPr lang="en-US" dirty="0" smtClean="0"/>
-              <a:t>Missing Data</a:t>
+              <a:t>Data Imputation</a:t>
             </a:r>
             <a:endParaRPr lang="en-US" dirty="0"/>
           </a:p>
@@ -8804,63 +8621,83 @@
           <a:p>
             <a:r>
               <a:rPr lang="en-US" dirty="0" smtClean="0"/>
-              <a:t>Proc MI</a:t>
+              <a:t>I Step</a:t>
             </a:r>
           </a:p>
           <a:p>
             <a:pPr lvl="1"/>
             <a:r>
               <a:rPr lang="en-US" dirty="0" smtClean="0"/>
-              <a:t>MCMC</a:t>
-            </a:r>
+              <a:t>Using an estimated mean vector and covariance matrix </a:t>
+            </a:r>
+          </a:p>
+          <a:p>
+            <a:pPr lvl="2"/>
+            <a:r>
+              <a:rPr lang="en-US" dirty="0" smtClean="0"/>
+              <a:t>Calculated typically through </a:t>
+            </a:r>
+            <a:r>
+              <a:rPr lang="en-US" dirty="0" err="1" smtClean="0"/>
+              <a:t>Em</a:t>
+            </a:r>
+            <a:endParaRPr lang="en-US" dirty="0" smtClean="0"/>
           </a:p>
           <a:p>
             <a:pPr lvl="1"/>
             <a:r>
               <a:rPr lang="en-US" dirty="0" smtClean="0"/>
-              <a:t>Stands for Markov Chain Monte Carlo (</a:t>
+              <a:t>Simulate the missing values for each observation independently</a:t>
+            </a:r>
+          </a:p>
+          <a:p>
+            <a:pPr lvl="2"/>
+            <a:r>
+              <a:rPr lang="en-US" dirty="0" smtClean="0"/>
+              <a:t>Draw Y(</a:t>
             </a:r>
             <a:r>
               <a:rPr lang="en-US" dirty="0" err="1" smtClean="0"/>
-              <a:t>Jackman</a:t>
-            </a:r>
-            <a:r>
-              <a:rPr lang="en-US" dirty="0" smtClean="0"/>
-              <a:t>, 2000) </a:t>
-            </a:r>
-          </a:p>
-          <a:p>
-            <a:pPr lvl="2"/>
-            <a:r>
-              <a:rPr lang="en-US" dirty="0" smtClean="0"/>
-              <a:t>Collection of methods for simulating random draws from nonstandard distributions via Markov chains (Schafer, 1997)</a:t>
-            </a:r>
-          </a:p>
-          <a:p>
-            <a:pPr marL="914400" lvl="2" indent="0">
-              <a:buNone/>
-            </a:pPr>
-            <a:endParaRPr lang="en-US" dirty="0"/>
+              <a:t>Mis</a:t>
+            </a:r>
+            <a:r>
+              <a:rPr lang="en-US" dirty="0" smtClean="0"/>
+              <a:t>) from Pr (</a:t>
+            </a:r>
+            <a:r>
+              <a:rPr lang="en-US" dirty="0" err="1" smtClean="0"/>
+              <a:t>Y</a:t>
+            </a:r>
+            <a:r>
+              <a:rPr lang="en-US" baseline="-25000" dirty="0" err="1" smtClean="0"/>
+              <a:t>mis</a:t>
+            </a:r>
+            <a:r>
+              <a:rPr lang="en-US" dirty="0" err="1" smtClean="0"/>
+              <a:t>|Y</a:t>
+            </a:r>
+            <a:r>
+              <a:rPr lang="en-US" baseline="-25000" dirty="0" err="1" smtClean="0"/>
+              <a:t>obs</a:t>
+            </a:r>
+            <a:r>
+              <a:rPr lang="en-US" dirty="0" smtClean="0"/>
+              <a:t>)</a:t>
+            </a:r>
+            <a:endParaRPr lang="en-US" baseline="-25000" dirty="0"/>
           </a:p>
         </p:txBody>
       </p:sp>
     </p:spTree>
     <p:extLst>
       <p:ext uri="{BB962C8B-B14F-4D97-AF65-F5344CB8AC3E}">
-        <p14:creationId xmlns:p14="http://schemas.microsoft.com/office/powerpoint/2010/main" val="2047689373"/>
+        <p14:creationId xmlns:p14="http://schemas.microsoft.com/office/powerpoint/2010/main" val="1915200588"/>
       </p:ext>
     </p:extLst>
   </p:cSld>
   <p:clrMapOvr>
     <a:masterClrMapping/>
   </p:clrMapOvr>
-  <p:timing>
-    <p:tnLst>
-      <p:par>
-        <p:cTn xmlns:p14="http://schemas.microsoft.com/office/powerpoint/2010/main" id="1" dur="indefinite" restart="never" nodeType="tmRoot"/>
-      </p:par>
-    </p:tnLst>
-  </p:timing>
 </p:sld>
 </file>
 
@@ -8898,7 +8735,7 @@
           <a:p>
             <a:r>
               <a:rPr lang="en-US" dirty="0" smtClean="0"/>
-              <a:t>Markov Chain</a:t>
+              <a:t>P Step</a:t>
             </a:r>
             <a:endParaRPr lang="en-US" dirty="0"/>
           </a:p>
@@ -8921,39 +8758,13 @@
           <a:p>
             <a:r>
               <a:rPr lang="en-US" dirty="0" smtClean="0"/>
-              <a:t>A sequence of random variables in which the distribution of each variable depends on the value of the previous one</a:t>
-            </a:r>
-            <a:r>
-              <a:rPr lang="en-US" baseline="30000" dirty="0" smtClean="0"/>
-              <a:t>1</a:t>
-            </a:r>
-          </a:p>
-          <a:p>
-            <a:r>
-              <a:rPr lang="en-US" dirty="0" smtClean="0"/>
-              <a:t>Used to generate pseudorandom draws from multidimensional probability distribution</a:t>
-            </a:r>
-          </a:p>
-        </p:txBody>
-      </p:sp>
-      <p:sp>
-        <p:nvSpPr>
-          <p:cNvPr id="4" name="Slide Number Placeholder 3"/>
-          <p:cNvSpPr>
-            <a:spLocks noGrp="1"/>
-          </p:cNvSpPr>
-          <p:nvPr>
-            <p:ph type="sldNum" sz="quarter" idx="12"/>
-          </p:nvPr>
-        </p:nvSpPr>
-        <p:spPr/>
-        <p:txBody>
-          <a:bodyPr/>
-          <a:lstStyle/>
-          <a:p>
-            <a:r>
-              <a:rPr lang="en-US" dirty="0" smtClean="0"/>
-              <a:t>1) Yuan (2011) </a:t>
+              <a:t>Simulate posterior population mean vector and covariance matrix from complete sample</a:t>
+            </a:r>
+          </a:p>
+          <a:p>
+            <a:r>
+              <a:rPr lang="en-US" dirty="0" smtClean="0"/>
+              <a:t>Then use these new mean vector and covariance matrices to repeat the I step</a:t>
             </a:r>
             <a:endParaRPr lang="en-US" dirty="0"/>
           </a:p>
@@ -8962,7 +8773,7 @@
     </p:spTree>
     <p:extLst>
       <p:ext uri="{BB962C8B-B14F-4D97-AF65-F5344CB8AC3E}">
-        <p14:creationId xmlns:p14="http://schemas.microsoft.com/office/powerpoint/2010/main" val="110834609"/>
+        <p14:creationId xmlns:p14="http://schemas.microsoft.com/office/powerpoint/2010/main" val="2651394451"/>
       </p:ext>
     </p:extLst>
   </p:cSld>
@@ -9029,32 +8840,165 @@
           <a:p>
             <a:r>
               <a:rPr lang="en-US" dirty="0" smtClean="0"/>
-              <a:t>Imputation Step</a:t>
+              <a:t>Sequence of imputation and parameter steps</a:t>
             </a:r>
           </a:p>
           <a:p>
             <a:pPr lvl="1"/>
             <a:r>
               <a:rPr lang="en-US" dirty="0" smtClean="0"/>
-              <a:t>Use an estimated mean and covariance to randomly draw values for missing variables</a:t>
-            </a:r>
-          </a:p>
-          <a:p>
-            <a:pPr lvl="2"/>
-            <a:r>
-              <a:rPr lang="en-US" dirty="0" smtClean="0"/>
-              <a:t>Draw from a conditional distribution built upon the observed variables</a:t>
-            </a:r>
-          </a:p>
-          <a:p>
-            <a:pPr lvl="2"/>
-            <a:r>
-              <a:rPr lang="en-US" dirty="0" smtClean="0"/>
-              <a:t>Jeffrey’s prior = use the information we have available. </a:t>
+              <a:t>Draw values of Y</a:t>
             </a:r>
           </a:p>
           <a:p>
             <a:pPr lvl="1"/>
+            <a:r>
+              <a:rPr lang="en-US" dirty="0" smtClean="0"/>
+              <a:t>Use the values to update parameter estimates</a:t>
+            </a:r>
+          </a:p>
+          <a:p>
+            <a:r>
+              <a:rPr lang="en-US" dirty="0" smtClean="0"/>
+              <a:t>Y</a:t>
+            </a:r>
+            <a:r>
+              <a:rPr lang="en-US" baseline="30000" dirty="0" smtClean="0"/>
+              <a:t>*</a:t>
+            </a:r>
+            <a:r>
+              <a:rPr lang="en-US" baseline="-25000" dirty="0" smtClean="0"/>
+              <a:t>1</a:t>
+            </a:r>
+            <a:r>
+              <a:rPr lang="en-US" dirty="0" smtClean="0"/>
+              <a:t>, </a:t>
+            </a:r>
+            <a:r>
+              <a:rPr lang="en-US" dirty="0" err="1" smtClean="0"/>
+              <a:t>Φ</a:t>
+            </a:r>
+            <a:r>
+              <a:rPr lang="en-US" baseline="30000" dirty="0" smtClean="0"/>
+              <a:t>*</a:t>
+            </a:r>
+            <a:r>
+              <a:rPr lang="en-US" baseline="-25000" dirty="0" smtClean="0"/>
+              <a:t>1</a:t>
+            </a:r>
+            <a:r>
+              <a:rPr lang="en-US" dirty="0" smtClean="0"/>
+              <a:t>, Y</a:t>
+            </a:r>
+            <a:r>
+              <a:rPr lang="en-US" baseline="30000" dirty="0" smtClean="0"/>
+              <a:t>*</a:t>
+            </a:r>
+            <a:r>
+              <a:rPr lang="en-US" baseline="-25000" dirty="0" smtClean="0"/>
+              <a:t>2</a:t>
+            </a:r>
+            <a:r>
+              <a:rPr lang="en-US" dirty="0" smtClean="0"/>
+              <a:t>, </a:t>
+            </a:r>
+            <a:r>
+              <a:rPr lang="en-US" dirty="0" err="1" smtClean="0"/>
+              <a:t>Φ</a:t>
+            </a:r>
+            <a:r>
+              <a:rPr lang="en-US" baseline="30000" dirty="0" smtClean="0"/>
+              <a:t>*</a:t>
+            </a:r>
+            <a:r>
+              <a:rPr lang="en-US" baseline="-25000" dirty="0" smtClean="0"/>
+              <a:t>2</a:t>
+            </a:r>
+            <a:r>
+              <a:rPr lang="en-US" dirty="0" smtClean="0"/>
+              <a:t>, Y</a:t>
+            </a:r>
+            <a:r>
+              <a:rPr lang="en-US" baseline="30000" dirty="0" smtClean="0"/>
+              <a:t>*</a:t>
+            </a:r>
+            <a:r>
+              <a:rPr lang="en-US" baseline="-25000" dirty="0" smtClean="0"/>
+              <a:t>3</a:t>
+            </a:r>
+            <a:r>
+              <a:rPr lang="en-US" dirty="0" smtClean="0"/>
+              <a:t>, </a:t>
+            </a:r>
+            <a:r>
+              <a:rPr lang="en-US" dirty="0" err="1" smtClean="0"/>
+              <a:t>Φ</a:t>
+            </a:r>
+            <a:r>
+              <a:rPr lang="en-US" baseline="30000" dirty="0" smtClean="0"/>
+              <a:t>*</a:t>
+            </a:r>
+            <a:r>
+              <a:rPr lang="en-US" baseline="-25000" dirty="0" smtClean="0"/>
+              <a:t>3</a:t>
+            </a:r>
+            <a:r>
+              <a:rPr lang="en-US" dirty="0" smtClean="0"/>
+              <a:t>….</a:t>
+            </a:r>
+          </a:p>
+          <a:p>
+            <a:pPr lvl="1"/>
+            <a:r>
+              <a:rPr lang="en-US" dirty="0" smtClean="0"/>
+              <a:t>Continue until the values between Φ</a:t>
+            </a:r>
+            <a:r>
+              <a:rPr lang="en-US" baseline="-25000" dirty="0" smtClean="0"/>
+              <a:t>1</a:t>
+            </a:r>
+            <a:r>
+              <a:rPr lang="en-US" dirty="0" smtClean="0"/>
+              <a:t> and </a:t>
+            </a:r>
+            <a:r>
+              <a:rPr lang="en-US" dirty="0" err="1" smtClean="0"/>
+              <a:t>Φ</a:t>
+            </a:r>
+            <a:r>
+              <a:rPr lang="en-US" baseline="-25000" dirty="0" err="1" smtClean="0"/>
+              <a:t>k</a:t>
+            </a:r>
+            <a:r>
+              <a:rPr lang="en-US" dirty="0" smtClean="0"/>
+              <a:t> are independent.</a:t>
+            </a:r>
+          </a:p>
+          <a:p>
+            <a:pPr lvl="1"/>
+            <a:r>
+              <a:rPr lang="en-US" dirty="0" smtClean="0"/>
+              <a:t>Burn in iterations</a:t>
+            </a:r>
+          </a:p>
+          <a:p>
+            <a:pPr lvl="1"/>
+            <a:r>
+              <a:rPr lang="en-US" dirty="0" smtClean="0"/>
+              <a:t>Simple </a:t>
+            </a:r>
+            <a:r>
+              <a:rPr lang="en-US" dirty="0" err="1" smtClean="0"/>
+              <a:t>vs</a:t>
+            </a:r>
+            <a:r>
+              <a:rPr lang="en-US" dirty="0" smtClean="0"/>
+              <a:t> </a:t>
+            </a:r>
+            <a:r>
+              <a:rPr lang="en-US" smtClean="0"/>
+              <a:t>multiple chains</a:t>
+            </a:r>
             <a:endParaRPr lang="en-US" dirty="0"/>
           </a:p>
         </p:txBody>
@@ -9062,7 +9006,7 @@
     </p:spTree>
     <p:extLst>
       <p:ext uri="{BB962C8B-B14F-4D97-AF65-F5344CB8AC3E}">
-        <p14:creationId xmlns:p14="http://schemas.microsoft.com/office/powerpoint/2010/main" val="1344428891"/>
+        <p14:creationId xmlns:p14="http://schemas.microsoft.com/office/powerpoint/2010/main" val="3489439306"/>
       </p:ext>
     </p:extLst>
   </p:cSld>
@@ -9106,7 +9050,7 @@
           <a:p>
             <a:r>
               <a:rPr lang="en-US" dirty="0" smtClean="0"/>
-              <a:t>Markov Chain Monte Carlo</a:t>
+              <a:t>Data Set</a:t>
             </a:r>
             <a:endParaRPr lang="en-US" dirty="0"/>
           </a:p>
@@ -9124,133 +9068,200 @@
         </p:nvSpPr>
         <p:spPr/>
         <p:txBody>
-          <a:bodyPr/>
+          <a:bodyPr>
+            <a:normAutofit fontScale="25000" lnSpcReduction="20000"/>
+          </a:bodyPr>
           <a:lstStyle/>
           <a:p>
             <a:r>
-              <a:rPr lang="en-US" dirty="0" smtClean="0"/>
-              <a:t>Posterior Step</a:t>
-            </a:r>
-          </a:p>
-          <a:p>
-            <a:pPr lvl="1"/>
-            <a:r>
-              <a:rPr lang="en-US" dirty="0" smtClean="0"/>
-              <a:t>Update the mean vector and covariance matrix based upon the imputed values. </a:t>
-            </a:r>
-          </a:p>
-          <a:p>
-            <a:pPr lvl="1"/>
-            <a:r>
-              <a:rPr lang="en-US" dirty="0" smtClean="0"/>
-              <a:t>Given parameter estimate Φ</a:t>
-            </a:r>
-            <a:r>
-              <a:rPr lang="en-US" baseline="30000" dirty="0" smtClean="0"/>
-              <a:t>(t) </a:t>
-            </a:r>
-            <a:r>
-              <a:rPr lang="en-US" dirty="0" smtClean="0"/>
-              <a:t>at the t</a:t>
-            </a:r>
-            <a:r>
-              <a:rPr lang="en-US" i="1" baseline="30000" dirty="0" smtClean="0"/>
-              <a:t>th</a:t>
-            </a:r>
-            <a:r>
-              <a:rPr lang="en-US" baseline="30000" dirty="0" smtClean="0"/>
-              <a:t> </a:t>
-            </a:r>
-            <a:r>
-              <a:rPr lang="en-US" dirty="0" smtClean="0"/>
-              <a:t>iteration, the I-step draws Y</a:t>
-            </a:r>
-            <a:r>
-              <a:rPr lang="en-US" i="1" baseline="-25000" dirty="0" smtClean="0"/>
-              <a:t>mis</a:t>
-            </a:r>
-            <a:r>
-              <a:rPr lang="en-US" baseline="30000" dirty="0" smtClean="0"/>
-              <a:t>(t+1)</a:t>
-            </a:r>
-            <a:r>
-              <a:rPr lang="en-US" dirty="0" smtClean="0"/>
-              <a:t> from p(Y</a:t>
-            </a:r>
-            <a:r>
-              <a:rPr lang="en-US" i="1" baseline="-25000" dirty="0" smtClean="0"/>
-              <a:t>mis</a:t>
-            </a:r>
-            <a:r>
-              <a:rPr lang="en-US" dirty="0" smtClean="0"/>
-              <a:t>|Y</a:t>
-            </a:r>
-            <a:r>
-              <a:rPr lang="en-US" i="1" baseline="-25000" dirty="0" smtClean="0"/>
-              <a:t>obs</a:t>
-            </a:r>
-            <a:r>
-              <a:rPr lang="en-US" dirty="0" smtClean="0"/>
-              <a:t>Φ</a:t>
-            </a:r>
-            <a:r>
-              <a:rPr lang="en-US" baseline="30000" dirty="0" smtClean="0"/>
-              <a:t>(t)</a:t>
-            </a:r>
-            <a:r>
-              <a:rPr lang="en-US" dirty="0" smtClean="0"/>
-              <a:t>)</a:t>
-            </a:r>
-          </a:p>
-          <a:p>
-            <a:pPr lvl="1"/>
-            <a:r>
-              <a:rPr lang="en-US" dirty="0" smtClean="0"/>
-              <a:t>The P-step draws Φ</a:t>
-            </a:r>
-            <a:r>
-              <a:rPr lang="en-US" baseline="30000" dirty="0" smtClean="0"/>
-              <a:t>(t+1) </a:t>
-            </a:r>
-            <a:r>
-              <a:rPr lang="en-US" dirty="0" smtClean="0"/>
-              <a:t>from p(</a:t>
-            </a:r>
-            <a:r>
-              <a:rPr lang="en-US" dirty="0" err="1" smtClean="0"/>
-              <a:t>Φ|Y</a:t>
-            </a:r>
-            <a:r>
-              <a:rPr lang="en-US" baseline="-25000" dirty="0" err="1" smtClean="0"/>
-              <a:t>obs</a:t>
-            </a:r>
-            <a:r>
-              <a:rPr lang="en-US" baseline="-25000" dirty="0" smtClean="0"/>
-              <a:t> </a:t>
-            </a:r>
-            <a:r>
-              <a:rPr lang="en-US" dirty="0" smtClean="0"/>
-              <a:t>, </a:t>
-            </a:r>
-            <a:r>
-              <a:rPr lang="en-US" dirty="0" err="1" smtClean="0"/>
-              <a:t>Y</a:t>
-            </a:r>
-            <a:r>
-              <a:rPr lang="en-US" baseline="-25000" dirty="0" err="1" smtClean="0"/>
-              <a:t>miss</a:t>
-            </a:r>
-            <a:r>
-              <a:rPr lang="en-US" baseline="30000" dirty="0" smtClean="0"/>
-              <a:t>(t+1)</a:t>
-            </a:r>
-            <a:r>
-              <a:rPr lang="en-US" dirty="0" smtClean="0"/>
-              <a:t>)</a:t>
-            </a:r>
-          </a:p>
-          <a:p>
-            <a:pPr lvl="1"/>
+              <a:rPr lang="en-US" dirty="0"/>
+              <a:t>1 44.609 	11.37 	178 </a:t>
+            </a:r>
+          </a:p>
+          <a:p>
+            <a:r>
+              <a:rPr lang="en-US" dirty="0"/>
+              <a:t>2 54.297 	8.65 	156 </a:t>
+            </a:r>
+          </a:p>
+          <a:p>
+            <a:r>
+              <a:rPr lang="en-US" dirty="0"/>
+              <a:t>3 49.874 	9.22 	. 	</a:t>
+            </a:r>
+          </a:p>
+          <a:p>
+            <a:r>
+              <a:rPr lang="en-US" dirty="0"/>
+              <a:t>4 . 		11.95 	176 </a:t>
+            </a:r>
+          </a:p>
+          <a:p>
+            <a:r>
+              <a:rPr lang="en-US" dirty="0"/>
+              <a:t>5 39.442 	13.08 	174 </a:t>
+            </a:r>
+          </a:p>
+          <a:p>
+            <a:r>
+              <a:rPr lang="en-US" dirty="0"/>
+              <a:t>6 50.541 	. 		. 	</a:t>
+            </a:r>
+          </a:p>
+          <a:p>
+            <a:r>
+              <a:rPr lang="en-US" dirty="0"/>
+              <a:t>7 44.754 	11.12 	176 </a:t>
+            </a:r>
+          </a:p>
+          <a:p>
+            <a:r>
+              <a:rPr lang="en-US" dirty="0"/>
+              <a:t>8 51.855 	10.33 	166 </a:t>
+            </a:r>
+          </a:p>
+          <a:p>
+            <a:r>
+              <a:rPr lang="en-US" dirty="0"/>
+              <a:t>9 40.836 	10.95 	168 </a:t>
+            </a:r>
+          </a:p>
+          <a:p>
+            <a:r>
+              <a:rPr lang="en-US" dirty="0"/>
+              <a:t>10 . 		10.25 	. 	</a:t>
+            </a:r>
+          </a:p>
+          <a:p>
+            <a:r>
+              <a:rPr lang="en-US" dirty="0"/>
+              <a:t>11 39.407 	12.63 	174 </a:t>
+            </a:r>
+          </a:p>
+          <a:p>
+            <a:r>
+              <a:rPr lang="en-US" dirty="0"/>
+              <a:t>12 45.441 	9.63 	164 </a:t>
+            </a:r>
+          </a:p>
+          <a:p>
+            <a:r>
+              <a:rPr lang="en-US" dirty="0"/>
+              <a:t>13 45.118 	11.08 	. 	</a:t>
+            </a:r>
+          </a:p>
+          <a:p>
+            <a:r>
+              <a:rPr lang="en-US" dirty="0"/>
+              <a:t>14 45.790 	10.47 	186 </a:t>
+            </a:r>
+          </a:p>
+          <a:p>
+            <a:r>
+              <a:rPr lang="en-US" dirty="0"/>
+              <a:t>15 48.673 	9.40 	186 </a:t>
+            </a:r>
+          </a:p>
+          <a:p>
+            <a:r>
+              <a:rPr lang="en-US" dirty="0"/>
+              <a:t>16 47.467 	10.50 	170 </a:t>
+            </a:r>
+          </a:p>
+          <a:p>
+            <a:r>
+              <a:rPr lang="en-US" dirty="0"/>
+              <a:t>17 45.313 	10.07 	185 </a:t>
+            </a:r>
+          </a:p>
+          <a:p>
+            <a:r>
+              <a:rPr lang="en-US" dirty="0"/>
+              <a:t>18 59.571 	. 		.   </a:t>
+            </a:r>
+          </a:p>
+          <a:p>
+            <a:r>
+              <a:rPr lang="en-US" dirty="0"/>
+              <a:t>19 44.811 	11.63 	176 </a:t>
+            </a:r>
+          </a:p>
+          <a:p>
+            <a:r>
+              <a:rPr lang="en-US" dirty="0"/>
+              <a:t>20 49.091 	10.85 	.   </a:t>
+            </a:r>
+          </a:p>
+          <a:p>
+            <a:r>
+              <a:rPr lang="en-US" dirty="0"/>
+              <a:t>21 60.055 	8.63 	170 </a:t>
+            </a:r>
+          </a:p>
+          <a:p>
+            <a:r>
+              <a:rPr lang="en-US" dirty="0"/>
+              <a:t>22 37.388 	14.03 	186 </a:t>
+            </a:r>
+          </a:p>
+          <a:p>
+            <a:r>
+              <a:rPr lang="en-US" dirty="0"/>
+              <a:t>23 47.273 	. 		.   </a:t>
+            </a:r>
+          </a:p>
+          <a:p>
+            <a:r>
+              <a:rPr lang="en-US" dirty="0"/>
+              <a:t>24 49.156 	8.95 	180 </a:t>
+            </a:r>
+          </a:p>
+          <a:p>
+            <a:r>
+              <a:rPr lang="en-US" dirty="0"/>
+              <a:t>25 46.672 	10.00 	.   </a:t>
+            </a:r>
+          </a:p>
+          <a:p>
+            <a:r>
+              <a:rPr lang="en-US" dirty="0"/>
+              <a:t>26 50.388 	10.08 	168 </a:t>
+            </a:r>
+          </a:p>
+          <a:p>
+            <a:r>
+              <a:rPr lang="en-US" dirty="0"/>
+              <a:t>27 46.080 	11.17 	156 </a:t>
+            </a:r>
+          </a:p>
+          <a:p>
+            <a:r>
+              <a:rPr lang="en-US" dirty="0"/>
+              <a:t>28 . 		8.92 	146 </a:t>
+            </a:r>
+          </a:p>
+          <a:p>
+            <a:r>
+              <a:rPr lang="en-US" dirty="0"/>
+              <a:t>29 39.203 	12.88 	168 </a:t>
+            </a:r>
+          </a:p>
+          <a:p>
+            <a:r>
+              <a:rPr lang="en-US" dirty="0"/>
+              <a:t>30 50.545 	9.93 	148 </a:t>
+            </a:r>
+          </a:p>
+          <a:p>
+            <a:r>
+              <a:rPr lang="en-US" dirty="0"/>
+              <a:t>31 47.920 	11.50 	170 </a:t>
+            </a:r>
+          </a:p>
+          <a:p>
+            <a:endParaRPr lang="en-US" dirty="0"/>
+          </a:p>
+          <a:p>
             <a:endParaRPr lang="en-US" dirty="0"/>
           </a:p>
         </p:txBody>
@@ -9258,7 +9269,7 @@
     </p:spTree>
     <p:extLst>
       <p:ext uri="{BB962C8B-B14F-4D97-AF65-F5344CB8AC3E}">
-        <p14:creationId xmlns:p14="http://schemas.microsoft.com/office/powerpoint/2010/main" val="3431665348"/>
+        <p14:creationId xmlns:p14="http://schemas.microsoft.com/office/powerpoint/2010/main" val="3455902019"/>
       </p:ext>
     </p:extLst>
   </p:cSld>
@@ -9297,178 +9308,420 @@
         </p:nvSpPr>
         <p:spPr/>
         <p:txBody>
-          <a:bodyPr/>
+          <a:bodyPr>
+            <a:normAutofit fontScale="90000"/>
+          </a:bodyPr>
           <a:lstStyle/>
           <a:p>
             <a:r>
               <a:rPr lang="en-US" dirty="0" smtClean="0"/>
-              <a:t>Markov Chain Monte Carlo</a:t>
+              <a:t>Means for Data Set (After Removing Missing Data)</a:t>
             </a:r>
             <a:endParaRPr lang="en-US" dirty="0"/>
           </a:p>
         </p:txBody>
       </p:sp>
-      <p:sp>
-        <p:nvSpPr>
-          <p:cNvPr id="3" name="Content Placeholder 2"/>
-          <p:cNvSpPr>
-            <a:spLocks noGrp="1"/>
-          </p:cNvSpPr>
+      <p:graphicFrame>
+        <p:nvGraphicFramePr>
+          <p:cNvPr id="4" name="Content Placeholder 3"/>
+          <p:cNvGraphicFramePr>
+            <a:graphicFrameLocks noGrp="1"/>
+          </p:cNvGraphicFramePr>
           <p:nvPr>
             <p:ph idx="1"/>
-          </p:nvPr>
-        </p:nvSpPr>
-        <p:spPr/>
-        <p:txBody>
-          <a:bodyPr/>
-          <a:lstStyle/>
-          <a:p>
-            <a:r>
-              <a:rPr lang="en-US" dirty="0" smtClean="0"/>
-              <a:t>Sequence of imputation and parameter steps</a:t>
-            </a:r>
-          </a:p>
-          <a:p>
-            <a:pPr lvl="1"/>
-            <a:r>
-              <a:rPr lang="en-US" dirty="0" smtClean="0"/>
-              <a:t>Draw values of Y</a:t>
-            </a:r>
-          </a:p>
-          <a:p>
-            <a:pPr lvl="1"/>
-            <a:r>
-              <a:rPr lang="en-US" dirty="0" smtClean="0"/>
-              <a:t>Use the values to update parameter estimates</a:t>
-            </a:r>
-          </a:p>
-          <a:p>
-            <a:r>
-              <a:rPr lang="en-US" dirty="0" smtClean="0"/>
-              <a:t>Y</a:t>
-            </a:r>
-            <a:r>
-              <a:rPr lang="en-US" baseline="30000" dirty="0" smtClean="0"/>
-              <a:t>*</a:t>
-            </a:r>
-            <a:r>
-              <a:rPr lang="en-US" baseline="-25000" dirty="0" smtClean="0"/>
-              <a:t>1</a:t>
-            </a:r>
-            <a:r>
-              <a:rPr lang="en-US" dirty="0" smtClean="0"/>
-              <a:t>, </a:t>
-            </a:r>
-            <a:r>
-              <a:rPr lang="en-US" dirty="0" err="1" smtClean="0"/>
-              <a:t>Φ</a:t>
-            </a:r>
-            <a:r>
-              <a:rPr lang="en-US" baseline="30000" dirty="0" smtClean="0"/>
-              <a:t>*</a:t>
-            </a:r>
-            <a:r>
-              <a:rPr lang="en-US" baseline="-25000" dirty="0" smtClean="0"/>
-              <a:t>1</a:t>
-            </a:r>
-            <a:r>
-              <a:rPr lang="en-US" dirty="0" smtClean="0"/>
-              <a:t>, Y</a:t>
-            </a:r>
-            <a:r>
-              <a:rPr lang="en-US" baseline="30000" dirty="0" smtClean="0"/>
-              <a:t>*</a:t>
-            </a:r>
-            <a:r>
-              <a:rPr lang="en-US" baseline="-25000" dirty="0" smtClean="0"/>
-              <a:t>2</a:t>
-            </a:r>
-            <a:r>
-              <a:rPr lang="en-US" dirty="0" smtClean="0"/>
-              <a:t>, </a:t>
-            </a:r>
-            <a:r>
-              <a:rPr lang="en-US" dirty="0" err="1" smtClean="0"/>
-              <a:t>Φ</a:t>
-            </a:r>
-            <a:r>
-              <a:rPr lang="en-US" baseline="30000" dirty="0" smtClean="0"/>
-              <a:t>*</a:t>
-            </a:r>
-            <a:r>
-              <a:rPr lang="en-US" baseline="-25000" dirty="0" smtClean="0"/>
-              <a:t>2</a:t>
-            </a:r>
-            <a:r>
-              <a:rPr lang="en-US" dirty="0" smtClean="0"/>
-              <a:t>, Y</a:t>
-            </a:r>
-            <a:r>
-              <a:rPr lang="en-US" baseline="30000" dirty="0" smtClean="0"/>
-              <a:t>*</a:t>
-            </a:r>
-            <a:r>
-              <a:rPr lang="en-US" baseline="-25000" dirty="0" smtClean="0"/>
-              <a:t>3</a:t>
-            </a:r>
-            <a:r>
-              <a:rPr lang="en-US" dirty="0" smtClean="0"/>
-              <a:t>, </a:t>
-            </a:r>
-            <a:r>
-              <a:rPr lang="en-US" dirty="0" err="1" smtClean="0"/>
-              <a:t>Φ</a:t>
-            </a:r>
-            <a:r>
-              <a:rPr lang="en-US" baseline="30000" dirty="0" smtClean="0"/>
-              <a:t>*</a:t>
-            </a:r>
-            <a:r>
-              <a:rPr lang="en-US" baseline="-25000" dirty="0" smtClean="0"/>
-              <a:t>3</a:t>
-            </a:r>
-            <a:r>
-              <a:rPr lang="en-US" dirty="0" smtClean="0"/>
-              <a:t>….</a:t>
-            </a:r>
-          </a:p>
-          <a:p>
-            <a:pPr lvl="1"/>
-            <a:r>
-              <a:rPr lang="en-US" dirty="0" smtClean="0"/>
-              <a:t>Continue until the values between Φ</a:t>
-            </a:r>
-            <a:r>
-              <a:rPr lang="en-US" baseline="-25000" dirty="0" smtClean="0"/>
-              <a:t>1</a:t>
-            </a:r>
-            <a:r>
-              <a:rPr lang="en-US" dirty="0" smtClean="0"/>
-              <a:t> and </a:t>
-            </a:r>
-            <a:r>
-              <a:rPr lang="en-US" dirty="0" err="1" smtClean="0"/>
-              <a:t>Φ</a:t>
-            </a:r>
-            <a:r>
-              <a:rPr lang="en-US" baseline="-25000" dirty="0" err="1" smtClean="0"/>
-              <a:t>k</a:t>
-            </a:r>
-            <a:r>
-              <a:rPr lang="en-US" dirty="0" smtClean="0"/>
-              <a:t> are independent.</a:t>
-            </a:r>
-          </a:p>
-          <a:p>
-            <a:pPr lvl="1"/>
-            <a:endParaRPr lang="en-US" dirty="0"/>
-          </a:p>
-        </p:txBody>
-      </p:sp>
+            <p:extLst>
+              <p:ext uri="{D42A27DB-BD31-4B8C-83A1-F6EECF244321}">
+                <p14:modId xmlns:p14="http://schemas.microsoft.com/office/powerpoint/2010/main" val="1164772776"/>
+              </p:ext>
+            </p:extLst>
+          </p:nvPr>
+        </p:nvGraphicFramePr>
+        <p:xfrm>
+          <a:off x="457200" y="2071072"/>
+          <a:ext cx="8229600" cy="1483360"/>
+        </p:xfrm>
+        <a:graphic>
+          <a:graphicData uri="http://schemas.openxmlformats.org/drawingml/2006/table">
+            <a:tbl>
+              <a:tblPr firstRow="1" bandRow="1">
+                <a:tableStyleId>{5C22544A-7EE6-4342-B048-85BDC9FD1C3A}</a:tableStyleId>
+              </a:tblPr>
+              <a:tblGrid>
+                <a:gridCol w="1371600"/>
+                <a:gridCol w="1371600"/>
+                <a:gridCol w="1371600"/>
+                <a:gridCol w="1371600"/>
+                <a:gridCol w="1371600"/>
+                <a:gridCol w="1371600"/>
+              </a:tblGrid>
+              <a:tr h="370840">
+                <a:tc>
+                  <a:txBody>
+                    <a:bodyPr/>
+                    <a:lstStyle/>
+                    <a:p>
+                      <a:r>
+                        <a:rPr lang="en-US" dirty="0" smtClean="0"/>
+                        <a:t>Variable</a:t>
+                      </a:r>
+                      <a:endParaRPr lang="en-US" dirty="0"/>
+                    </a:p>
+                  </a:txBody>
+                  <a:tcPr/>
+                </a:tc>
+                <a:tc>
+                  <a:txBody>
+                    <a:bodyPr/>
+                    <a:lstStyle/>
+                    <a:p>
+                      <a:r>
+                        <a:rPr lang="en-US" dirty="0" smtClean="0"/>
+                        <a:t>N</a:t>
+                      </a:r>
+                      <a:endParaRPr lang="en-US" dirty="0"/>
+                    </a:p>
+                  </a:txBody>
+                  <a:tcPr/>
+                </a:tc>
+                <a:tc>
+                  <a:txBody>
+                    <a:bodyPr/>
+                    <a:lstStyle/>
+                    <a:p>
+                      <a:r>
+                        <a:rPr lang="en-US" dirty="0" smtClean="0"/>
+                        <a:t>Mean</a:t>
+                      </a:r>
+                      <a:endParaRPr lang="en-US" dirty="0"/>
+                    </a:p>
+                  </a:txBody>
+                  <a:tcPr/>
+                </a:tc>
+                <a:tc>
+                  <a:txBody>
+                    <a:bodyPr/>
+                    <a:lstStyle/>
+                    <a:p>
+                      <a:r>
+                        <a:rPr lang="en-US" dirty="0" err="1" smtClean="0"/>
+                        <a:t>Std</a:t>
+                      </a:r>
+                      <a:r>
+                        <a:rPr lang="en-US" dirty="0" smtClean="0"/>
+                        <a:t> </a:t>
+                      </a:r>
+                      <a:r>
+                        <a:rPr lang="en-US" dirty="0" err="1" smtClean="0"/>
+                        <a:t>Dev</a:t>
+                      </a:r>
+                      <a:endParaRPr lang="en-US" dirty="0"/>
+                    </a:p>
+                  </a:txBody>
+                  <a:tcPr/>
+                </a:tc>
+                <a:tc>
+                  <a:txBody>
+                    <a:bodyPr/>
+                    <a:lstStyle/>
+                    <a:p>
+                      <a:r>
+                        <a:rPr lang="en-US" dirty="0" smtClean="0"/>
+                        <a:t>Min</a:t>
+                      </a:r>
+                      <a:endParaRPr lang="en-US" dirty="0"/>
+                    </a:p>
+                  </a:txBody>
+                  <a:tcPr/>
+                </a:tc>
+                <a:tc>
+                  <a:txBody>
+                    <a:bodyPr/>
+                    <a:lstStyle/>
+                    <a:p>
+                      <a:r>
+                        <a:rPr lang="en-US" dirty="0" smtClean="0"/>
+                        <a:t>Max</a:t>
+                      </a:r>
+                      <a:endParaRPr lang="en-US" dirty="0"/>
+                    </a:p>
+                  </a:txBody>
+                  <a:tcPr/>
+                </a:tc>
+              </a:tr>
+              <a:tr h="370840">
+                <a:tc>
+                  <a:txBody>
+                    <a:bodyPr/>
+                    <a:lstStyle/>
+                    <a:p>
+                      <a:r>
+                        <a:rPr lang="en-US" dirty="0" smtClean="0"/>
+                        <a:t>Oxygen</a:t>
+                      </a:r>
+                      <a:endParaRPr lang="en-US" dirty="0"/>
+                    </a:p>
+                  </a:txBody>
+                  <a:tcPr/>
+                </a:tc>
+                <a:tc>
+                  <a:txBody>
+                    <a:bodyPr/>
+                    <a:lstStyle/>
+                    <a:p>
+                      <a:r>
+                        <a:rPr lang="en-US" dirty="0" smtClean="0"/>
+                        <a:t>28</a:t>
+                      </a:r>
+                      <a:endParaRPr lang="en-US" dirty="0"/>
+                    </a:p>
+                  </a:txBody>
+                  <a:tcPr/>
+                </a:tc>
+                <a:tc>
+                  <a:txBody>
+                    <a:bodyPr/>
+                    <a:lstStyle/>
+                    <a:p>
+                      <a:r>
+                        <a:rPr lang="en-US" dirty="0" smtClean="0"/>
+                        <a:t>47.19</a:t>
+                      </a:r>
+                      <a:endParaRPr lang="en-US" dirty="0"/>
+                    </a:p>
+                  </a:txBody>
+                  <a:tcPr/>
+                </a:tc>
+                <a:tc>
+                  <a:txBody>
+                    <a:bodyPr/>
+                    <a:lstStyle/>
+                    <a:p>
+                      <a:r>
+                        <a:rPr lang="en-US" dirty="0" smtClean="0"/>
+                        <a:t>5.42</a:t>
+                      </a:r>
+                      <a:endParaRPr lang="en-US" dirty="0"/>
+                    </a:p>
+                  </a:txBody>
+                  <a:tcPr/>
+                </a:tc>
+                <a:tc>
+                  <a:txBody>
+                    <a:bodyPr/>
+                    <a:lstStyle/>
+                    <a:p>
+                      <a:r>
+                        <a:rPr lang="en-US" dirty="0" smtClean="0"/>
+                        <a:t>37.38</a:t>
+                      </a:r>
+                      <a:endParaRPr lang="en-US" dirty="0"/>
+                    </a:p>
+                  </a:txBody>
+                  <a:tcPr/>
+                </a:tc>
+                <a:tc>
+                  <a:txBody>
+                    <a:bodyPr/>
+                    <a:lstStyle/>
+                    <a:p>
+                      <a:r>
+                        <a:rPr lang="en-US" dirty="0" smtClean="0"/>
+                        <a:t>60.05</a:t>
+                      </a:r>
+                      <a:endParaRPr lang="en-US" dirty="0"/>
+                    </a:p>
+                  </a:txBody>
+                  <a:tcPr/>
+                </a:tc>
+              </a:tr>
+              <a:tr h="370840">
+                <a:tc>
+                  <a:txBody>
+                    <a:bodyPr/>
+                    <a:lstStyle/>
+                    <a:p>
+                      <a:r>
+                        <a:rPr lang="en-US" dirty="0" smtClean="0"/>
+                        <a:t>Run</a:t>
+                      </a:r>
+                      <a:r>
+                        <a:rPr lang="en-US" baseline="0" dirty="0" smtClean="0"/>
+                        <a:t> Time </a:t>
+                      </a:r>
+                      <a:endParaRPr lang="en-US" dirty="0"/>
+                    </a:p>
+                  </a:txBody>
+                  <a:tcPr/>
+                </a:tc>
+                <a:tc>
+                  <a:txBody>
+                    <a:bodyPr/>
+                    <a:lstStyle/>
+                    <a:p>
+                      <a:r>
+                        <a:rPr lang="en-US" dirty="0" smtClean="0"/>
+                        <a:t>28</a:t>
+                      </a:r>
+                      <a:endParaRPr lang="en-US" dirty="0"/>
+                    </a:p>
+                  </a:txBody>
+                  <a:tcPr/>
+                </a:tc>
+                <a:tc>
+                  <a:txBody>
+                    <a:bodyPr/>
+                    <a:lstStyle/>
+                    <a:p>
+                      <a:r>
+                        <a:rPr lang="en-US" dirty="0" smtClean="0"/>
+                        <a:t>10.68</a:t>
+                      </a:r>
+                      <a:endParaRPr lang="en-US" dirty="0"/>
+                    </a:p>
+                  </a:txBody>
+                  <a:tcPr/>
+                </a:tc>
+                <a:tc>
+                  <a:txBody>
+                    <a:bodyPr/>
+                    <a:lstStyle/>
+                    <a:p>
+                      <a:r>
+                        <a:rPr lang="en-US" dirty="0" smtClean="0"/>
+                        <a:t>1.37</a:t>
+                      </a:r>
+                      <a:endParaRPr lang="en-US" dirty="0"/>
+                    </a:p>
+                  </a:txBody>
+                  <a:tcPr/>
+                </a:tc>
+                <a:tc>
+                  <a:txBody>
+                    <a:bodyPr/>
+                    <a:lstStyle/>
+                    <a:p>
+                      <a:r>
+                        <a:rPr lang="en-US" dirty="0" smtClean="0"/>
+                        <a:t>8.63</a:t>
+                      </a:r>
+                      <a:endParaRPr lang="en-US" dirty="0"/>
+                    </a:p>
+                  </a:txBody>
+                  <a:tcPr/>
+                </a:tc>
+                <a:tc>
+                  <a:txBody>
+                    <a:bodyPr/>
+                    <a:lstStyle/>
+                    <a:p>
+                      <a:r>
+                        <a:rPr lang="en-US" dirty="0" smtClean="0"/>
+                        <a:t>14.03</a:t>
+                      </a:r>
+                      <a:endParaRPr lang="en-US" dirty="0"/>
+                    </a:p>
+                  </a:txBody>
+                  <a:tcPr/>
+                </a:tc>
+              </a:tr>
+              <a:tr h="370840">
+                <a:tc>
+                  <a:txBody>
+                    <a:bodyPr/>
+                    <a:lstStyle/>
+                    <a:p>
+                      <a:r>
+                        <a:rPr lang="en-US" dirty="0" smtClean="0"/>
+                        <a:t>Run</a:t>
+                      </a:r>
+                      <a:r>
+                        <a:rPr lang="en-US" baseline="0" dirty="0" smtClean="0"/>
+                        <a:t> Pulse</a:t>
+                      </a:r>
+                      <a:endParaRPr lang="en-US" dirty="0"/>
+                    </a:p>
+                  </a:txBody>
+                  <a:tcPr/>
+                </a:tc>
+                <a:tc>
+                  <a:txBody>
+                    <a:bodyPr/>
+                    <a:lstStyle/>
+                    <a:p>
+                      <a:r>
+                        <a:rPr lang="en-US" dirty="0" smtClean="0"/>
+                        <a:t>23</a:t>
+                      </a:r>
+                      <a:endParaRPr lang="en-US" dirty="0"/>
+                    </a:p>
+                  </a:txBody>
+                  <a:tcPr/>
+                </a:tc>
+                <a:tc>
+                  <a:txBody>
+                    <a:bodyPr/>
+                    <a:lstStyle/>
+                    <a:p>
+                      <a:r>
+                        <a:rPr lang="en-US" dirty="0" smtClean="0"/>
+                        <a:t>170.73</a:t>
+                      </a:r>
+                      <a:endParaRPr lang="en-US" dirty="0"/>
+                    </a:p>
+                  </a:txBody>
+                  <a:tcPr/>
+                </a:tc>
+                <a:tc>
+                  <a:txBody>
+                    <a:bodyPr/>
+                    <a:lstStyle/>
+                    <a:p>
+                      <a:r>
+                        <a:rPr lang="en-US" dirty="0" smtClean="0"/>
+                        <a:t>11.28</a:t>
+                      </a:r>
+                      <a:endParaRPr lang="en-US" dirty="0"/>
+                    </a:p>
+                  </a:txBody>
+                  <a:tcPr/>
+                </a:tc>
+                <a:tc>
+                  <a:txBody>
+                    <a:bodyPr/>
+                    <a:lstStyle/>
+                    <a:p>
+                      <a:r>
+                        <a:rPr lang="en-US" dirty="0" smtClean="0"/>
+                        <a:t>146.00</a:t>
+                      </a:r>
+                      <a:endParaRPr lang="en-US" dirty="0"/>
+                    </a:p>
+                  </a:txBody>
+                  <a:tcPr/>
+                </a:tc>
+                <a:tc>
+                  <a:txBody>
+                    <a:bodyPr/>
+                    <a:lstStyle/>
+                    <a:p>
+                      <a:r>
+                        <a:rPr lang="en-US" dirty="0" smtClean="0"/>
+                        <a:t>186.00</a:t>
+                      </a:r>
+                      <a:endParaRPr lang="en-US" dirty="0"/>
+                    </a:p>
+                  </a:txBody>
+                  <a:tcPr/>
+                </a:tc>
+              </a:tr>
+            </a:tbl>
+          </a:graphicData>
+        </a:graphic>
+      </p:graphicFrame>
     </p:spTree>
     <p:extLst>
       <p:ext uri="{BB962C8B-B14F-4D97-AF65-F5344CB8AC3E}">
-        <p14:creationId xmlns:p14="http://schemas.microsoft.com/office/powerpoint/2010/main" val="3489439306"/>
+        <p14:creationId xmlns:p14="http://schemas.microsoft.com/office/powerpoint/2010/main" val="3766791027"/>
       </p:ext>
     </p:extLst>
   </p:cSld>
